--- a/FlaskApp/static/generated/51Test1.pptx
+++ b/FlaskApp/static/generated/51Test1.pptx
@@ -4244,6 +4244,19 @@
                     <a:p>
                       <a:r>
                         <a:rPr sz="1600"/>
+                        <a:t>Corporate</a:t>
+                      </a:r>
+                    </a:p>
+                  </a:txBody>
+                  <a:tcPr/>
+                </a:tc>
+                <a:tc>
+                  <a:txBody>
+                    <a:bodyPr/>
+                    <a:lstStyle/>
+                    <a:p>
+                      <a:r>
+                        <a:rPr sz="1600"/>
                         <a:t>Seml</a:t>
                       </a:r>
                     </a:p>
@@ -4257,46 +4270,33 @@
                     <a:p>
                       <a:r>
                         <a:rPr sz="1600"/>
-                        <a:t>Spg</a:t>
-                      </a:r>
-                    </a:p>
-                  </a:txBody>
-                  <a:tcPr/>
-                </a:tc>
-                <a:tc>
-                  <a:txBody>
-                    <a:bodyPr/>
-                    <a:lstStyle/>
-                    <a:p>
-                      <a:r>
-                        <a:rPr sz="1600"/>
-                        <a:t>Corporate</a:t>
-                      </a:r>
-                    </a:p>
-                  </a:txBody>
-                  <a:tcPr/>
-                </a:tc>
-                <a:tc>
-                  <a:txBody>
-                    <a:bodyPr/>
-                    <a:lstStyle/>
-                    <a:p>
-                      <a:r>
-                        <a:rPr sz="1600"/>
-                        <a:t>R&amp;d</a:t>
-                      </a:r>
-                    </a:p>
-                  </a:txBody>
-                  <a:tcPr/>
-                </a:tc>
-                <a:tc>
-                  <a:txBody>
-                    <a:bodyPr/>
-                    <a:lstStyle/>
-                    <a:p>
-                      <a:r>
-                        <a:rPr sz="1600"/>
-                        <a:t>Pondy formulations</a:t>
+                        <a:t>Other</a:t>
+                      </a:r>
+                    </a:p>
+                  </a:txBody>
+                  <a:tcPr/>
+                </a:tc>
+                <a:tc>
+                  <a:txBody>
+                    <a:bodyPr/>
+                    <a:lstStyle/>
+                    <a:p>
+                      <a:r>
+                        <a:rPr sz="1600"/>
+                        <a:t>Ucl</a:t>
+                      </a:r>
+                    </a:p>
+                  </a:txBody>
+                  <a:tcPr/>
+                </a:tc>
+                <a:tc>
+                  <a:txBody>
+                    <a:bodyPr/>
+                    <a:lstStyle/>
+                    <a:p>
+                      <a:r>
+                        <a:rPr sz="1600"/>
+                        <a:t>Alathur</a:t>
                       </a:r>
                     </a:p>
                   </a:txBody>
@@ -4324,6 +4324,19 @@
                     <a:p>
                       <a:r>
                         <a:rPr sz="1600"/>
+                        <a:t>13%</a:t>
+                      </a:r>
+                    </a:p>
+                  </a:txBody>
+                  <a:tcPr/>
+                </a:tc>
+                <a:tc>
+                  <a:txBody>
+                    <a:bodyPr/>
+                    <a:lstStyle/>
+                    <a:p>
+                      <a:r>
+                        <a:rPr sz="1600"/>
                         <a:t>44%</a:t>
                       </a:r>
                     </a:p>
@@ -4350,33 +4363,20 @@
                     <a:p>
                       <a:r>
                         <a:rPr sz="1600"/>
-                        <a:t>13%</a:t>
-                      </a:r>
-                    </a:p>
-                  </a:txBody>
-                  <a:tcPr/>
-                </a:tc>
-                <a:tc>
-                  <a:txBody>
-                    <a:bodyPr/>
-                    <a:lstStyle/>
-                    <a:p>
-                      <a:r>
-                        <a:rPr sz="1600"/>
-                        <a:t>31%</a:t>
-                      </a:r>
-                    </a:p>
-                  </a:txBody>
-                  <a:tcPr/>
-                </a:tc>
-                <a:tc>
-                  <a:txBody>
-                    <a:bodyPr/>
-                    <a:lstStyle/>
-                    <a:p>
-                      <a:r>
-                        <a:rPr sz="1600"/>
-                        <a:t>33%</a:t>
+                        <a:t>50%</a:t>
+                      </a:r>
+                    </a:p>
+                  </a:txBody>
+                  <a:tcPr/>
+                </a:tc>
+                <a:tc>
+                  <a:txBody>
+                    <a:bodyPr/>
+                    <a:lstStyle/>
+                    <a:p>
+                      <a:r>
+                        <a:rPr sz="1600"/>
+                        <a:t>27%</a:t>
                       </a:r>
                     </a:p>
                   </a:txBody>
@@ -4404,6 +4404,19 @@
                     <a:p>
                       <a:r>
                         <a:rPr sz="1600"/>
+                        <a:t>20%</a:t>
+                      </a:r>
+                    </a:p>
+                  </a:txBody>
+                  <a:tcPr/>
+                </a:tc>
+                <a:tc>
+                  <a:txBody>
+                    <a:bodyPr/>
+                    <a:lstStyle/>
+                    <a:p>
+                      <a:r>
+                        <a:rPr sz="1600"/>
                         <a:t>6%</a:t>
                       </a:r>
                     </a:p>
@@ -4430,33 +4443,20 @@
                     <a:p>
                       <a:r>
                         <a:rPr sz="1600"/>
-                        <a:t>20%</a:t>
-                      </a:r>
-                    </a:p>
-                  </a:txBody>
-                  <a:tcPr/>
-                </a:tc>
-                <a:tc>
-                  <a:txBody>
-                    <a:bodyPr/>
-                    <a:lstStyle/>
-                    <a:p>
-                      <a:r>
-                        <a:rPr sz="1600"/>
-                        <a:t>28%</a:t>
-                      </a:r>
-                    </a:p>
-                  </a:txBody>
-                  <a:tcPr/>
-                </a:tc>
-                <a:tc>
-                  <a:txBody>
-                    <a:bodyPr/>
-                    <a:lstStyle/>
-                    <a:p>
-                      <a:r>
-                        <a:rPr sz="1600"/>
-                        <a:t>20%</a:t>
+                        <a:t>0%</a:t>
+                      </a:r>
+                    </a:p>
+                  </a:txBody>
+                  <a:tcPr/>
+                </a:tc>
+                <a:tc>
+                  <a:txBody>
+                    <a:bodyPr/>
+                    <a:lstStyle/>
+                    <a:p>
+                      <a:r>
+                        <a:rPr sz="1600"/>
+                        <a:t>18%</a:t>
                       </a:r>
                     </a:p>
                   </a:txBody>
@@ -4484,6 +4484,19 @@
                     <a:p>
                       <a:r>
                         <a:rPr sz="1600"/>
+                        <a:t>40%</a:t>
+                      </a:r>
+                    </a:p>
+                  </a:txBody>
+                  <a:tcPr/>
+                </a:tc>
+                <a:tc>
+                  <a:txBody>
+                    <a:bodyPr/>
+                    <a:lstStyle/>
+                    <a:p>
+                      <a:r>
+                        <a:rPr sz="1600"/>
                         <a:t>11%</a:t>
                       </a:r>
                     </a:p>
@@ -4497,6 +4510,19 @@
                     <a:p>
                       <a:r>
                         <a:rPr sz="1600"/>
+                        <a:t>100%</a:t>
+                      </a:r>
+                    </a:p>
+                  </a:txBody>
+                  <a:tcPr/>
+                </a:tc>
+                <a:tc>
+                  <a:txBody>
+                    <a:bodyPr/>
+                    <a:lstStyle/>
+                    <a:p>
+                      <a:r>
+                        <a:rPr sz="1600"/>
                         <a:t>0%</a:t>
                       </a:r>
                     </a:p>
@@ -4510,33 +4536,7 @@
                     <a:p>
                       <a:r>
                         <a:rPr sz="1600"/>
-                        <a:t>40%</a:t>
-                      </a:r>
-                    </a:p>
-                  </a:txBody>
-                  <a:tcPr/>
-                </a:tc>
-                <a:tc>
-                  <a:txBody>
-                    <a:bodyPr/>
-                    <a:lstStyle/>
-                    <a:p>
-                      <a:r>
-                        <a:rPr sz="1600"/>
-                        <a:t>31%</a:t>
-                      </a:r>
-                    </a:p>
-                  </a:txBody>
-                  <a:tcPr/>
-                </a:tc>
-                <a:tc>
-                  <a:txBody>
-                    <a:bodyPr/>
-                    <a:lstStyle/>
-                    <a:p>
-                      <a:r>
-                        <a:rPr sz="1600"/>
-                        <a:t>24%</a:t>
+                        <a:t>36%</a:t>
                       </a:r>
                     </a:p>
                   </a:txBody>
@@ -4564,6 +4564,19 @@
                     <a:p>
                       <a:r>
                         <a:rPr sz="1600"/>
+                        <a:t>7%</a:t>
+                      </a:r>
+                    </a:p>
+                  </a:txBody>
+                  <a:tcPr/>
+                </a:tc>
+                <a:tc>
+                  <a:txBody>
+                    <a:bodyPr/>
+                    <a:lstStyle/>
+                    <a:p>
+                      <a:r>
+                        <a:rPr sz="1600"/>
                         <a:t>17%</a:t>
                       </a:r>
                     </a:p>
@@ -4590,20 +4603,7 @@
                     <a:p>
                       <a:r>
                         <a:rPr sz="1600"/>
-                        <a:t>7%</a:t>
-                      </a:r>
-                    </a:p>
-                  </a:txBody>
-                  <a:tcPr/>
-                </a:tc>
-                <a:tc>
-                  <a:txBody>
-                    <a:bodyPr/>
-                    <a:lstStyle/>
-                    <a:p>
-                      <a:r>
-                        <a:rPr sz="1600"/>
-                        <a:t>6%</a:t>
+                        <a:t>50%</a:t>
                       </a:r>
                     </a:p>
                   </a:txBody>
@@ -4644,6 +4644,19 @@
                     <a:p>
                       <a:r>
                         <a:rPr sz="1600"/>
+                        <a:t>20%</a:t>
+                      </a:r>
+                    </a:p>
+                  </a:txBody>
+                  <a:tcPr/>
+                </a:tc>
+                <a:tc>
+                  <a:txBody>
+                    <a:bodyPr/>
+                    <a:lstStyle/>
+                    <a:p>
+                      <a:r>
+                        <a:rPr sz="1600"/>
                         <a:t>22%</a:t>
                       </a:r>
                     </a:p>
@@ -4670,33 +4683,20 @@
                     <a:p>
                       <a:r>
                         <a:rPr sz="1600"/>
-                        <a:t>20%</a:t>
-                      </a:r>
-                    </a:p>
-                  </a:txBody>
-                  <a:tcPr/>
-                </a:tc>
-                <a:tc>
-                  <a:txBody>
-                    <a:bodyPr/>
-                    <a:lstStyle/>
-                    <a:p>
-                      <a:r>
-                        <a:rPr sz="1600"/>
-                        <a:t>3%</a:t>
-                      </a:r>
-                    </a:p>
-                  </a:txBody>
-                  <a:tcPr/>
-                </a:tc>
-                <a:tc>
-                  <a:txBody>
-                    <a:bodyPr/>
-                    <a:lstStyle/>
-                    <a:p>
-                      <a:r>
-                        <a:rPr sz="1600"/>
-                        <a:t>8%</a:t>
+                        <a:t>0%</a:t>
+                      </a:r>
+                    </a:p>
+                  </a:txBody>
+                  <a:tcPr/>
+                </a:tc>
+                <a:tc>
+                  <a:txBody>
+                    <a:bodyPr/>
+                    <a:lstStyle/>
+                    <a:p>
+                      <a:r>
+                        <a:rPr sz="1600"/>
+                        <a:t>5%</a:t>
                       </a:r>
                     </a:p>
                   </a:txBody>
@@ -4737,7 +4737,7 @@
                     <a:p>
                       <a:r>
                         <a:rPr sz="1600"/>
-                        <a:t>0%</a:t>
+                        <a:t>100%</a:t>
                       </a:r>
                     </a:p>
                   </a:txBody>
@@ -4834,7 +4834,46 @@
                     <a:p>
                       <a:r>
                         <a:rPr sz="1600"/>
-                        <a:t>Ucl</a:t>
+                        <a:t>Spg</a:t>
+                      </a:r>
+                    </a:p>
+                  </a:txBody>
+                  <a:tcPr/>
+                </a:tc>
+                <a:tc>
+                  <a:txBody>
+                    <a:bodyPr/>
+                    <a:lstStyle/>
+                    <a:p>
+                      <a:r>
+                        <a:rPr sz="1600"/>
+                        <a:t>Pondy formulations</a:t>
+                      </a:r>
+                    </a:p>
+                  </a:txBody>
+                  <a:tcPr/>
+                </a:tc>
+                <a:tc>
+                  <a:txBody>
+                    <a:bodyPr/>
+                    <a:lstStyle/>
+                    <a:p>
+                      <a:r>
+                        <a:rPr sz="1600"/>
+                        <a:t>Arcolab</a:t>
+                      </a:r>
+                    </a:p>
+                  </a:txBody>
+                  <a:tcPr/>
+                </a:tc>
+                <a:tc>
+                  <a:txBody>
+                    <a:bodyPr/>
+                    <a:lstStyle/>
+                    <a:p>
+                      <a:r>
+                        <a:rPr sz="1600"/>
+                        <a:t>R&amp;d</a:t>
                       </a:r>
                     </a:p>
                   </a:txBody>
@@ -4848,45 +4887,6 @@
                       <a:r>
                         <a:rPr sz="1600"/>
                         <a:t>Krsg</a:t>
-                      </a:r>
-                    </a:p>
-                  </a:txBody>
-                  <a:tcPr/>
-                </a:tc>
-                <a:tc>
-                  <a:txBody>
-                    <a:bodyPr/>
-                    <a:lstStyle/>
-                    <a:p>
-                      <a:r>
-                        <a:rPr sz="1600"/>
-                        <a:t>Alathur</a:t>
-                      </a:r>
-                    </a:p>
-                  </a:txBody>
-                  <a:tcPr/>
-                </a:tc>
-                <a:tc>
-                  <a:txBody>
-                    <a:bodyPr/>
-                    <a:lstStyle/>
-                    <a:p>
-                      <a:r>
-                        <a:rPr sz="1600"/>
-                        <a:t>Other</a:t>
-                      </a:r>
-                    </a:p>
-                  </a:txBody>
-                  <a:tcPr/>
-                </a:tc>
-                <a:tc>
-                  <a:txBody>
-                    <a:bodyPr/>
-                    <a:lstStyle/>
-                    <a:p>
-                      <a:r>
-                        <a:rPr sz="1600"/>
-                        <a:t>Arcolab</a:t>
                       </a:r>
                     </a:p>
                   </a:txBody>
@@ -4914,7 +4914,46 @@
                     <a:p>
                       <a:r>
                         <a:rPr sz="1600"/>
-                        <a:t>50%</a:t>
+                        <a:t>0%</a:t>
+                      </a:r>
+                    </a:p>
+                  </a:txBody>
+                  <a:tcPr/>
+                </a:tc>
+                <a:tc>
+                  <a:txBody>
+                    <a:bodyPr/>
+                    <a:lstStyle/>
+                    <a:p>
+                      <a:r>
+                        <a:rPr sz="1600"/>
+                        <a:t>33%</a:t>
+                      </a:r>
+                    </a:p>
+                  </a:txBody>
+                  <a:tcPr/>
+                </a:tc>
+                <a:tc>
+                  <a:txBody>
+                    <a:bodyPr/>
+                    <a:lstStyle/>
+                    <a:p>
+                      <a:r>
+                        <a:rPr sz="1600"/>
+                        <a:t>40%</a:t>
+                      </a:r>
+                    </a:p>
+                  </a:txBody>
+                  <a:tcPr/>
+                </a:tc>
+                <a:tc>
+                  <a:txBody>
+                    <a:bodyPr/>
+                    <a:lstStyle/>
+                    <a:p>
+                      <a:r>
+                        <a:rPr sz="1600"/>
+                        <a:t>31%</a:t>
                       </a:r>
                     </a:p>
                   </a:txBody>
@@ -4928,45 +4967,6 @@
                       <a:r>
                         <a:rPr sz="1600"/>
                         <a:t>29%</a:t>
-                      </a:r>
-                    </a:p>
-                  </a:txBody>
-                  <a:tcPr/>
-                </a:tc>
-                <a:tc>
-                  <a:txBody>
-                    <a:bodyPr/>
-                    <a:lstStyle/>
-                    <a:p>
-                      <a:r>
-                        <a:rPr sz="1600"/>
-                        <a:t>27%</a:t>
-                      </a:r>
-                    </a:p>
-                  </a:txBody>
-                  <a:tcPr/>
-                </a:tc>
-                <a:tc>
-                  <a:txBody>
-                    <a:bodyPr/>
-                    <a:lstStyle/>
-                    <a:p>
-                      <a:r>
-                        <a:rPr sz="1600"/>
-                        <a:t>0%</a:t>
-                      </a:r>
-                    </a:p>
-                  </a:txBody>
-                  <a:tcPr/>
-                </a:tc>
-                <a:tc>
-                  <a:txBody>
-                    <a:bodyPr/>
-                    <a:lstStyle/>
-                    <a:p>
-                      <a:r>
-                        <a:rPr sz="1600"/>
-                        <a:t>40%</a:t>
                       </a:r>
                     </a:p>
                   </a:txBody>
@@ -5007,46 +5007,46 @@
                     <a:p>
                       <a:r>
                         <a:rPr sz="1600"/>
+                        <a:t>20%</a:t>
+                      </a:r>
+                    </a:p>
+                  </a:txBody>
+                  <a:tcPr/>
+                </a:tc>
+                <a:tc>
+                  <a:txBody>
+                    <a:bodyPr/>
+                    <a:lstStyle/>
+                    <a:p>
+                      <a:r>
+                        <a:rPr sz="1600"/>
+                        <a:t>20%</a:t>
+                      </a:r>
+                    </a:p>
+                  </a:txBody>
+                  <a:tcPr/>
+                </a:tc>
+                <a:tc>
+                  <a:txBody>
+                    <a:bodyPr/>
+                    <a:lstStyle/>
+                    <a:p>
+                      <a:r>
+                        <a:rPr sz="1600"/>
+                        <a:t>28%</a:t>
+                      </a:r>
+                    </a:p>
+                  </a:txBody>
+                  <a:tcPr/>
+                </a:tc>
+                <a:tc>
+                  <a:txBody>
+                    <a:bodyPr/>
+                    <a:lstStyle/>
+                    <a:p>
+                      <a:r>
+                        <a:rPr sz="1600"/>
                         <a:t>21%</a:t>
-                      </a:r>
-                    </a:p>
-                  </a:txBody>
-                  <a:tcPr/>
-                </a:tc>
-                <a:tc>
-                  <a:txBody>
-                    <a:bodyPr/>
-                    <a:lstStyle/>
-                    <a:p>
-                      <a:r>
-                        <a:rPr sz="1600"/>
-                        <a:t>18%</a:t>
-                      </a:r>
-                    </a:p>
-                  </a:txBody>
-                  <a:tcPr/>
-                </a:tc>
-                <a:tc>
-                  <a:txBody>
-                    <a:bodyPr/>
-                    <a:lstStyle/>
-                    <a:p>
-                      <a:r>
-                        <a:rPr sz="1600"/>
-                        <a:t>0%</a:t>
-                      </a:r>
-                    </a:p>
-                  </a:txBody>
-                  <a:tcPr/>
-                </a:tc>
-                <a:tc>
-                  <a:txBody>
-                    <a:bodyPr/>
-                    <a:lstStyle/>
-                    <a:p>
-                      <a:r>
-                        <a:rPr sz="1600"/>
-                        <a:t>20%</a:t>
                       </a:r>
                     </a:p>
                   </a:txBody>
@@ -5100,33 +5100,33 @@
                     <a:p>
                       <a:r>
                         <a:rPr sz="1600"/>
-                        <a:t>36%</a:t>
-                      </a:r>
-                    </a:p>
-                  </a:txBody>
-                  <a:tcPr/>
-                </a:tc>
-                <a:tc>
-                  <a:txBody>
-                    <a:bodyPr/>
-                    <a:lstStyle/>
-                    <a:p>
-                      <a:r>
-                        <a:rPr sz="1600"/>
-                        <a:t>100%</a:t>
-                      </a:r>
-                    </a:p>
-                  </a:txBody>
-                  <a:tcPr/>
-                </a:tc>
-                <a:tc>
-                  <a:txBody>
-                    <a:bodyPr/>
-                    <a:lstStyle/>
-                    <a:p>
-                      <a:r>
-                        <a:rPr sz="1600"/>
                         <a:t>0%</a:t>
+                      </a:r>
+                    </a:p>
+                  </a:txBody>
+                  <a:tcPr/>
+                </a:tc>
+                <a:tc>
+                  <a:txBody>
+                    <a:bodyPr/>
+                    <a:lstStyle/>
+                    <a:p>
+                      <a:r>
+                        <a:rPr sz="1600"/>
+                        <a:t>31%</a:t>
+                      </a:r>
+                    </a:p>
+                  </a:txBody>
+                  <a:tcPr/>
+                </a:tc>
+                <a:tc>
+                  <a:txBody>
+                    <a:bodyPr/>
+                    <a:lstStyle/>
+                    <a:p>
+                      <a:r>
+                        <a:rPr sz="1600"/>
+                        <a:t>24%</a:t>
                       </a:r>
                     </a:p>
                   </a:txBody>
@@ -5154,7 +5154,7 @@
                     <a:p>
                       <a:r>
                         <a:rPr sz="1600"/>
-                        <a:t>50%</a:t>
+                        <a:t>0%</a:t>
                       </a:r>
                     </a:p>
                   </a:txBody>
@@ -5180,33 +5180,33 @@
                     <a:p>
                       <a:r>
                         <a:rPr sz="1600"/>
+                        <a:t>20%</a:t>
+                      </a:r>
+                    </a:p>
+                  </a:txBody>
+                  <a:tcPr/>
+                </a:tc>
+                <a:tc>
+                  <a:txBody>
+                    <a:bodyPr/>
+                    <a:lstStyle/>
+                    <a:p>
+                      <a:r>
+                        <a:rPr sz="1600"/>
+                        <a:t>6%</a:t>
+                      </a:r>
+                    </a:p>
+                  </a:txBody>
+                  <a:tcPr/>
+                </a:tc>
+                <a:tc>
+                  <a:txBody>
+                    <a:bodyPr/>
+                    <a:lstStyle/>
+                    <a:p>
+                      <a:r>
+                        <a:rPr sz="1600"/>
                         <a:t>14%</a:t>
-                      </a:r>
-                    </a:p>
-                  </a:txBody>
-                  <a:tcPr/>
-                </a:tc>
-                <a:tc>
-                  <a:txBody>
-                    <a:bodyPr/>
-                    <a:lstStyle/>
-                    <a:p>
-                      <a:r>
-                        <a:rPr sz="1600"/>
-                        <a:t>0%</a:t>
-                      </a:r>
-                    </a:p>
-                  </a:txBody>
-                  <a:tcPr/>
-                </a:tc>
-                <a:tc>
-                  <a:txBody>
-                    <a:bodyPr/>
-                    <a:lstStyle/>
-                    <a:p>
-                      <a:r>
-                        <a:rPr sz="1600"/>
-                        <a:t>20%</a:t>
                       </a:r>
                     </a:p>
                   </a:txBody>
@@ -5247,46 +5247,46 @@
                     <a:p>
                       <a:r>
                         <a:rPr sz="1600"/>
+                        <a:t>8%</a:t>
+                      </a:r>
+                    </a:p>
+                  </a:txBody>
+                  <a:tcPr/>
+                </a:tc>
+                <a:tc>
+                  <a:txBody>
+                    <a:bodyPr/>
+                    <a:lstStyle/>
+                    <a:p>
+                      <a:r>
+                        <a:rPr sz="1600"/>
+                        <a:t>20%</a:t>
+                      </a:r>
+                    </a:p>
+                  </a:txBody>
+                  <a:tcPr/>
+                </a:tc>
+                <a:tc>
+                  <a:txBody>
+                    <a:bodyPr/>
+                    <a:lstStyle/>
+                    <a:p>
+                      <a:r>
+                        <a:rPr sz="1600"/>
+                        <a:t>3%</a:t>
+                      </a:r>
+                    </a:p>
+                  </a:txBody>
+                  <a:tcPr/>
+                </a:tc>
+                <a:tc>
+                  <a:txBody>
+                    <a:bodyPr/>
+                    <a:lstStyle/>
+                    <a:p>
+                      <a:r>
+                        <a:rPr sz="1600"/>
                         <a:t>11%</a:t>
-                      </a:r>
-                    </a:p>
-                  </a:txBody>
-                  <a:tcPr/>
-                </a:tc>
-                <a:tc>
-                  <a:txBody>
-                    <a:bodyPr/>
-                    <a:lstStyle/>
-                    <a:p>
-                      <a:r>
-                        <a:rPr sz="1600"/>
-                        <a:t>5%</a:t>
-                      </a:r>
-                    </a:p>
-                  </a:txBody>
-                  <a:tcPr/>
-                </a:tc>
-                <a:tc>
-                  <a:txBody>
-                    <a:bodyPr/>
-                    <a:lstStyle/>
-                    <a:p>
-                      <a:r>
-                        <a:rPr sz="1600"/>
-                        <a:t>0%</a:t>
-                      </a:r>
-                    </a:p>
-                  </a:txBody>
-                  <a:tcPr/>
-                </a:tc>
-                <a:tc>
-                  <a:txBody>
-                    <a:bodyPr/>
-                    <a:lstStyle/>
-                    <a:p>
-                      <a:r>
-                        <a:rPr sz="1600"/>
-                        <a:t>20%</a:t>
                       </a:r>
                     </a:p>
                   </a:txBody>
@@ -5314,7 +5314,7 @@
                     <a:p>
                       <a:r>
                         <a:rPr sz="1600"/>
-                        <a:t>100%</a:t>
+                        <a:t>0%</a:t>
                       </a:r>
                     </a:p>
                   </a:txBody>
@@ -5506,6 +5506,19 @@
                     <a:p>
                       <a:r>
                         <a:rPr sz="1600"/>
+                        <a:t>Corporate</a:t>
+                      </a:r>
+                    </a:p>
+                  </a:txBody>
+                  <a:tcPr/>
+                </a:tc>
+                <a:tc>
+                  <a:txBody>
+                    <a:bodyPr/>
+                    <a:lstStyle/>
+                    <a:p>
+                      <a:r>
+                        <a:rPr sz="1600"/>
                         <a:t>Seml</a:t>
                       </a:r>
                     </a:p>
@@ -5519,46 +5532,33 @@
                     <a:p>
                       <a:r>
                         <a:rPr sz="1600"/>
-                        <a:t>Spg</a:t>
-                      </a:r>
-                    </a:p>
-                  </a:txBody>
-                  <a:tcPr/>
-                </a:tc>
-                <a:tc>
-                  <a:txBody>
-                    <a:bodyPr/>
-                    <a:lstStyle/>
-                    <a:p>
-                      <a:r>
-                        <a:rPr sz="1600"/>
-                        <a:t>Corporate</a:t>
-                      </a:r>
-                    </a:p>
-                  </a:txBody>
-                  <a:tcPr/>
-                </a:tc>
-                <a:tc>
-                  <a:txBody>
-                    <a:bodyPr/>
-                    <a:lstStyle/>
-                    <a:p>
-                      <a:r>
-                        <a:rPr sz="1600"/>
-                        <a:t>R&amp;d</a:t>
-                      </a:r>
-                    </a:p>
-                  </a:txBody>
-                  <a:tcPr/>
-                </a:tc>
-                <a:tc>
-                  <a:txBody>
-                    <a:bodyPr/>
-                    <a:lstStyle/>
-                    <a:p>
-                      <a:r>
-                        <a:rPr sz="1600"/>
-                        <a:t>Pondy formulations</a:t>
+                        <a:t>Other</a:t>
+                      </a:r>
+                    </a:p>
+                  </a:txBody>
+                  <a:tcPr/>
+                </a:tc>
+                <a:tc>
+                  <a:txBody>
+                    <a:bodyPr/>
+                    <a:lstStyle/>
+                    <a:p>
+                      <a:r>
+                        <a:rPr sz="1600"/>
+                        <a:t>Ucl</a:t>
+                      </a:r>
+                    </a:p>
+                  </a:txBody>
+                  <a:tcPr/>
+                </a:tc>
+                <a:tc>
+                  <a:txBody>
+                    <a:bodyPr/>
+                    <a:lstStyle/>
+                    <a:p>
+                      <a:r>
+                        <a:rPr sz="1600"/>
+                        <a:t>Alathur</a:t>
                       </a:r>
                     </a:p>
                   </a:txBody>
@@ -5586,6 +5586,19 @@
                     <a:p>
                       <a:r>
                         <a:rPr sz="1600"/>
+                        <a:t>13%</a:t>
+                      </a:r>
+                    </a:p>
+                  </a:txBody>
+                  <a:tcPr/>
+                </a:tc>
+                <a:tc>
+                  <a:txBody>
+                    <a:bodyPr/>
+                    <a:lstStyle/>
+                    <a:p>
+                      <a:r>
+                        <a:rPr sz="1600"/>
                         <a:t>56%</a:t>
                       </a:r>
                     </a:p>
@@ -5599,46 +5612,33 @@
                     <a:p>
                       <a:r>
                         <a:rPr sz="1600"/>
-                        <a:t>0%</a:t>
-                      </a:r>
-                    </a:p>
-                  </a:txBody>
-                  <a:tcPr/>
-                </a:tc>
-                <a:tc>
-                  <a:txBody>
-                    <a:bodyPr/>
-                    <a:lstStyle/>
-                    <a:p>
-                      <a:r>
-                        <a:rPr sz="1600"/>
-                        <a:t>13%</a:t>
-                      </a:r>
-                    </a:p>
-                  </a:txBody>
-                  <a:tcPr/>
-                </a:tc>
-                <a:tc>
-                  <a:txBody>
-                    <a:bodyPr/>
-                    <a:lstStyle/>
-                    <a:p>
-                      <a:r>
-                        <a:rPr sz="1600"/>
-                        <a:t>29%</a:t>
-                      </a:r>
-                    </a:p>
-                  </a:txBody>
-                  <a:tcPr/>
-                </a:tc>
-                <a:tc>
-                  <a:txBody>
-                    <a:bodyPr/>
-                    <a:lstStyle/>
-                    <a:p>
-                      <a:r>
-                        <a:rPr sz="1600"/>
-                        <a:t>28%</a:t>
+                        <a:t>100%</a:t>
+                      </a:r>
+                    </a:p>
+                  </a:txBody>
+                  <a:tcPr/>
+                </a:tc>
+                <a:tc>
+                  <a:txBody>
+                    <a:bodyPr/>
+                    <a:lstStyle/>
+                    <a:p>
+                      <a:r>
+                        <a:rPr sz="1600"/>
+                        <a:t>75%</a:t>
+                      </a:r>
+                    </a:p>
+                  </a:txBody>
+                  <a:tcPr/>
+                </a:tc>
+                <a:tc>
+                  <a:txBody>
+                    <a:bodyPr/>
+                    <a:lstStyle/>
+                    <a:p>
+                      <a:r>
+                        <a:rPr sz="1600"/>
+                        <a:t>48%</a:t>
                       </a:r>
                     </a:p>
                   </a:txBody>
@@ -5666,6 +5666,19 @@
                     <a:p>
                       <a:r>
                         <a:rPr sz="1600"/>
+                        <a:t>13%</a:t>
+                      </a:r>
+                    </a:p>
+                  </a:txBody>
+                  <a:tcPr/>
+                </a:tc>
+                <a:tc>
+                  <a:txBody>
+                    <a:bodyPr/>
+                    <a:lstStyle/>
+                    <a:p>
+                      <a:r>
+                        <a:rPr sz="1600"/>
                         <a:t>0%</a:t>
                       </a:r>
                     </a:p>
@@ -5692,33 +5705,20 @@
                     <a:p>
                       <a:r>
                         <a:rPr sz="1600"/>
-                        <a:t>13%</a:t>
-                      </a:r>
-                    </a:p>
-                  </a:txBody>
-                  <a:tcPr/>
-                </a:tc>
-                <a:tc>
-                  <a:txBody>
-                    <a:bodyPr/>
-                    <a:lstStyle/>
-                    <a:p>
-                      <a:r>
-                        <a:rPr sz="1600"/>
-                        <a:t>16%</a:t>
-                      </a:r>
-                    </a:p>
-                  </a:txBody>
-                  <a:tcPr/>
-                </a:tc>
-                <a:tc>
-                  <a:txBody>
-                    <a:bodyPr/>
-                    <a:lstStyle/>
-                    <a:p>
-                      <a:r>
-                        <a:rPr sz="1600"/>
-                        <a:t>21%</a:t>
+                        <a:t>0%</a:t>
+                      </a:r>
+                    </a:p>
+                  </a:txBody>
+                  <a:tcPr/>
+                </a:tc>
+                <a:tc>
+                  <a:txBody>
+                    <a:bodyPr/>
+                    <a:lstStyle/>
+                    <a:p>
+                      <a:r>
+                        <a:rPr sz="1600"/>
+                        <a:t>9%</a:t>
                       </a:r>
                     </a:p>
                   </a:txBody>
@@ -5746,6 +5746,19 @@
                     <a:p>
                       <a:r>
                         <a:rPr sz="1600"/>
+                        <a:t>73%</a:t>
+                      </a:r>
+                    </a:p>
+                  </a:txBody>
+                  <a:tcPr/>
+                </a:tc>
+                <a:tc>
+                  <a:txBody>
+                    <a:bodyPr/>
+                    <a:lstStyle/>
+                    <a:p>
+                      <a:r>
+                        <a:rPr sz="1600"/>
                         <a:t>44%</a:t>
                       </a:r>
                     </a:p>
@@ -5772,33 +5785,20 @@
                     <a:p>
                       <a:r>
                         <a:rPr sz="1600"/>
-                        <a:t>73%</a:t>
-                      </a:r>
-                    </a:p>
-                  </a:txBody>
-                  <a:tcPr/>
-                </a:tc>
-                <a:tc>
-                  <a:txBody>
-                    <a:bodyPr/>
-                    <a:lstStyle/>
-                    <a:p>
-                      <a:r>
-                        <a:rPr sz="1600"/>
-                        <a:t>55%</a:t>
-                      </a:r>
-                    </a:p>
-                  </a:txBody>
-                  <a:tcPr/>
-                </a:tc>
-                <a:tc>
-                  <a:txBody>
-                    <a:bodyPr/>
-                    <a:lstStyle/>
-                    <a:p>
-                      <a:r>
-                        <a:rPr sz="1600"/>
-                        <a:t>51%</a:t>
+                        <a:t>25%</a:t>
+                      </a:r>
+                    </a:p>
+                  </a:txBody>
+                  <a:tcPr/>
+                </a:tc>
+                <a:tc>
+                  <a:txBody>
+                    <a:bodyPr/>
+                    <a:lstStyle/>
+                    <a:p>
+                      <a:r>
+                        <a:rPr sz="1600"/>
+                        <a:t>43%</a:t>
                       </a:r>
                     </a:p>
                   </a:txBody>
@@ -5839,7 +5839,7 @@
                     <a:p>
                       <a:r>
                         <a:rPr sz="1600"/>
-                        <a:t>0%</a:t>
+                        <a:t>100%</a:t>
                       </a:r>
                     </a:p>
                   </a:txBody>
@@ -5936,7 +5936,46 @@
                     <a:p>
                       <a:r>
                         <a:rPr sz="1600"/>
-                        <a:t>Ucl</a:t>
+                        <a:t>Spg</a:t>
+                      </a:r>
+                    </a:p>
+                  </a:txBody>
+                  <a:tcPr/>
+                </a:tc>
+                <a:tc>
+                  <a:txBody>
+                    <a:bodyPr/>
+                    <a:lstStyle/>
+                    <a:p>
+                      <a:r>
+                        <a:rPr sz="1600"/>
+                        <a:t>Pondy formulations</a:t>
+                      </a:r>
+                    </a:p>
+                  </a:txBody>
+                  <a:tcPr/>
+                </a:tc>
+                <a:tc>
+                  <a:txBody>
+                    <a:bodyPr/>
+                    <a:lstStyle/>
+                    <a:p>
+                      <a:r>
+                        <a:rPr sz="1600"/>
+                        <a:t>Arcolab</a:t>
+                      </a:r>
+                    </a:p>
+                  </a:txBody>
+                  <a:tcPr/>
+                </a:tc>
+                <a:tc>
+                  <a:txBody>
+                    <a:bodyPr/>
+                    <a:lstStyle/>
+                    <a:p>
+                      <a:r>
+                        <a:rPr sz="1600"/>
+                        <a:t>R&amp;d</a:t>
                       </a:r>
                     </a:p>
                   </a:txBody>
@@ -5950,45 +5989,6 @@
                       <a:r>
                         <a:rPr sz="1600"/>
                         <a:t>Krsg</a:t>
-                      </a:r>
-                    </a:p>
-                  </a:txBody>
-                  <a:tcPr/>
-                </a:tc>
-                <a:tc>
-                  <a:txBody>
-                    <a:bodyPr/>
-                    <a:lstStyle/>
-                    <a:p>
-                      <a:r>
-                        <a:rPr sz="1600"/>
-                        <a:t>Alathur</a:t>
-                      </a:r>
-                    </a:p>
-                  </a:txBody>
-                  <a:tcPr/>
-                </a:tc>
-                <a:tc>
-                  <a:txBody>
-                    <a:bodyPr/>
-                    <a:lstStyle/>
-                    <a:p>
-                      <a:r>
-                        <a:rPr sz="1600"/>
-                        <a:t>Other</a:t>
-                      </a:r>
-                    </a:p>
-                  </a:txBody>
-                  <a:tcPr/>
-                </a:tc>
-                <a:tc>
-                  <a:txBody>
-                    <a:bodyPr/>
-                    <a:lstStyle/>
-                    <a:p>
-                      <a:r>
-                        <a:rPr sz="1600"/>
-                        <a:t>Arcolab</a:t>
                       </a:r>
                     </a:p>
                   </a:txBody>
@@ -6016,7 +6016,46 @@
                     <a:p>
                       <a:r>
                         <a:rPr sz="1600"/>
-                        <a:t>75%</a:t>
+                        <a:t>0%</a:t>
+                      </a:r>
+                    </a:p>
+                  </a:txBody>
+                  <a:tcPr/>
+                </a:tc>
+                <a:tc>
+                  <a:txBody>
+                    <a:bodyPr/>
+                    <a:lstStyle/>
+                    <a:p>
+                      <a:r>
+                        <a:rPr sz="1600"/>
+                        <a:t>28%</a:t>
+                      </a:r>
+                    </a:p>
+                  </a:txBody>
+                  <a:tcPr/>
+                </a:tc>
+                <a:tc>
+                  <a:txBody>
+                    <a:bodyPr/>
+                    <a:lstStyle/>
+                    <a:p>
+                      <a:r>
+                        <a:rPr sz="1600"/>
+                        <a:t>17%</a:t>
+                      </a:r>
+                    </a:p>
+                  </a:txBody>
+                  <a:tcPr/>
+                </a:tc>
+                <a:tc>
+                  <a:txBody>
+                    <a:bodyPr/>
+                    <a:lstStyle/>
+                    <a:p>
+                      <a:r>
+                        <a:rPr sz="1600"/>
+                        <a:t>29%</a:t>
                       </a:r>
                     </a:p>
                   </a:txBody>
@@ -6030,45 +6069,6 @@
                       <a:r>
                         <a:rPr sz="1600"/>
                         <a:t>41%</a:t>
-                      </a:r>
-                    </a:p>
-                  </a:txBody>
-                  <a:tcPr/>
-                </a:tc>
-                <a:tc>
-                  <a:txBody>
-                    <a:bodyPr/>
-                    <a:lstStyle/>
-                    <a:p>
-                      <a:r>
-                        <a:rPr sz="1600"/>
-                        <a:t>48%</a:t>
-                      </a:r>
-                    </a:p>
-                  </a:txBody>
-                  <a:tcPr/>
-                </a:tc>
-                <a:tc>
-                  <a:txBody>
-                    <a:bodyPr/>
-                    <a:lstStyle/>
-                    <a:p>
-                      <a:r>
-                        <a:rPr sz="1600"/>
-                        <a:t>100%</a:t>
-                      </a:r>
-                    </a:p>
-                  </a:txBody>
-                  <a:tcPr/>
-                </a:tc>
-                <a:tc>
-                  <a:txBody>
-                    <a:bodyPr/>
-                    <a:lstStyle/>
-                    <a:p>
-                      <a:r>
-                        <a:rPr sz="1600"/>
-                        <a:t>17%</a:t>
                       </a:r>
                     </a:p>
                   </a:txBody>
@@ -6109,46 +6109,46 @@
                     <a:p>
                       <a:r>
                         <a:rPr sz="1600"/>
+                        <a:t>21%</a:t>
+                      </a:r>
+                    </a:p>
+                  </a:txBody>
+                  <a:tcPr/>
+                </a:tc>
+                <a:tc>
+                  <a:txBody>
+                    <a:bodyPr/>
+                    <a:lstStyle/>
+                    <a:p>
+                      <a:r>
+                        <a:rPr sz="1600"/>
+                        <a:t>0%</a:t>
+                      </a:r>
+                    </a:p>
+                  </a:txBody>
+                  <a:tcPr/>
+                </a:tc>
+                <a:tc>
+                  <a:txBody>
+                    <a:bodyPr/>
+                    <a:lstStyle/>
+                    <a:p>
+                      <a:r>
+                        <a:rPr sz="1600"/>
+                        <a:t>16%</a:t>
+                      </a:r>
+                    </a:p>
+                  </a:txBody>
+                  <a:tcPr/>
+                </a:tc>
+                <a:tc>
+                  <a:txBody>
+                    <a:bodyPr/>
+                    <a:lstStyle/>
+                    <a:p>
+                      <a:r>
+                        <a:rPr sz="1600"/>
                         <a:t>27%</a:t>
-                      </a:r>
-                    </a:p>
-                  </a:txBody>
-                  <a:tcPr/>
-                </a:tc>
-                <a:tc>
-                  <a:txBody>
-                    <a:bodyPr/>
-                    <a:lstStyle/>
-                    <a:p>
-                      <a:r>
-                        <a:rPr sz="1600"/>
-                        <a:t>9%</a:t>
-                      </a:r>
-                    </a:p>
-                  </a:txBody>
-                  <a:tcPr/>
-                </a:tc>
-                <a:tc>
-                  <a:txBody>
-                    <a:bodyPr/>
-                    <a:lstStyle/>
-                    <a:p>
-                      <a:r>
-                        <a:rPr sz="1600"/>
-                        <a:t>0%</a:t>
-                      </a:r>
-                    </a:p>
-                  </a:txBody>
-                  <a:tcPr/>
-                </a:tc>
-                <a:tc>
-                  <a:txBody>
-                    <a:bodyPr/>
-                    <a:lstStyle/>
-                    <a:p>
-                      <a:r>
-                        <a:rPr sz="1600"/>
-                        <a:t>0%</a:t>
                       </a:r>
                     </a:p>
                   </a:txBody>
@@ -6176,7 +6176,46 @@
                     <a:p>
                       <a:r>
                         <a:rPr sz="1600"/>
-                        <a:t>25%</a:t>
+                        <a:t>0%</a:t>
+                      </a:r>
+                    </a:p>
+                  </a:txBody>
+                  <a:tcPr/>
+                </a:tc>
+                <a:tc>
+                  <a:txBody>
+                    <a:bodyPr/>
+                    <a:lstStyle/>
+                    <a:p>
+                      <a:r>
+                        <a:rPr sz="1600"/>
+                        <a:t>51%</a:t>
+                      </a:r>
+                    </a:p>
+                  </a:txBody>
+                  <a:tcPr/>
+                </a:tc>
+                <a:tc>
+                  <a:txBody>
+                    <a:bodyPr/>
+                    <a:lstStyle/>
+                    <a:p>
+                      <a:r>
+                        <a:rPr sz="1600"/>
+                        <a:t>83%</a:t>
+                      </a:r>
+                    </a:p>
+                  </a:txBody>
+                  <a:tcPr/>
+                </a:tc>
+                <a:tc>
+                  <a:txBody>
+                    <a:bodyPr/>
+                    <a:lstStyle/>
+                    <a:p>
+                      <a:r>
+                        <a:rPr sz="1600"/>
+                        <a:t>55%</a:t>
                       </a:r>
                     </a:p>
                   </a:txBody>
@@ -6190,45 +6229,6 @@
                       <a:r>
                         <a:rPr sz="1600"/>
                         <a:t>32%</a:t>
-                      </a:r>
-                    </a:p>
-                  </a:txBody>
-                  <a:tcPr/>
-                </a:tc>
-                <a:tc>
-                  <a:txBody>
-                    <a:bodyPr/>
-                    <a:lstStyle/>
-                    <a:p>
-                      <a:r>
-                        <a:rPr sz="1600"/>
-                        <a:t>43%</a:t>
-                      </a:r>
-                    </a:p>
-                  </a:txBody>
-                  <a:tcPr/>
-                </a:tc>
-                <a:tc>
-                  <a:txBody>
-                    <a:bodyPr/>
-                    <a:lstStyle/>
-                    <a:p>
-                      <a:r>
-                        <a:rPr sz="1600"/>
-                        <a:t>0%</a:t>
-                      </a:r>
-                    </a:p>
-                  </a:txBody>
-                  <a:tcPr/>
-                </a:tc>
-                <a:tc>
-                  <a:txBody>
-                    <a:bodyPr/>
-                    <a:lstStyle/>
-                    <a:p>
-                      <a:r>
-                        <a:rPr sz="1600"/>
-                        <a:t>83%</a:t>
                       </a:r>
                     </a:p>
                   </a:txBody>
@@ -6256,7 +6256,7 @@
                     <a:p>
                       <a:r>
                         <a:rPr sz="1600"/>
-                        <a:t>100%</a:t>
+                        <a:t>0%</a:t>
                       </a:r>
                     </a:p>
                   </a:txBody>
@@ -6448,6 +6448,19 @@
                     <a:p>
                       <a:r>
                         <a:rPr sz="1600"/>
+                        <a:t>Corporate</a:t>
+                      </a:r>
+                    </a:p>
+                  </a:txBody>
+                  <a:tcPr/>
+                </a:tc>
+                <a:tc>
+                  <a:txBody>
+                    <a:bodyPr/>
+                    <a:lstStyle/>
+                    <a:p>
+                      <a:r>
+                        <a:rPr sz="1600"/>
                         <a:t>Seml</a:t>
                       </a:r>
                     </a:p>
@@ -6461,46 +6474,33 @@
                     <a:p>
                       <a:r>
                         <a:rPr sz="1600"/>
-                        <a:t>Spg</a:t>
-                      </a:r>
-                    </a:p>
-                  </a:txBody>
-                  <a:tcPr/>
-                </a:tc>
-                <a:tc>
-                  <a:txBody>
-                    <a:bodyPr/>
-                    <a:lstStyle/>
-                    <a:p>
-                      <a:r>
-                        <a:rPr sz="1600"/>
-                        <a:t>Corporate</a:t>
-                      </a:r>
-                    </a:p>
-                  </a:txBody>
-                  <a:tcPr/>
-                </a:tc>
-                <a:tc>
-                  <a:txBody>
-                    <a:bodyPr/>
-                    <a:lstStyle/>
-                    <a:p>
-                      <a:r>
-                        <a:rPr sz="1600"/>
-                        <a:t>R&amp;d</a:t>
-                      </a:r>
-                    </a:p>
-                  </a:txBody>
-                  <a:tcPr/>
-                </a:tc>
-                <a:tc>
-                  <a:txBody>
-                    <a:bodyPr/>
-                    <a:lstStyle/>
-                    <a:p>
-                      <a:r>
-                        <a:rPr sz="1600"/>
-                        <a:t>Pondy formulations</a:t>
+                        <a:t>Other</a:t>
+                      </a:r>
+                    </a:p>
+                  </a:txBody>
+                  <a:tcPr/>
+                </a:tc>
+                <a:tc>
+                  <a:txBody>
+                    <a:bodyPr/>
+                    <a:lstStyle/>
+                    <a:p>
+                      <a:r>
+                        <a:rPr sz="1600"/>
+                        <a:t>Ucl</a:t>
+                      </a:r>
+                    </a:p>
+                  </a:txBody>
+                  <a:tcPr/>
+                </a:tc>
+                <a:tc>
+                  <a:txBody>
+                    <a:bodyPr/>
+                    <a:lstStyle/>
+                    <a:p>
+                      <a:r>
+                        <a:rPr sz="1600"/>
+                        <a:t>Alathur</a:t>
                       </a:r>
                     </a:p>
                   </a:txBody>
@@ -6528,6 +6528,19 @@
                     <a:p>
                       <a:r>
                         <a:rPr sz="1600"/>
+                        <a:t>100%</a:t>
+                      </a:r>
+                    </a:p>
+                  </a:txBody>
+                  <a:tcPr/>
+                </a:tc>
+                <a:tc>
+                  <a:txBody>
+                    <a:bodyPr/>
+                    <a:lstStyle/>
+                    <a:p>
+                      <a:r>
+                        <a:rPr sz="1600"/>
                         <a:t>0%</a:t>
                       </a:r>
                     </a:p>
@@ -6554,19 +6567,6 @@
                     <a:p>
                       <a:r>
                         <a:rPr sz="1600"/>
-                        <a:t>100%</a:t>
-                      </a:r>
-                    </a:p>
-                  </a:txBody>
-                  <a:tcPr/>
-                </a:tc>
-                <a:tc>
-                  <a:txBody>
-                    <a:bodyPr/>
-                    <a:lstStyle/>
-                    <a:p>
-                      <a:r>
-                        <a:rPr sz="1600"/>
                         <a:t>0%</a:t>
                       </a:r>
                     </a:p>
@@ -6580,7 +6580,7 @@
                     <a:p>
                       <a:r>
                         <a:rPr sz="1600"/>
-                        <a:t>21%</a:t>
+                        <a:t>50%</a:t>
                       </a:r>
                     </a:p>
                   </a:txBody>
@@ -6660,7 +6660,7 @@
                     <a:p>
                       <a:r>
                         <a:rPr sz="1600"/>
-                        <a:t>5%</a:t>
+                        <a:t>50%</a:t>
                       </a:r>
                     </a:p>
                   </a:txBody>
@@ -6740,7 +6740,7 @@
                     <a:p>
                       <a:r>
                         <a:rPr sz="1600"/>
-                        <a:t>74%</a:t>
+                        <a:t>0%</a:t>
                       </a:r>
                     </a:p>
                   </a:txBody>
@@ -6768,6 +6768,19 @@
                     <a:p>
                       <a:r>
                         <a:rPr sz="1600"/>
+                        <a:t>100%</a:t>
+                      </a:r>
+                    </a:p>
+                  </a:txBody>
+                  <a:tcPr/>
+                </a:tc>
+                <a:tc>
+                  <a:txBody>
+                    <a:bodyPr/>
+                    <a:lstStyle/>
+                    <a:p>
+                      <a:r>
+                        <a:rPr sz="1600"/>
                         <a:t>0%</a:t>
                       </a:r>
                     </a:p>
@@ -6782,19 +6795,6 @@
                       <a:r>
                         <a:rPr sz="1600"/>
                         <a:t>0%</a:t>
-                      </a:r>
-                    </a:p>
-                  </a:txBody>
-                  <a:tcPr/>
-                </a:tc>
-                <a:tc>
-                  <a:txBody>
-                    <a:bodyPr/>
-                    <a:lstStyle/>
-                    <a:p>
-                      <a:r>
-                        <a:rPr sz="1600"/>
-                        <a:t>100%</a:t>
                       </a:r>
                     </a:p>
                   </a:txBody>
@@ -6878,7 +6878,46 @@
                     <a:p>
                       <a:r>
                         <a:rPr sz="1600"/>
-                        <a:t>Ucl</a:t>
+                        <a:t>Spg</a:t>
+                      </a:r>
+                    </a:p>
+                  </a:txBody>
+                  <a:tcPr/>
+                </a:tc>
+                <a:tc>
+                  <a:txBody>
+                    <a:bodyPr/>
+                    <a:lstStyle/>
+                    <a:p>
+                      <a:r>
+                        <a:rPr sz="1600"/>
+                        <a:t>Pondy formulations</a:t>
+                      </a:r>
+                    </a:p>
+                  </a:txBody>
+                  <a:tcPr/>
+                </a:tc>
+                <a:tc>
+                  <a:txBody>
+                    <a:bodyPr/>
+                    <a:lstStyle/>
+                    <a:p>
+                      <a:r>
+                        <a:rPr sz="1600"/>
+                        <a:t>Arcolab</a:t>
+                      </a:r>
+                    </a:p>
+                  </a:txBody>
+                  <a:tcPr/>
+                </a:tc>
+                <a:tc>
+                  <a:txBody>
+                    <a:bodyPr/>
+                    <a:lstStyle/>
+                    <a:p>
+                      <a:r>
+                        <a:rPr sz="1600"/>
+                        <a:t>R&amp;d</a:t>
                       </a:r>
                     </a:p>
                   </a:txBody>
@@ -6892,45 +6931,6 @@
                       <a:r>
                         <a:rPr sz="1600"/>
                         <a:t>Krsg</a:t>
-                      </a:r>
-                    </a:p>
-                  </a:txBody>
-                  <a:tcPr/>
-                </a:tc>
-                <a:tc>
-                  <a:txBody>
-                    <a:bodyPr/>
-                    <a:lstStyle/>
-                    <a:p>
-                      <a:r>
-                        <a:rPr sz="1600"/>
-                        <a:t>Alathur</a:t>
-                      </a:r>
-                    </a:p>
-                  </a:txBody>
-                  <a:tcPr/>
-                </a:tc>
-                <a:tc>
-                  <a:txBody>
-                    <a:bodyPr/>
-                    <a:lstStyle/>
-                    <a:p>
-                      <a:r>
-                        <a:rPr sz="1600"/>
-                        <a:t>Other</a:t>
-                      </a:r>
-                    </a:p>
-                  </a:txBody>
-                  <a:tcPr/>
-                </a:tc>
-                <a:tc>
-                  <a:txBody>
-                    <a:bodyPr/>
-                    <a:lstStyle/>
-                    <a:p>
-                      <a:r>
-                        <a:rPr sz="1600"/>
-                        <a:t>Arcolab</a:t>
                       </a:r>
                     </a:p>
                   </a:txBody>
@@ -6971,46 +6971,46 @@
                     <a:p>
                       <a:r>
                         <a:rPr sz="1600"/>
+                        <a:t>21%</a:t>
+                      </a:r>
+                    </a:p>
+                  </a:txBody>
+                  <a:tcPr/>
+                </a:tc>
+                <a:tc>
+                  <a:txBody>
+                    <a:bodyPr/>
+                    <a:lstStyle/>
+                    <a:p>
+                      <a:r>
+                        <a:rPr sz="1600"/>
+                        <a:t>0%</a:t>
+                      </a:r>
+                    </a:p>
+                  </a:txBody>
+                  <a:tcPr/>
+                </a:tc>
+                <a:tc>
+                  <a:txBody>
+                    <a:bodyPr/>
+                    <a:lstStyle/>
+                    <a:p>
+                      <a:r>
+                        <a:rPr sz="1600"/>
+                        <a:t>0%</a:t>
+                      </a:r>
+                    </a:p>
+                  </a:txBody>
+                  <a:tcPr/>
+                </a:tc>
+                <a:tc>
+                  <a:txBody>
+                    <a:bodyPr/>
+                    <a:lstStyle/>
+                    <a:p>
+                      <a:r>
+                        <a:rPr sz="1600"/>
                         <a:t>36%</a:t>
-                      </a:r>
-                    </a:p>
-                  </a:txBody>
-                  <a:tcPr/>
-                </a:tc>
-                <a:tc>
-                  <a:txBody>
-                    <a:bodyPr/>
-                    <a:lstStyle/>
-                    <a:p>
-                      <a:r>
-                        <a:rPr sz="1600"/>
-                        <a:t>50%</a:t>
-                      </a:r>
-                    </a:p>
-                  </a:txBody>
-                  <a:tcPr/>
-                </a:tc>
-                <a:tc>
-                  <a:txBody>
-                    <a:bodyPr/>
-                    <a:lstStyle/>
-                    <a:p>
-                      <a:r>
-                        <a:rPr sz="1600"/>
-                        <a:t>0%</a:t>
-                      </a:r>
-                    </a:p>
-                  </a:txBody>
-                  <a:tcPr/>
-                </a:tc>
-                <a:tc>
-                  <a:txBody>
-                    <a:bodyPr/>
-                    <a:lstStyle/>
-                    <a:p>
-                      <a:r>
-                        <a:rPr sz="1600"/>
-                        <a:t>0%</a:t>
                       </a:r>
                     </a:p>
                   </a:txBody>
@@ -7051,46 +7051,46 @@
                     <a:p>
                       <a:r>
                         <a:rPr sz="1600"/>
+                        <a:t>5%</a:t>
+                      </a:r>
+                    </a:p>
+                  </a:txBody>
+                  <a:tcPr/>
+                </a:tc>
+                <a:tc>
+                  <a:txBody>
+                    <a:bodyPr/>
+                    <a:lstStyle/>
+                    <a:p>
+                      <a:r>
+                        <a:rPr sz="1600"/>
+                        <a:t>0%</a:t>
+                      </a:r>
+                    </a:p>
+                  </a:txBody>
+                  <a:tcPr/>
+                </a:tc>
+                <a:tc>
+                  <a:txBody>
+                    <a:bodyPr/>
+                    <a:lstStyle/>
+                    <a:p>
+                      <a:r>
+                        <a:rPr sz="1600"/>
+                        <a:t>0%</a:t>
+                      </a:r>
+                    </a:p>
+                  </a:txBody>
+                  <a:tcPr/>
+                </a:tc>
+                <a:tc>
+                  <a:txBody>
+                    <a:bodyPr/>
+                    <a:lstStyle/>
+                    <a:p>
+                      <a:r>
+                        <a:rPr sz="1600"/>
                         <a:t>6%</a:t>
-                      </a:r>
-                    </a:p>
-                  </a:txBody>
-                  <a:tcPr/>
-                </a:tc>
-                <a:tc>
-                  <a:txBody>
-                    <a:bodyPr/>
-                    <a:lstStyle/>
-                    <a:p>
-                      <a:r>
-                        <a:rPr sz="1600"/>
-                        <a:t>50%</a:t>
-                      </a:r>
-                    </a:p>
-                  </a:txBody>
-                  <a:tcPr/>
-                </a:tc>
-                <a:tc>
-                  <a:txBody>
-                    <a:bodyPr/>
-                    <a:lstStyle/>
-                    <a:p>
-                      <a:r>
-                        <a:rPr sz="1600"/>
-                        <a:t>0%</a:t>
-                      </a:r>
-                    </a:p>
-                  </a:txBody>
-                  <a:tcPr/>
-                </a:tc>
-                <a:tc>
-                  <a:txBody>
-                    <a:bodyPr/>
-                    <a:lstStyle/>
-                    <a:p>
-                      <a:r>
-                        <a:rPr sz="1600"/>
-                        <a:t>0%</a:t>
                       </a:r>
                     </a:p>
                   </a:txBody>
@@ -7118,6 +7118,32 @@
                     <a:p>
                       <a:r>
                         <a:rPr sz="1600"/>
+                        <a:t>0%</a:t>
+                      </a:r>
+                    </a:p>
+                  </a:txBody>
+                  <a:tcPr/>
+                </a:tc>
+                <a:tc>
+                  <a:txBody>
+                    <a:bodyPr/>
+                    <a:lstStyle/>
+                    <a:p>
+                      <a:r>
+                        <a:rPr sz="1600"/>
+                        <a:t>74%</a:t>
+                      </a:r>
+                    </a:p>
+                  </a:txBody>
+                  <a:tcPr/>
+                </a:tc>
+                <a:tc>
+                  <a:txBody>
+                    <a:bodyPr/>
+                    <a:lstStyle/>
+                    <a:p>
+                      <a:r>
+                        <a:rPr sz="1600"/>
                         <a:t>100%</a:t>
                       </a:r>
                     </a:p>
@@ -7131,46 +7157,20 @@
                     <a:p>
                       <a:r>
                         <a:rPr sz="1600"/>
+                        <a:t>100%</a:t>
+                      </a:r>
+                    </a:p>
+                  </a:txBody>
+                  <a:tcPr/>
+                </a:tc>
+                <a:tc>
+                  <a:txBody>
+                    <a:bodyPr/>
+                    <a:lstStyle/>
+                    <a:p>
+                      <a:r>
+                        <a:rPr sz="1600"/>
                         <a:t>58%</a:t>
-                      </a:r>
-                    </a:p>
-                  </a:txBody>
-                  <a:tcPr/>
-                </a:tc>
-                <a:tc>
-                  <a:txBody>
-                    <a:bodyPr/>
-                    <a:lstStyle/>
-                    <a:p>
-                      <a:r>
-                        <a:rPr sz="1600"/>
-                        <a:t>0%</a:t>
-                      </a:r>
-                    </a:p>
-                  </a:txBody>
-                  <a:tcPr/>
-                </a:tc>
-                <a:tc>
-                  <a:txBody>
-                    <a:bodyPr/>
-                    <a:lstStyle/>
-                    <a:p>
-                      <a:r>
-                        <a:rPr sz="1600"/>
-                        <a:t>0%</a:t>
-                      </a:r>
-                    </a:p>
-                  </a:txBody>
-                  <a:tcPr/>
-                </a:tc>
-                <a:tc>
-                  <a:txBody>
-                    <a:bodyPr/>
-                    <a:lstStyle/>
-                    <a:p>
-                      <a:r>
-                        <a:rPr sz="1600"/>
-                        <a:t>100%</a:t>
                       </a:r>
                     </a:p>
                   </a:txBody>
@@ -7198,6 +7198,19 @@
                     <a:p>
                       <a:r>
                         <a:rPr sz="1600"/>
+                        <a:t>0%</a:t>
+                      </a:r>
+                    </a:p>
+                  </a:txBody>
+                  <a:tcPr/>
+                </a:tc>
+                <a:tc>
+                  <a:txBody>
+                    <a:bodyPr/>
+                    <a:lstStyle/>
+                    <a:p>
+                      <a:r>
+                        <a:rPr sz="1600"/>
                         <a:t>100%</a:t>
                       </a:r>
                     </a:p>
@@ -7225,19 +7238,6 @@
                       <a:r>
                         <a:rPr sz="1600"/>
                         <a:t>100%</a:t>
-                      </a:r>
-                    </a:p>
-                  </a:txBody>
-                  <a:tcPr/>
-                </a:tc>
-                <a:tc>
-                  <a:txBody>
-                    <a:bodyPr/>
-                    <a:lstStyle/>
-                    <a:p>
-                      <a:r>
-                        <a:rPr sz="1600"/>
-                        <a:t>0%</a:t>
                       </a:r>
                     </a:p>
                   </a:txBody>

--- a/FlaskApp/static/generated/51Test1.pptx
+++ b/FlaskApp/static/generated/51Test1.pptx
@@ -4010,7 +4010,7 @@
                     <a:lstStyle/>
                     <a:p>
                       <a:r>
-                        <a:t>114</a:t>
+                        <a:t>99</a:t>
                       </a:r>
                     </a:p>
                   </a:txBody>
@@ -4110,7 +4110,7 @@
                     <a:lstStyle/>
                     <a:p>
                       <a:r>
-                        <a:t>117</a:t>
+                        <a:t>102</a:t>
                       </a:r>
                     </a:p>
                   </a:txBody>
@@ -4244,59 +4244,59 @@
                     <a:p>
                       <a:r>
                         <a:rPr sz="1600"/>
+                        <a:t>Arcolab</a:t>
+                      </a:r>
+                    </a:p>
+                  </a:txBody>
+                  <a:tcPr/>
+                </a:tc>
+                <a:tc>
+                  <a:txBody>
+                    <a:bodyPr/>
+                    <a:lstStyle/>
+                    <a:p>
+                      <a:r>
+                        <a:rPr sz="1600"/>
+                        <a:t>Ucl</a:t>
+                      </a:r>
+                    </a:p>
+                  </a:txBody>
+                  <a:tcPr/>
+                </a:tc>
+                <a:tc>
+                  <a:txBody>
+                    <a:bodyPr/>
+                    <a:lstStyle/>
+                    <a:p>
+                      <a:r>
+                        <a:rPr sz="1600"/>
+                        <a:t>Spg</a:t>
+                      </a:r>
+                    </a:p>
+                  </a:txBody>
+                  <a:tcPr/>
+                </a:tc>
+                <a:tc>
+                  <a:txBody>
+                    <a:bodyPr/>
+                    <a:lstStyle/>
+                    <a:p>
+                      <a:r>
+                        <a:rPr sz="1600"/>
+                        <a:t>Krsg</a:t>
+                      </a:r>
+                    </a:p>
+                  </a:txBody>
+                  <a:tcPr/>
+                </a:tc>
+                <a:tc>
+                  <a:txBody>
+                    <a:bodyPr/>
+                    <a:lstStyle/>
+                    <a:p>
+                      <a:r>
+                        <a:rPr sz="1600"/>
                         <a:t>Corporate</a:t>
-                      </a:r>
-                    </a:p>
-                  </a:txBody>
-                  <a:tcPr/>
-                </a:tc>
-                <a:tc>
-                  <a:txBody>
-                    <a:bodyPr/>
-                    <a:lstStyle/>
-                    <a:p>
-                      <a:r>
-                        <a:rPr sz="1600"/>
-                        <a:t>Seml</a:t>
-                      </a:r>
-                    </a:p>
-                  </a:txBody>
-                  <a:tcPr/>
-                </a:tc>
-                <a:tc>
-                  <a:txBody>
-                    <a:bodyPr/>
-                    <a:lstStyle/>
-                    <a:p>
-                      <a:r>
-                        <a:rPr sz="1600"/>
-                        <a:t>Other</a:t>
-                      </a:r>
-                    </a:p>
-                  </a:txBody>
-                  <a:tcPr/>
-                </a:tc>
-                <a:tc>
-                  <a:txBody>
-                    <a:bodyPr/>
-                    <a:lstStyle/>
-                    <a:p>
-                      <a:r>
-                        <a:rPr sz="1600"/>
-                        <a:t>Ucl</a:t>
-                      </a:r>
-                    </a:p>
-                  </a:txBody>
-                  <a:tcPr/>
-                </a:tc>
-                <a:tc>
-                  <a:txBody>
-                    <a:bodyPr/>
-                    <a:lstStyle/>
-                    <a:p>
-                      <a:r>
-                        <a:rPr sz="1600"/>
-                        <a:t>Alathur</a:t>
                       </a:r>
                     </a:p>
                   </a:txBody>
@@ -4324,59 +4324,59 @@
                     <a:p>
                       <a:r>
                         <a:rPr sz="1600"/>
+                        <a:t>40%</a:t>
+                      </a:r>
+                    </a:p>
+                  </a:txBody>
+                  <a:tcPr/>
+                </a:tc>
+                <a:tc>
+                  <a:txBody>
+                    <a:bodyPr/>
+                    <a:lstStyle/>
+                    <a:p>
+                      <a:r>
+                        <a:rPr sz="1600"/>
+                        <a:t>50%</a:t>
+                      </a:r>
+                    </a:p>
+                  </a:txBody>
+                  <a:tcPr/>
+                </a:tc>
+                <a:tc>
+                  <a:txBody>
+                    <a:bodyPr/>
+                    <a:lstStyle/>
+                    <a:p>
+                      <a:r>
+                        <a:rPr sz="1600"/>
+                        <a:t>0%</a:t>
+                      </a:r>
+                    </a:p>
+                  </a:txBody>
+                  <a:tcPr/>
+                </a:tc>
+                <a:tc>
+                  <a:txBody>
+                    <a:bodyPr/>
+                    <a:lstStyle/>
+                    <a:p>
+                      <a:r>
+                        <a:rPr sz="1600"/>
+                        <a:t>29%</a:t>
+                      </a:r>
+                    </a:p>
+                  </a:txBody>
+                  <a:tcPr/>
+                </a:tc>
+                <a:tc>
+                  <a:txBody>
+                    <a:bodyPr/>
+                    <a:lstStyle/>
+                    <a:p>
+                      <a:r>
+                        <a:rPr sz="1600"/>
                         <a:t>13%</a:t>
-                      </a:r>
-                    </a:p>
-                  </a:txBody>
-                  <a:tcPr/>
-                </a:tc>
-                <a:tc>
-                  <a:txBody>
-                    <a:bodyPr/>
-                    <a:lstStyle/>
-                    <a:p>
-                      <a:r>
-                        <a:rPr sz="1600"/>
-                        <a:t>44%</a:t>
-                      </a:r>
-                    </a:p>
-                  </a:txBody>
-                  <a:tcPr/>
-                </a:tc>
-                <a:tc>
-                  <a:txBody>
-                    <a:bodyPr/>
-                    <a:lstStyle/>
-                    <a:p>
-                      <a:r>
-                        <a:rPr sz="1600"/>
-                        <a:t>0%</a:t>
-                      </a:r>
-                    </a:p>
-                  </a:txBody>
-                  <a:tcPr/>
-                </a:tc>
-                <a:tc>
-                  <a:txBody>
-                    <a:bodyPr/>
-                    <a:lstStyle/>
-                    <a:p>
-                      <a:r>
-                        <a:rPr sz="1600"/>
-                        <a:t>50%</a:t>
-                      </a:r>
-                    </a:p>
-                  </a:txBody>
-                  <a:tcPr/>
-                </a:tc>
-                <a:tc>
-                  <a:txBody>
-                    <a:bodyPr/>
-                    <a:lstStyle/>
-                    <a:p>
-                      <a:r>
-                        <a:rPr sz="1600"/>
-                        <a:t>27%</a:t>
                       </a:r>
                     </a:p>
                   </a:txBody>
@@ -4417,19 +4417,6 @@
                     <a:p>
                       <a:r>
                         <a:rPr sz="1600"/>
-                        <a:t>6%</a:t>
-                      </a:r>
-                    </a:p>
-                  </a:txBody>
-                  <a:tcPr/>
-                </a:tc>
-                <a:tc>
-                  <a:txBody>
-                    <a:bodyPr/>
-                    <a:lstStyle/>
-                    <a:p>
-                      <a:r>
-                        <a:rPr sz="1600"/>
                         <a:t>0%</a:t>
                       </a:r>
                     </a:p>
@@ -4456,7 +4443,20 @@
                     <a:p>
                       <a:r>
                         <a:rPr sz="1600"/>
-                        <a:t>18%</a:t>
+                        <a:t>21%</a:t>
+                      </a:r>
+                    </a:p>
+                  </a:txBody>
+                  <a:tcPr/>
+                </a:tc>
+                <a:tc>
+                  <a:txBody>
+                    <a:bodyPr/>
+                    <a:lstStyle/>
+                    <a:p>
+                      <a:r>
+                        <a:rPr sz="1600"/>
+                        <a:t>20%</a:t>
                       </a:r>
                     </a:p>
                   </a:txBody>
@@ -4484,59 +4484,59 @@
                     <a:p>
                       <a:r>
                         <a:rPr sz="1600"/>
+                        <a:t>0%</a:t>
+                      </a:r>
+                    </a:p>
+                  </a:txBody>
+                  <a:tcPr/>
+                </a:tc>
+                <a:tc>
+                  <a:txBody>
+                    <a:bodyPr/>
+                    <a:lstStyle/>
+                    <a:p>
+                      <a:r>
+                        <a:rPr sz="1600"/>
+                        <a:t>0%</a:t>
+                      </a:r>
+                    </a:p>
+                  </a:txBody>
+                  <a:tcPr/>
+                </a:tc>
+                <a:tc>
+                  <a:txBody>
+                    <a:bodyPr/>
+                    <a:lstStyle/>
+                    <a:p>
+                      <a:r>
+                        <a:rPr sz="1600"/>
+                        <a:t>0%</a:t>
+                      </a:r>
+                    </a:p>
+                  </a:txBody>
+                  <a:tcPr/>
+                </a:tc>
+                <a:tc>
+                  <a:txBody>
+                    <a:bodyPr/>
+                    <a:lstStyle/>
+                    <a:p>
+                      <a:r>
+                        <a:rPr sz="1600"/>
+                        <a:t>24%</a:t>
+                      </a:r>
+                    </a:p>
+                  </a:txBody>
+                  <a:tcPr/>
+                </a:tc>
+                <a:tc>
+                  <a:txBody>
+                    <a:bodyPr/>
+                    <a:lstStyle/>
+                    <a:p>
+                      <a:r>
+                        <a:rPr sz="1600"/>
                         <a:t>40%</a:t>
-                      </a:r>
-                    </a:p>
-                  </a:txBody>
-                  <a:tcPr/>
-                </a:tc>
-                <a:tc>
-                  <a:txBody>
-                    <a:bodyPr/>
-                    <a:lstStyle/>
-                    <a:p>
-                      <a:r>
-                        <a:rPr sz="1600"/>
-                        <a:t>11%</a:t>
-                      </a:r>
-                    </a:p>
-                  </a:txBody>
-                  <a:tcPr/>
-                </a:tc>
-                <a:tc>
-                  <a:txBody>
-                    <a:bodyPr/>
-                    <a:lstStyle/>
-                    <a:p>
-                      <a:r>
-                        <a:rPr sz="1600"/>
-                        <a:t>100%</a:t>
-                      </a:r>
-                    </a:p>
-                  </a:txBody>
-                  <a:tcPr/>
-                </a:tc>
-                <a:tc>
-                  <a:txBody>
-                    <a:bodyPr/>
-                    <a:lstStyle/>
-                    <a:p>
-                      <a:r>
-                        <a:rPr sz="1600"/>
-                        <a:t>0%</a:t>
-                      </a:r>
-                    </a:p>
-                  </a:txBody>
-                  <a:tcPr/>
-                </a:tc>
-                <a:tc>
-                  <a:txBody>
-                    <a:bodyPr/>
-                    <a:lstStyle/>
-                    <a:p>
-                      <a:r>
-                        <a:rPr sz="1600"/>
-                        <a:t>36%</a:t>
                       </a:r>
                     </a:p>
                   </a:txBody>
@@ -4564,59 +4564,59 @@
                     <a:p>
                       <a:r>
                         <a:rPr sz="1600"/>
+                        <a:t>20%</a:t>
+                      </a:r>
+                    </a:p>
+                  </a:txBody>
+                  <a:tcPr/>
+                </a:tc>
+                <a:tc>
+                  <a:txBody>
+                    <a:bodyPr/>
+                    <a:lstStyle/>
+                    <a:p>
+                      <a:r>
+                        <a:rPr sz="1600"/>
+                        <a:t>50%</a:t>
+                      </a:r>
+                    </a:p>
+                  </a:txBody>
+                  <a:tcPr/>
+                </a:tc>
+                <a:tc>
+                  <a:txBody>
+                    <a:bodyPr/>
+                    <a:lstStyle/>
+                    <a:p>
+                      <a:r>
+                        <a:rPr sz="1600"/>
+                        <a:t>0%</a:t>
+                      </a:r>
+                    </a:p>
+                  </a:txBody>
+                  <a:tcPr/>
+                </a:tc>
+                <a:tc>
+                  <a:txBody>
+                    <a:bodyPr/>
+                    <a:lstStyle/>
+                    <a:p>
+                      <a:r>
+                        <a:rPr sz="1600"/>
+                        <a:t>14%</a:t>
+                      </a:r>
+                    </a:p>
+                  </a:txBody>
+                  <a:tcPr/>
+                </a:tc>
+                <a:tc>
+                  <a:txBody>
+                    <a:bodyPr/>
+                    <a:lstStyle/>
+                    <a:p>
+                      <a:r>
+                        <a:rPr sz="1600"/>
                         <a:t>7%</a:t>
-                      </a:r>
-                    </a:p>
-                  </a:txBody>
-                  <a:tcPr/>
-                </a:tc>
-                <a:tc>
-                  <a:txBody>
-                    <a:bodyPr/>
-                    <a:lstStyle/>
-                    <a:p>
-                      <a:r>
-                        <a:rPr sz="1600"/>
-                        <a:t>17%</a:t>
-                      </a:r>
-                    </a:p>
-                  </a:txBody>
-                  <a:tcPr/>
-                </a:tc>
-                <a:tc>
-                  <a:txBody>
-                    <a:bodyPr/>
-                    <a:lstStyle/>
-                    <a:p>
-                      <a:r>
-                        <a:rPr sz="1600"/>
-                        <a:t>0%</a:t>
-                      </a:r>
-                    </a:p>
-                  </a:txBody>
-                  <a:tcPr/>
-                </a:tc>
-                <a:tc>
-                  <a:txBody>
-                    <a:bodyPr/>
-                    <a:lstStyle/>
-                    <a:p>
-                      <a:r>
-                        <a:rPr sz="1600"/>
-                        <a:t>50%</a:t>
-                      </a:r>
-                    </a:p>
-                  </a:txBody>
-                  <a:tcPr/>
-                </a:tc>
-                <a:tc>
-                  <a:txBody>
-                    <a:bodyPr/>
-                    <a:lstStyle/>
-                    <a:p>
-                      <a:r>
-                        <a:rPr sz="1600"/>
-                        <a:t>14%</a:t>
                       </a:r>
                     </a:p>
                   </a:txBody>
@@ -4657,19 +4657,6 @@
                     <a:p>
                       <a:r>
                         <a:rPr sz="1600"/>
-                        <a:t>22%</a:t>
-                      </a:r>
-                    </a:p>
-                  </a:txBody>
-                  <a:tcPr/>
-                </a:tc>
-                <a:tc>
-                  <a:txBody>
-                    <a:bodyPr/>
-                    <a:lstStyle/>
-                    <a:p>
-                      <a:r>
-                        <a:rPr sz="1600"/>
                         <a:t>0%</a:t>
                       </a:r>
                     </a:p>
@@ -4696,7 +4683,20 @@
                     <a:p>
                       <a:r>
                         <a:rPr sz="1600"/>
-                        <a:t>5%</a:t>
+                        <a:t>11%</a:t>
+                      </a:r>
+                    </a:p>
+                  </a:txBody>
+                  <a:tcPr/>
+                </a:tc>
+                <a:tc>
+                  <a:txBody>
+                    <a:bodyPr/>
+                    <a:lstStyle/>
+                    <a:p>
+                      <a:r>
+                        <a:rPr sz="1600"/>
+                        <a:t>20%</a:t>
                       </a:r>
                     </a:p>
                   </a:txBody>
@@ -4750,7 +4750,7 @@
                     <a:p>
                       <a:r>
                         <a:rPr sz="1600"/>
-                        <a:t>100%</a:t>
+                        <a:t>0%</a:t>
                       </a:r>
                     </a:p>
                   </a:txBody>
@@ -4834,7 +4834,46 @@
                     <a:p>
                       <a:r>
                         <a:rPr sz="1600"/>
-                        <a:t>Spg</a:t>
+                        <a:t>Seml</a:t>
+                      </a:r>
+                    </a:p>
+                  </a:txBody>
+                  <a:tcPr/>
+                </a:tc>
+                <a:tc>
+                  <a:txBody>
+                    <a:bodyPr/>
+                    <a:lstStyle/>
+                    <a:p>
+                      <a:r>
+                        <a:rPr sz="1600"/>
+                        <a:t>Other</a:t>
+                      </a:r>
+                    </a:p>
+                  </a:txBody>
+                  <a:tcPr/>
+                </a:tc>
+                <a:tc>
+                  <a:txBody>
+                    <a:bodyPr/>
+                    <a:lstStyle/>
+                    <a:p>
+                      <a:r>
+                        <a:rPr sz="1600"/>
+                        <a:t>R&amp;d</a:t>
+                      </a:r>
+                    </a:p>
+                  </a:txBody>
+                  <a:tcPr/>
+                </a:tc>
+                <a:tc>
+                  <a:txBody>
+                    <a:bodyPr/>
+                    <a:lstStyle/>
+                    <a:p>
+                      <a:r>
+                        <a:rPr sz="1600"/>
+                        <a:t>Alathur</a:t>
                       </a:r>
                     </a:p>
                   </a:txBody>
@@ -4848,45 +4887,6 @@
                       <a:r>
                         <a:rPr sz="1600"/>
                         <a:t>Pondy formulations</a:t>
-                      </a:r>
-                    </a:p>
-                  </a:txBody>
-                  <a:tcPr/>
-                </a:tc>
-                <a:tc>
-                  <a:txBody>
-                    <a:bodyPr/>
-                    <a:lstStyle/>
-                    <a:p>
-                      <a:r>
-                        <a:rPr sz="1600"/>
-                        <a:t>Arcolab</a:t>
-                      </a:r>
-                    </a:p>
-                  </a:txBody>
-                  <a:tcPr/>
-                </a:tc>
-                <a:tc>
-                  <a:txBody>
-                    <a:bodyPr/>
-                    <a:lstStyle/>
-                    <a:p>
-                      <a:r>
-                        <a:rPr sz="1600"/>
-                        <a:t>R&amp;d</a:t>
-                      </a:r>
-                    </a:p>
-                  </a:txBody>
-                  <a:tcPr/>
-                </a:tc>
-                <a:tc>
-                  <a:txBody>
-                    <a:bodyPr/>
-                    <a:lstStyle/>
-                    <a:p>
-                      <a:r>
-                        <a:rPr sz="1600"/>
-                        <a:t>Krsg</a:t>
                       </a:r>
                     </a:p>
                   </a:txBody>
@@ -4914,6 +4914,19 @@
                     <a:p>
                       <a:r>
                         <a:rPr sz="1600"/>
+                        <a:t>44%</a:t>
+                      </a:r>
+                    </a:p>
+                  </a:txBody>
+                  <a:tcPr/>
+                </a:tc>
+                <a:tc>
+                  <a:txBody>
+                    <a:bodyPr/>
+                    <a:lstStyle/>
+                    <a:p>
+                      <a:r>
+                        <a:rPr sz="1600"/>
                         <a:t>0%</a:t>
                       </a:r>
                     </a:p>
@@ -4927,46 +4940,33 @@
                     <a:p>
                       <a:r>
                         <a:rPr sz="1600"/>
+                        <a:t>31%</a:t>
+                      </a:r>
+                    </a:p>
+                  </a:txBody>
+                  <a:tcPr/>
+                </a:tc>
+                <a:tc>
+                  <a:txBody>
+                    <a:bodyPr/>
+                    <a:lstStyle/>
+                    <a:p>
+                      <a:r>
+                        <a:rPr sz="1600"/>
+                        <a:t>27%</a:t>
+                      </a:r>
+                    </a:p>
+                  </a:txBody>
+                  <a:tcPr/>
+                </a:tc>
+                <a:tc>
+                  <a:txBody>
+                    <a:bodyPr/>
+                    <a:lstStyle/>
+                    <a:p>
+                      <a:r>
+                        <a:rPr sz="1600"/>
                         <a:t>33%</a:t>
-                      </a:r>
-                    </a:p>
-                  </a:txBody>
-                  <a:tcPr/>
-                </a:tc>
-                <a:tc>
-                  <a:txBody>
-                    <a:bodyPr/>
-                    <a:lstStyle/>
-                    <a:p>
-                      <a:r>
-                        <a:rPr sz="1600"/>
-                        <a:t>40%</a:t>
-                      </a:r>
-                    </a:p>
-                  </a:txBody>
-                  <a:tcPr/>
-                </a:tc>
-                <a:tc>
-                  <a:txBody>
-                    <a:bodyPr/>
-                    <a:lstStyle/>
-                    <a:p>
-                      <a:r>
-                        <a:rPr sz="1600"/>
-                        <a:t>31%</a:t>
-                      </a:r>
-                    </a:p>
-                  </a:txBody>
-                  <a:tcPr/>
-                </a:tc>
-                <a:tc>
-                  <a:txBody>
-                    <a:bodyPr/>
-                    <a:lstStyle/>
-                    <a:p>
-                      <a:r>
-                        <a:rPr sz="1600"/>
-                        <a:t>29%</a:t>
                       </a:r>
                     </a:p>
                   </a:txBody>
@@ -4994,6 +4994,19 @@
                     <a:p>
                       <a:r>
                         <a:rPr sz="1600"/>
+                        <a:t>6%</a:t>
+                      </a:r>
+                    </a:p>
+                  </a:txBody>
+                  <a:tcPr/>
+                </a:tc>
+                <a:tc>
+                  <a:txBody>
+                    <a:bodyPr/>
+                    <a:lstStyle/>
+                    <a:p>
+                      <a:r>
+                        <a:rPr sz="1600"/>
                         <a:t>0%</a:t>
                       </a:r>
                     </a:p>
@@ -5007,46 +5020,33 @@
                     <a:p>
                       <a:r>
                         <a:rPr sz="1600"/>
+                        <a:t>28%</a:t>
+                      </a:r>
+                    </a:p>
+                  </a:txBody>
+                  <a:tcPr/>
+                </a:tc>
+                <a:tc>
+                  <a:txBody>
+                    <a:bodyPr/>
+                    <a:lstStyle/>
+                    <a:p>
+                      <a:r>
+                        <a:rPr sz="1600"/>
+                        <a:t>18%</a:t>
+                      </a:r>
+                    </a:p>
+                  </a:txBody>
+                  <a:tcPr/>
+                </a:tc>
+                <a:tc>
+                  <a:txBody>
+                    <a:bodyPr/>
+                    <a:lstStyle/>
+                    <a:p>
+                      <a:r>
+                        <a:rPr sz="1600"/>
                         <a:t>20%</a:t>
-                      </a:r>
-                    </a:p>
-                  </a:txBody>
-                  <a:tcPr/>
-                </a:tc>
-                <a:tc>
-                  <a:txBody>
-                    <a:bodyPr/>
-                    <a:lstStyle/>
-                    <a:p>
-                      <a:r>
-                        <a:rPr sz="1600"/>
-                        <a:t>20%</a:t>
-                      </a:r>
-                    </a:p>
-                  </a:txBody>
-                  <a:tcPr/>
-                </a:tc>
-                <a:tc>
-                  <a:txBody>
-                    <a:bodyPr/>
-                    <a:lstStyle/>
-                    <a:p>
-                      <a:r>
-                        <a:rPr sz="1600"/>
-                        <a:t>28%</a:t>
-                      </a:r>
-                    </a:p>
-                  </a:txBody>
-                  <a:tcPr/>
-                </a:tc>
-                <a:tc>
-                  <a:txBody>
-                    <a:bodyPr/>
-                    <a:lstStyle/>
-                    <a:p>
-                      <a:r>
-                        <a:rPr sz="1600"/>
-                        <a:t>21%</a:t>
                       </a:r>
                     </a:p>
                   </a:txBody>
@@ -5074,33 +5074,20 @@
                     <a:p>
                       <a:r>
                         <a:rPr sz="1600"/>
-                        <a:t>0%</a:t>
-                      </a:r>
-                    </a:p>
-                  </a:txBody>
-                  <a:tcPr/>
-                </a:tc>
-                <a:tc>
-                  <a:txBody>
-                    <a:bodyPr/>
-                    <a:lstStyle/>
-                    <a:p>
-                      <a:r>
-                        <a:rPr sz="1600"/>
-                        <a:t>24%</a:t>
-                      </a:r>
-                    </a:p>
-                  </a:txBody>
-                  <a:tcPr/>
-                </a:tc>
-                <a:tc>
-                  <a:txBody>
-                    <a:bodyPr/>
-                    <a:lstStyle/>
-                    <a:p>
-                      <a:r>
-                        <a:rPr sz="1600"/>
-                        <a:t>0%</a:t>
+                        <a:t>11%</a:t>
+                      </a:r>
+                    </a:p>
+                  </a:txBody>
+                  <a:tcPr/>
+                </a:tc>
+                <a:tc>
+                  <a:txBody>
+                    <a:bodyPr/>
+                    <a:lstStyle/>
+                    <a:p>
+                      <a:r>
+                        <a:rPr sz="1600"/>
+                        <a:t>100%</a:t>
                       </a:r>
                     </a:p>
                   </a:txBody>
@@ -5114,6 +5101,19 @@
                       <a:r>
                         <a:rPr sz="1600"/>
                         <a:t>31%</a:t>
+                      </a:r>
+                    </a:p>
+                  </a:txBody>
+                  <a:tcPr/>
+                </a:tc>
+                <a:tc>
+                  <a:txBody>
+                    <a:bodyPr/>
+                    <a:lstStyle/>
+                    <a:p>
+                      <a:r>
+                        <a:rPr sz="1600"/>
+                        <a:t>36%</a:t>
                       </a:r>
                     </a:p>
                   </a:txBody>
@@ -5154,6 +5154,19 @@
                     <a:p>
                       <a:r>
                         <a:rPr sz="1600"/>
+                        <a:t>17%</a:t>
+                      </a:r>
+                    </a:p>
+                  </a:txBody>
+                  <a:tcPr/>
+                </a:tc>
+                <a:tc>
+                  <a:txBody>
+                    <a:bodyPr/>
+                    <a:lstStyle/>
+                    <a:p>
+                      <a:r>
+                        <a:rPr sz="1600"/>
                         <a:t>0%</a:t>
                       </a:r>
                     </a:p>
@@ -5167,33 +5180,20 @@
                     <a:p>
                       <a:r>
                         <a:rPr sz="1600"/>
+                        <a:t>6%</a:t>
+                      </a:r>
+                    </a:p>
+                  </a:txBody>
+                  <a:tcPr/>
+                </a:tc>
+                <a:tc>
+                  <a:txBody>
+                    <a:bodyPr/>
+                    <a:lstStyle/>
+                    <a:p>
+                      <a:r>
+                        <a:rPr sz="1600"/>
                         <a:t>14%</a:t>
-                      </a:r>
-                    </a:p>
-                  </a:txBody>
-                  <a:tcPr/>
-                </a:tc>
-                <a:tc>
-                  <a:txBody>
-                    <a:bodyPr/>
-                    <a:lstStyle/>
-                    <a:p>
-                      <a:r>
-                        <a:rPr sz="1600"/>
-                        <a:t>20%</a:t>
-                      </a:r>
-                    </a:p>
-                  </a:txBody>
-                  <a:tcPr/>
-                </a:tc>
-                <a:tc>
-                  <a:txBody>
-                    <a:bodyPr/>
-                    <a:lstStyle/>
-                    <a:p>
-                      <a:r>
-                        <a:rPr sz="1600"/>
-                        <a:t>6%</a:t>
                       </a:r>
                     </a:p>
                   </a:txBody>
@@ -5234,6 +5234,19 @@
                     <a:p>
                       <a:r>
                         <a:rPr sz="1600"/>
+                        <a:t>22%</a:t>
+                      </a:r>
+                    </a:p>
+                  </a:txBody>
+                  <a:tcPr/>
+                </a:tc>
+                <a:tc>
+                  <a:txBody>
+                    <a:bodyPr/>
+                    <a:lstStyle/>
+                    <a:p>
+                      <a:r>
+                        <a:rPr sz="1600"/>
                         <a:t>0%</a:t>
                       </a:r>
                     </a:p>
@@ -5247,46 +5260,33 @@
                     <a:p>
                       <a:r>
                         <a:rPr sz="1600"/>
+                        <a:t>3%</a:t>
+                      </a:r>
+                    </a:p>
+                  </a:txBody>
+                  <a:tcPr/>
+                </a:tc>
+                <a:tc>
+                  <a:txBody>
+                    <a:bodyPr/>
+                    <a:lstStyle/>
+                    <a:p>
+                      <a:r>
+                        <a:rPr sz="1600"/>
+                        <a:t>5%</a:t>
+                      </a:r>
+                    </a:p>
+                  </a:txBody>
+                  <a:tcPr/>
+                </a:tc>
+                <a:tc>
+                  <a:txBody>
+                    <a:bodyPr/>
+                    <a:lstStyle/>
+                    <a:p>
+                      <a:r>
+                        <a:rPr sz="1600"/>
                         <a:t>8%</a:t>
-                      </a:r>
-                    </a:p>
-                  </a:txBody>
-                  <a:tcPr/>
-                </a:tc>
-                <a:tc>
-                  <a:txBody>
-                    <a:bodyPr/>
-                    <a:lstStyle/>
-                    <a:p>
-                      <a:r>
-                        <a:rPr sz="1600"/>
-                        <a:t>20%</a:t>
-                      </a:r>
-                    </a:p>
-                  </a:txBody>
-                  <a:tcPr/>
-                </a:tc>
-                <a:tc>
-                  <a:txBody>
-                    <a:bodyPr/>
-                    <a:lstStyle/>
-                    <a:p>
-                      <a:r>
-                        <a:rPr sz="1600"/>
-                        <a:t>3%</a:t>
-                      </a:r>
-                    </a:p>
-                  </a:txBody>
-                  <a:tcPr/>
-                </a:tc>
-                <a:tc>
-                  <a:txBody>
-                    <a:bodyPr/>
-                    <a:lstStyle/>
-                    <a:p>
-                      <a:r>
-                        <a:rPr sz="1600"/>
-                        <a:t>11%</a:t>
                       </a:r>
                     </a:p>
                   </a:txBody>
@@ -5314,7 +5314,7 @@
                     <a:p>
                       <a:r>
                         <a:rPr sz="1600"/>
-                        <a:t>0%</a:t>
+                        <a:t>100%</a:t>
                       </a:r>
                     </a:p>
                   </a:txBody>
@@ -5506,59 +5506,59 @@
                     <a:p>
                       <a:r>
                         <a:rPr sz="1600"/>
+                        <a:t>Arcolab</a:t>
+                      </a:r>
+                    </a:p>
+                  </a:txBody>
+                  <a:tcPr/>
+                </a:tc>
+                <a:tc>
+                  <a:txBody>
+                    <a:bodyPr/>
+                    <a:lstStyle/>
+                    <a:p>
+                      <a:r>
+                        <a:rPr sz="1600"/>
+                        <a:t>Ucl</a:t>
+                      </a:r>
+                    </a:p>
+                  </a:txBody>
+                  <a:tcPr/>
+                </a:tc>
+                <a:tc>
+                  <a:txBody>
+                    <a:bodyPr/>
+                    <a:lstStyle/>
+                    <a:p>
+                      <a:r>
+                        <a:rPr sz="1600"/>
+                        <a:t>Spg</a:t>
+                      </a:r>
+                    </a:p>
+                  </a:txBody>
+                  <a:tcPr/>
+                </a:tc>
+                <a:tc>
+                  <a:txBody>
+                    <a:bodyPr/>
+                    <a:lstStyle/>
+                    <a:p>
+                      <a:r>
+                        <a:rPr sz="1600"/>
+                        <a:t>Krsg</a:t>
+                      </a:r>
+                    </a:p>
+                  </a:txBody>
+                  <a:tcPr/>
+                </a:tc>
+                <a:tc>
+                  <a:txBody>
+                    <a:bodyPr/>
+                    <a:lstStyle/>
+                    <a:p>
+                      <a:r>
+                        <a:rPr sz="1600"/>
                         <a:t>Corporate</a:t>
-                      </a:r>
-                    </a:p>
-                  </a:txBody>
-                  <a:tcPr/>
-                </a:tc>
-                <a:tc>
-                  <a:txBody>
-                    <a:bodyPr/>
-                    <a:lstStyle/>
-                    <a:p>
-                      <a:r>
-                        <a:rPr sz="1600"/>
-                        <a:t>Seml</a:t>
-                      </a:r>
-                    </a:p>
-                  </a:txBody>
-                  <a:tcPr/>
-                </a:tc>
-                <a:tc>
-                  <a:txBody>
-                    <a:bodyPr/>
-                    <a:lstStyle/>
-                    <a:p>
-                      <a:r>
-                        <a:rPr sz="1600"/>
-                        <a:t>Other</a:t>
-                      </a:r>
-                    </a:p>
-                  </a:txBody>
-                  <a:tcPr/>
-                </a:tc>
-                <a:tc>
-                  <a:txBody>
-                    <a:bodyPr/>
-                    <a:lstStyle/>
-                    <a:p>
-                      <a:r>
-                        <a:rPr sz="1600"/>
-                        <a:t>Ucl</a:t>
-                      </a:r>
-                    </a:p>
-                  </a:txBody>
-                  <a:tcPr/>
-                </a:tc>
-                <a:tc>
-                  <a:txBody>
-                    <a:bodyPr/>
-                    <a:lstStyle/>
-                    <a:p>
-                      <a:r>
-                        <a:rPr sz="1600"/>
-                        <a:t>Alathur</a:t>
                       </a:r>
                     </a:p>
                   </a:txBody>
@@ -5586,59 +5586,59 @@
                     <a:p>
                       <a:r>
                         <a:rPr sz="1600"/>
+                        <a:t>17%</a:t>
+                      </a:r>
+                    </a:p>
+                  </a:txBody>
+                  <a:tcPr/>
+                </a:tc>
+                <a:tc>
+                  <a:txBody>
+                    <a:bodyPr/>
+                    <a:lstStyle/>
+                    <a:p>
+                      <a:r>
+                        <a:rPr sz="1600"/>
+                        <a:t>75%</a:t>
+                      </a:r>
+                    </a:p>
+                  </a:txBody>
+                  <a:tcPr/>
+                </a:tc>
+                <a:tc>
+                  <a:txBody>
+                    <a:bodyPr/>
+                    <a:lstStyle/>
+                    <a:p>
+                      <a:r>
+                        <a:rPr sz="1600"/>
+                        <a:t>0%</a:t>
+                      </a:r>
+                    </a:p>
+                  </a:txBody>
+                  <a:tcPr/>
+                </a:tc>
+                <a:tc>
+                  <a:txBody>
+                    <a:bodyPr/>
+                    <a:lstStyle/>
+                    <a:p>
+                      <a:r>
+                        <a:rPr sz="1600"/>
+                        <a:t>41%</a:t>
+                      </a:r>
+                    </a:p>
+                  </a:txBody>
+                  <a:tcPr/>
+                </a:tc>
+                <a:tc>
+                  <a:txBody>
+                    <a:bodyPr/>
+                    <a:lstStyle/>
+                    <a:p>
+                      <a:r>
+                        <a:rPr sz="1600"/>
                         <a:t>13%</a:t>
-                      </a:r>
-                    </a:p>
-                  </a:txBody>
-                  <a:tcPr/>
-                </a:tc>
-                <a:tc>
-                  <a:txBody>
-                    <a:bodyPr/>
-                    <a:lstStyle/>
-                    <a:p>
-                      <a:r>
-                        <a:rPr sz="1600"/>
-                        <a:t>56%</a:t>
-                      </a:r>
-                    </a:p>
-                  </a:txBody>
-                  <a:tcPr/>
-                </a:tc>
-                <a:tc>
-                  <a:txBody>
-                    <a:bodyPr/>
-                    <a:lstStyle/>
-                    <a:p>
-                      <a:r>
-                        <a:rPr sz="1600"/>
-                        <a:t>100%</a:t>
-                      </a:r>
-                    </a:p>
-                  </a:txBody>
-                  <a:tcPr/>
-                </a:tc>
-                <a:tc>
-                  <a:txBody>
-                    <a:bodyPr/>
-                    <a:lstStyle/>
-                    <a:p>
-                      <a:r>
-                        <a:rPr sz="1600"/>
-                        <a:t>75%</a:t>
-                      </a:r>
-                    </a:p>
-                  </a:txBody>
-                  <a:tcPr/>
-                </a:tc>
-                <a:tc>
-                  <a:txBody>
-                    <a:bodyPr/>
-                    <a:lstStyle/>
-                    <a:p>
-                      <a:r>
-                        <a:rPr sz="1600"/>
-                        <a:t>48%</a:t>
                       </a:r>
                     </a:p>
                   </a:txBody>
@@ -5666,59 +5666,59 @@
                     <a:p>
                       <a:r>
                         <a:rPr sz="1600"/>
+                        <a:t>0%</a:t>
+                      </a:r>
+                    </a:p>
+                  </a:txBody>
+                  <a:tcPr/>
+                </a:tc>
+                <a:tc>
+                  <a:txBody>
+                    <a:bodyPr/>
+                    <a:lstStyle/>
+                    <a:p>
+                      <a:r>
+                        <a:rPr sz="1600"/>
+                        <a:t>0%</a:t>
+                      </a:r>
+                    </a:p>
+                  </a:txBody>
+                  <a:tcPr/>
+                </a:tc>
+                <a:tc>
+                  <a:txBody>
+                    <a:bodyPr/>
+                    <a:lstStyle/>
+                    <a:p>
+                      <a:r>
+                        <a:rPr sz="1600"/>
+                        <a:t>0%</a:t>
+                      </a:r>
+                    </a:p>
+                  </a:txBody>
+                  <a:tcPr/>
+                </a:tc>
+                <a:tc>
+                  <a:txBody>
+                    <a:bodyPr/>
+                    <a:lstStyle/>
+                    <a:p>
+                      <a:r>
+                        <a:rPr sz="1600"/>
+                        <a:t>27%</a:t>
+                      </a:r>
+                    </a:p>
+                  </a:txBody>
+                  <a:tcPr/>
+                </a:tc>
+                <a:tc>
+                  <a:txBody>
+                    <a:bodyPr/>
+                    <a:lstStyle/>
+                    <a:p>
+                      <a:r>
+                        <a:rPr sz="1600"/>
                         <a:t>13%</a:t>
-                      </a:r>
-                    </a:p>
-                  </a:txBody>
-                  <a:tcPr/>
-                </a:tc>
-                <a:tc>
-                  <a:txBody>
-                    <a:bodyPr/>
-                    <a:lstStyle/>
-                    <a:p>
-                      <a:r>
-                        <a:rPr sz="1600"/>
-                        <a:t>0%</a:t>
-                      </a:r>
-                    </a:p>
-                  </a:txBody>
-                  <a:tcPr/>
-                </a:tc>
-                <a:tc>
-                  <a:txBody>
-                    <a:bodyPr/>
-                    <a:lstStyle/>
-                    <a:p>
-                      <a:r>
-                        <a:rPr sz="1600"/>
-                        <a:t>0%</a:t>
-                      </a:r>
-                    </a:p>
-                  </a:txBody>
-                  <a:tcPr/>
-                </a:tc>
-                <a:tc>
-                  <a:txBody>
-                    <a:bodyPr/>
-                    <a:lstStyle/>
-                    <a:p>
-                      <a:r>
-                        <a:rPr sz="1600"/>
-                        <a:t>0%</a:t>
-                      </a:r>
-                    </a:p>
-                  </a:txBody>
-                  <a:tcPr/>
-                </a:tc>
-                <a:tc>
-                  <a:txBody>
-                    <a:bodyPr/>
-                    <a:lstStyle/>
-                    <a:p>
-                      <a:r>
-                        <a:rPr sz="1600"/>
-                        <a:t>9%</a:t>
                       </a:r>
                     </a:p>
                   </a:txBody>
@@ -5746,59 +5746,59 @@
                     <a:p>
                       <a:r>
                         <a:rPr sz="1600"/>
+                        <a:t>83%</a:t>
+                      </a:r>
+                    </a:p>
+                  </a:txBody>
+                  <a:tcPr/>
+                </a:tc>
+                <a:tc>
+                  <a:txBody>
+                    <a:bodyPr/>
+                    <a:lstStyle/>
+                    <a:p>
+                      <a:r>
+                        <a:rPr sz="1600"/>
+                        <a:t>25%</a:t>
+                      </a:r>
+                    </a:p>
+                  </a:txBody>
+                  <a:tcPr/>
+                </a:tc>
+                <a:tc>
+                  <a:txBody>
+                    <a:bodyPr/>
+                    <a:lstStyle/>
+                    <a:p>
+                      <a:r>
+                        <a:rPr sz="1600"/>
+                        <a:t>0%</a:t>
+                      </a:r>
+                    </a:p>
+                  </a:txBody>
+                  <a:tcPr/>
+                </a:tc>
+                <a:tc>
+                  <a:txBody>
+                    <a:bodyPr/>
+                    <a:lstStyle/>
+                    <a:p>
+                      <a:r>
+                        <a:rPr sz="1600"/>
+                        <a:t>32%</a:t>
+                      </a:r>
+                    </a:p>
+                  </a:txBody>
+                  <a:tcPr/>
+                </a:tc>
+                <a:tc>
+                  <a:txBody>
+                    <a:bodyPr/>
+                    <a:lstStyle/>
+                    <a:p>
+                      <a:r>
+                        <a:rPr sz="1600"/>
                         <a:t>73%</a:t>
-                      </a:r>
-                    </a:p>
-                  </a:txBody>
-                  <a:tcPr/>
-                </a:tc>
-                <a:tc>
-                  <a:txBody>
-                    <a:bodyPr/>
-                    <a:lstStyle/>
-                    <a:p>
-                      <a:r>
-                        <a:rPr sz="1600"/>
-                        <a:t>44%</a:t>
-                      </a:r>
-                    </a:p>
-                  </a:txBody>
-                  <a:tcPr/>
-                </a:tc>
-                <a:tc>
-                  <a:txBody>
-                    <a:bodyPr/>
-                    <a:lstStyle/>
-                    <a:p>
-                      <a:r>
-                        <a:rPr sz="1600"/>
-                        <a:t>0%</a:t>
-                      </a:r>
-                    </a:p>
-                  </a:txBody>
-                  <a:tcPr/>
-                </a:tc>
-                <a:tc>
-                  <a:txBody>
-                    <a:bodyPr/>
-                    <a:lstStyle/>
-                    <a:p>
-                      <a:r>
-                        <a:rPr sz="1600"/>
-                        <a:t>25%</a:t>
-                      </a:r>
-                    </a:p>
-                  </a:txBody>
-                  <a:tcPr/>
-                </a:tc>
-                <a:tc>
-                  <a:txBody>
-                    <a:bodyPr/>
-                    <a:lstStyle/>
-                    <a:p>
-                      <a:r>
-                        <a:rPr sz="1600"/>
-                        <a:t>43%</a:t>
                       </a:r>
                     </a:p>
                   </a:txBody>
@@ -5852,7 +5852,7 @@
                     <a:p>
                       <a:r>
                         <a:rPr sz="1600"/>
-                        <a:t>100%</a:t>
+                        <a:t>0%</a:t>
                       </a:r>
                     </a:p>
                   </a:txBody>
@@ -5936,7 +5936,46 @@
                     <a:p>
                       <a:r>
                         <a:rPr sz="1600"/>
-                        <a:t>Spg</a:t>
+                        <a:t>Seml</a:t>
+                      </a:r>
+                    </a:p>
+                  </a:txBody>
+                  <a:tcPr/>
+                </a:tc>
+                <a:tc>
+                  <a:txBody>
+                    <a:bodyPr/>
+                    <a:lstStyle/>
+                    <a:p>
+                      <a:r>
+                        <a:rPr sz="1600"/>
+                        <a:t>Other</a:t>
+                      </a:r>
+                    </a:p>
+                  </a:txBody>
+                  <a:tcPr/>
+                </a:tc>
+                <a:tc>
+                  <a:txBody>
+                    <a:bodyPr/>
+                    <a:lstStyle/>
+                    <a:p>
+                      <a:r>
+                        <a:rPr sz="1600"/>
+                        <a:t>R&amp;d</a:t>
+                      </a:r>
+                    </a:p>
+                  </a:txBody>
+                  <a:tcPr/>
+                </a:tc>
+                <a:tc>
+                  <a:txBody>
+                    <a:bodyPr/>
+                    <a:lstStyle/>
+                    <a:p>
+                      <a:r>
+                        <a:rPr sz="1600"/>
+                        <a:t>Alathur</a:t>
                       </a:r>
                     </a:p>
                   </a:txBody>
@@ -5950,45 +5989,6 @@
                       <a:r>
                         <a:rPr sz="1600"/>
                         <a:t>Pondy formulations</a:t>
-                      </a:r>
-                    </a:p>
-                  </a:txBody>
-                  <a:tcPr/>
-                </a:tc>
-                <a:tc>
-                  <a:txBody>
-                    <a:bodyPr/>
-                    <a:lstStyle/>
-                    <a:p>
-                      <a:r>
-                        <a:rPr sz="1600"/>
-                        <a:t>Arcolab</a:t>
-                      </a:r>
-                    </a:p>
-                  </a:txBody>
-                  <a:tcPr/>
-                </a:tc>
-                <a:tc>
-                  <a:txBody>
-                    <a:bodyPr/>
-                    <a:lstStyle/>
-                    <a:p>
-                      <a:r>
-                        <a:rPr sz="1600"/>
-                        <a:t>R&amp;d</a:t>
-                      </a:r>
-                    </a:p>
-                  </a:txBody>
-                  <a:tcPr/>
-                </a:tc>
-                <a:tc>
-                  <a:txBody>
-                    <a:bodyPr/>
-                    <a:lstStyle/>
-                    <a:p>
-                      <a:r>
-                        <a:rPr sz="1600"/>
-                        <a:t>Krsg</a:t>
                       </a:r>
                     </a:p>
                   </a:txBody>
@@ -6016,7 +6016,46 @@
                     <a:p>
                       <a:r>
                         <a:rPr sz="1600"/>
-                        <a:t>0%</a:t>
+                        <a:t>56%</a:t>
+                      </a:r>
+                    </a:p>
+                  </a:txBody>
+                  <a:tcPr/>
+                </a:tc>
+                <a:tc>
+                  <a:txBody>
+                    <a:bodyPr/>
+                    <a:lstStyle/>
+                    <a:p>
+                      <a:r>
+                        <a:rPr sz="1600"/>
+                        <a:t>100%</a:t>
+                      </a:r>
+                    </a:p>
+                  </a:txBody>
+                  <a:tcPr/>
+                </a:tc>
+                <a:tc>
+                  <a:txBody>
+                    <a:bodyPr/>
+                    <a:lstStyle/>
+                    <a:p>
+                      <a:r>
+                        <a:rPr sz="1600"/>
+                        <a:t>29%</a:t>
+                      </a:r>
+                    </a:p>
+                  </a:txBody>
+                  <a:tcPr/>
+                </a:tc>
+                <a:tc>
+                  <a:txBody>
+                    <a:bodyPr/>
+                    <a:lstStyle/>
+                    <a:p>
+                      <a:r>
+                        <a:rPr sz="1600"/>
+                        <a:t>48%</a:t>
                       </a:r>
                     </a:p>
                   </a:txBody>
@@ -6030,45 +6069,6 @@
                       <a:r>
                         <a:rPr sz="1600"/>
                         <a:t>28%</a:t>
-                      </a:r>
-                    </a:p>
-                  </a:txBody>
-                  <a:tcPr/>
-                </a:tc>
-                <a:tc>
-                  <a:txBody>
-                    <a:bodyPr/>
-                    <a:lstStyle/>
-                    <a:p>
-                      <a:r>
-                        <a:rPr sz="1600"/>
-                        <a:t>17%</a:t>
-                      </a:r>
-                    </a:p>
-                  </a:txBody>
-                  <a:tcPr/>
-                </a:tc>
-                <a:tc>
-                  <a:txBody>
-                    <a:bodyPr/>
-                    <a:lstStyle/>
-                    <a:p>
-                      <a:r>
-                        <a:rPr sz="1600"/>
-                        <a:t>29%</a:t>
-                      </a:r>
-                    </a:p>
-                  </a:txBody>
-                  <a:tcPr/>
-                </a:tc>
-                <a:tc>
-                  <a:txBody>
-                    <a:bodyPr/>
-                    <a:lstStyle/>
-                    <a:p>
-                      <a:r>
-                        <a:rPr sz="1600"/>
-                        <a:t>41%</a:t>
                       </a:r>
                     </a:p>
                   </a:txBody>
@@ -6109,46 +6109,46 @@
                     <a:p>
                       <a:r>
                         <a:rPr sz="1600"/>
+                        <a:t>0%</a:t>
+                      </a:r>
+                    </a:p>
+                  </a:txBody>
+                  <a:tcPr/>
+                </a:tc>
+                <a:tc>
+                  <a:txBody>
+                    <a:bodyPr/>
+                    <a:lstStyle/>
+                    <a:p>
+                      <a:r>
+                        <a:rPr sz="1600"/>
+                        <a:t>16%</a:t>
+                      </a:r>
+                    </a:p>
+                  </a:txBody>
+                  <a:tcPr/>
+                </a:tc>
+                <a:tc>
+                  <a:txBody>
+                    <a:bodyPr/>
+                    <a:lstStyle/>
+                    <a:p>
+                      <a:r>
+                        <a:rPr sz="1600"/>
+                        <a:t>9%</a:t>
+                      </a:r>
+                    </a:p>
+                  </a:txBody>
+                  <a:tcPr/>
+                </a:tc>
+                <a:tc>
+                  <a:txBody>
+                    <a:bodyPr/>
+                    <a:lstStyle/>
+                    <a:p>
+                      <a:r>
+                        <a:rPr sz="1600"/>
                         <a:t>21%</a:t>
-                      </a:r>
-                    </a:p>
-                  </a:txBody>
-                  <a:tcPr/>
-                </a:tc>
-                <a:tc>
-                  <a:txBody>
-                    <a:bodyPr/>
-                    <a:lstStyle/>
-                    <a:p>
-                      <a:r>
-                        <a:rPr sz="1600"/>
-                        <a:t>0%</a:t>
-                      </a:r>
-                    </a:p>
-                  </a:txBody>
-                  <a:tcPr/>
-                </a:tc>
-                <a:tc>
-                  <a:txBody>
-                    <a:bodyPr/>
-                    <a:lstStyle/>
-                    <a:p>
-                      <a:r>
-                        <a:rPr sz="1600"/>
-                        <a:t>16%</a:t>
-                      </a:r>
-                    </a:p>
-                  </a:txBody>
-                  <a:tcPr/>
-                </a:tc>
-                <a:tc>
-                  <a:txBody>
-                    <a:bodyPr/>
-                    <a:lstStyle/>
-                    <a:p>
-                      <a:r>
-                        <a:rPr sz="1600"/>
-                        <a:t>27%</a:t>
                       </a:r>
                     </a:p>
                   </a:txBody>
@@ -6176,6 +6176,19 @@
                     <a:p>
                       <a:r>
                         <a:rPr sz="1600"/>
+                        <a:t>44%</a:t>
+                      </a:r>
+                    </a:p>
+                  </a:txBody>
+                  <a:tcPr/>
+                </a:tc>
+                <a:tc>
+                  <a:txBody>
+                    <a:bodyPr/>
+                    <a:lstStyle/>
+                    <a:p>
+                      <a:r>
+                        <a:rPr sz="1600"/>
                         <a:t>0%</a:t>
                       </a:r>
                     </a:p>
@@ -6189,46 +6202,33 @@
                     <a:p>
                       <a:r>
                         <a:rPr sz="1600"/>
+                        <a:t>55%</a:t>
+                      </a:r>
+                    </a:p>
+                  </a:txBody>
+                  <a:tcPr/>
+                </a:tc>
+                <a:tc>
+                  <a:txBody>
+                    <a:bodyPr/>
+                    <a:lstStyle/>
+                    <a:p>
+                      <a:r>
+                        <a:rPr sz="1600"/>
+                        <a:t>43%</a:t>
+                      </a:r>
+                    </a:p>
+                  </a:txBody>
+                  <a:tcPr/>
+                </a:tc>
+                <a:tc>
+                  <a:txBody>
+                    <a:bodyPr/>
+                    <a:lstStyle/>
+                    <a:p>
+                      <a:r>
+                        <a:rPr sz="1600"/>
                         <a:t>51%</a:t>
-                      </a:r>
-                    </a:p>
-                  </a:txBody>
-                  <a:tcPr/>
-                </a:tc>
-                <a:tc>
-                  <a:txBody>
-                    <a:bodyPr/>
-                    <a:lstStyle/>
-                    <a:p>
-                      <a:r>
-                        <a:rPr sz="1600"/>
-                        <a:t>83%</a:t>
-                      </a:r>
-                    </a:p>
-                  </a:txBody>
-                  <a:tcPr/>
-                </a:tc>
-                <a:tc>
-                  <a:txBody>
-                    <a:bodyPr/>
-                    <a:lstStyle/>
-                    <a:p>
-                      <a:r>
-                        <a:rPr sz="1600"/>
-                        <a:t>55%</a:t>
-                      </a:r>
-                    </a:p>
-                  </a:txBody>
-                  <a:tcPr/>
-                </a:tc>
-                <a:tc>
-                  <a:txBody>
-                    <a:bodyPr/>
-                    <a:lstStyle/>
-                    <a:p>
-                      <a:r>
-                        <a:rPr sz="1600"/>
-                        <a:t>32%</a:t>
                       </a:r>
                     </a:p>
                   </a:txBody>
@@ -6256,7 +6256,7 @@
                     <a:p>
                       <a:r>
                         <a:rPr sz="1600"/>
-                        <a:t>0%</a:t>
+                        <a:t>100%</a:t>
                       </a:r>
                     </a:p>
                   </a:txBody>
@@ -6448,59 +6448,59 @@
                     <a:p>
                       <a:r>
                         <a:rPr sz="1600"/>
+                        <a:t>Arcolab</a:t>
+                      </a:r>
+                    </a:p>
+                  </a:txBody>
+                  <a:tcPr/>
+                </a:tc>
+                <a:tc>
+                  <a:txBody>
+                    <a:bodyPr/>
+                    <a:lstStyle/>
+                    <a:p>
+                      <a:r>
+                        <a:rPr sz="1600"/>
+                        <a:t>Ucl</a:t>
+                      </a:r>
+                    </a:p>
+                  </a:txBody>
+                  <a:tcPr/>
+                </a:tc>
+                <a:tc>
+                  <a:txBody>
+                    <a:bodyPr/>
+                    <a:lstStyle/>
+                    <a:p>
+                      <a:r>
+                        <a:rPr sz="1600"/>
+                        <a:t>Spg</a:t>
+                      </a:r>
+                    </a:p>
+                  </a:txBody>
+                  <a:tcPr/>
+                </a:tc>
+                <a:tc>
+                  <a:txBody>
+                    <a:bodyPr/>
+                    <a:lstStyle/>
+                    <a:p>
+                      <a:r>
+                        <a:rPr sz="1600"/>
+                        <a:t>Krsg</a:t>
+                      </a:r>
+                    </a:p>
+                  </a:txBody>
+                  <a:tcPr/>
+                </a:tc>
+                <a:tc>
+                  <a:txBody>
+                    <a:bodyPr/>
+                    <a:lstStyle/>
+                    <a:p>
+                      <a:r>
+                        <a:rPr sz="1600"/>
                         <a:t>Corporate</a:t>
-                      </a:r>
-                    </a:p>
-                  </a:txBody>
-                  <a:tcPr/>
-                </a:tc>
-                <a:tc>
-                  <a:txBody>
-                    <a:bodyPr/>
-                    <a:lstStyle/>
-                    <a:p>
-                      <a:r>
-                        <a:rPr sz="1600"/>
-                        <a:t>Seml</a:t>
-                      </a:r>
-                    </a:p>
-                  </a:txBody>
-                  <a:tcPr/>
-                </a:tc>
-                <a:tc>
-                  <a:txBody>
-                    <a:bodyPr/>
-                    <a:lstStyle/>
-                    <a:p>
-                      <a:r>
-                        <a:rPr sz="1600"/>
-                        <a:t>Other</a:t>
-                      </a:r>
-                    </a:p>
-                  </a:txBody>
-                  <a:tcPr/>
-                </a:tc>
-                <a:tc>
-                  <a:txBody>
-                    <a:bodyPr/>
-                    <a:lstStyle/>
-                    <a:p>
-                      <a:r>
-                        <a:rPr sz="1600"/>
-                        <a:t>Ucl</a:t>
-                      </a:r>
-                    </a:p>
-                  </a:txBody>
-                  <a:tcPr/>
-                </a:tc>
-                <a:tc>
-                  <a:txBody>
-                    <a:bodyPr/>
-                    <a:lstStyle/>
-                    <a:p>
-                      <a:r>
-                        <a:rPr sz="1600"/>
-                        <a:t>Alathur</a:t>
                       </a:r>
                     </a:p>
                   </a:txBody>
@@ -6528,59 +6528,59 @@
                     <a:p>
                       <a:r>
                         <a:rPr sz="1600"/>
+                        <a:t>0%</a:t>
+                      </a:r>
+                    </a:p>
+                  </a:txBody>
+                  <a:tcPr/>
+                </a:tc>
+                <a:tc>
+                  <a:txBody>
+                    <a:bodyPr/>
+                    <a:lstStyle/>
+                    <a:p>
+                      <a:r>
+                        <a:rPr sz="1600"/>
+                        <a:t>0%</a:t>
+                      </a:r>
+                    </a:p>
+                  </a:txBody>
+                  <a:tcPr/>
+                </a:tc>
+                <a:tc>
+                  <a:txBody>
+                    <a:bodyPr/>
+                    <a:lstStyle/>
+                    <a:p>
+                      <a:r>
+                        <a:rPr sz="1600"/>
+                        <a:t>0%</a:t>
+                      </a:r>
+                    </a:p>
+                  </a:txBody>
+                  <a:tcPr/>
+                </a:tc>
+                <a:tc>
+                  <a:txBody>
+                    <a:bodyPr/>
+                    <a:lstStyle/>
+                    <a:p>
+                      <a:r>
+                        <a:rPr sz="1600"/>
+                        <a:t>36%</a:t>
+                      </a:r>
+                    </a:p>
+                  </a:txBody>
+                  <a:tcPr/>
+                </a:tc>
+                <a:tc>
+                  <a:txBody>
+                    <a:bodyPr/>
+                    <a:lstStyle/>
+                    <a:p>
+                      <a:r>
+                        <a:rPr sz="1600"/>
                         <a:t>100%</a:t>
-                      </a:r>
-                    </a:p>
-                  </a:txBody>
-                  <a:tcPr/>
-                </a:tc>
-                <a:tc>
-                  <a:txBody>
-                    <a:bodyPr/>
-                    <a:lstStyle/>
-                    <a:p>
-                      <a:r>
-                        <a:rPr sz="1600"/>
-                        <a:t>0%</a:t>
-                      </a:r>
-                    </a:p>
-                  </a:txBody>
-                  <a:tcPr/>
-                </a:tc>
-                <a:tc>
-                  <a:txBody>
-                    <a:bodyPr/>
-                    <a:lstStyle/>
-                    <a:p>
-                      <a:r>
-                        <a:rPr sz="1600"/>
-                        <a:t>0%</a:t>
-                      </a:r>
-                    </a:p>
-                  </a:txBody>
-                  <a:tcPr/>
-                </a:tc>
-                <a:tc>
-                  <a:txBody>
-                    <a:bodyPr/>
-                    <a:lstStyle/>
-                    <a:p>
-                      <a:r>
-                        <a:rPr sz="1600"/>
-                        <a:t>0%</a:t>
-                      </a:r>
-                    </a:p>
-                  </a:txBody>
-                  <a:tcPr/>
-                </a:tc>
-                <a:tc>
-                  <a:txBody>
-                    <a:bodyPr/>
-                    <a:lstStyle/>
-                    <a:p>
-                      <a:r>
-                        <a:rPr sz="1600"/>
-                        <a:t>50%</a:t>
                       </a:r>
                     </a:p>
                   </a:txBody>
@@ -6647,20 +6647,20 @@
                     <a:p>
                       <a:r>
                         <a:rPr sz="1600"/>
+                        <a:t>6%</a:t>
+                      </a:r>
+                    </a:p>
+                  </a:txBody>
+                  <a:tcPr/>
+                </a:tc>
+                <a:tc>
+                  <a:txBody>
+                    <a:bodyPr/>
+                    <a:lstStyle/>
+                    <a:p>
+                      <a:r>
+                        <a:rPr sz="1600"/>
                         <a:t>0%</a:t>
-                      </a:r>
-                    </a:p>
-                  </a:txBody>
-                  <a:tcPr/>
-                </a:tc>
-                <a:tc>
-                  <a:txBody>
-                    <a:bodyPr/>
-                    <a:lstStyle/>
-                    <a:p>
-                      <a:r>
-                        <a:rPr sz="1600"/>
-                        <a:t>50%</a:t>
                       </a:r>
                     </a:p>
                   </a:txBody>
@@ -6688,6 +6688,32 @@
                     <a:p>
                       <a:r>
                         <a:rPr sz="1600"/>
+                        <a:t>100%</a:t>
+                      </a:r>
+                    </a:p>
+                  </a:txBody>
+                  <a:tcPr/>
+                </a:tc>
+                <a:tc>
+                  <a:txBody>
+                    <a:bodyPr/>
+                    <a:lstStyle/>
+                    <a:p>
+                      <a:r>
+                        <a:rPr sz="1600"/>
+                        <a:t>100%</a:t>
+                      </a:r>
+                    </a:p>
+                  </a:txBody>
+                  <a:tcPr/>
+                </a:tc>
+                <a:tc>
+                  <a:txBody>
+                    <a:bodyPr/>
+                    <a:lstStyle/>
+                    <a:p>
+                      <a:r>
+                        <a:rPr sz="1600"/>
                         <a:t>0%</a:t>
                       </a:r>
                     </a:p>
@@ -6701,33 +6727,7 @@
                     <a:p>
                       <a:r>
                         <a:rPr sz="1600"/>
-                        <a:t>0%</a:t>
-                      </a:r>
-                    </a:p>
-                  </a:txBody>
-                  <a:tcPr/>
-                </a:tc>
-                <a:tc>
-                  <a:txBody>
-                    <a:bodyPr/>
-                    <a:lstStyle/>
-                    <a:p>
-                      <a:r>
-                        <a:rPr sz="1600"/>
-                        <a:t>0%</a:t>
-                      </a:r>
-                    </a:p>
-                  </a:txBody>
-                  <a:tcPr/>
-                </a:tc>
-                <a:tc>
-                  <a:txBody>
-                    <a:bodyPr/>
-                    <a:lstStyle/>
-                    <a:p>
-                      <a:r>
-                        <a:rPr sz="1600"/>
-                        <a:t>100%</a:t>
+                        <a:t>58%</a:t>
                       </a:r>
                     </a:p>
                   </a:txBody>
@@ -6781,7 +6781,7 @@
                     <a:p>
                       <a:r>
                         <a:rPr sz="1600"/>
-                        <a:t>0%</a:t>
+                        <a:t>100%</a:t>
                       </a:r>
                     </a:p>
                   </a:txBody>
@@ -6878,7 +6878,46 @@
                     <a:p>
                       <a:r>
                         <a:rPr sz="1600"/>
-                        <a:t>Spg</a:t>
+                        <a:t>Seml</a:t>
+                      </a:r>
+                    </a:p>
+                  </a:txBody>
+                  <a:tcPr/>
+                </a:tc>
+                <a:tc>
+                  <a:txBody>
+                    <a:bodyPr/>
+                    <a:lstStyle/>
+                    <a:p>
+                      <a:r>
+                        <a:rPr sz="1600"/>
+                        <a:t>Other</a:t>
+                      </a:r>
+                    </a:p>
+                  </a:txBody>
+                  <a:tcPr/>
+                </a:tc>
+                <a:tc>
+                  <a:txBody>
+                    <a:bodyPr/>
+                    <a:lstStyle/>
+                    <a:p>
+                      <a:r>
+                        <a:rPr sz="1600"/>
+                        <a:t>R&amp;d</a:t>
+                      </a:r>
+                    </a:p>
+                  </a:txBody>
+                  <a:tcPr/>
+                </a:tc>
+                <a:tc>
+                  <a:txBody>
+                    <a:bodyPr/>
+                    <a:lstStyle/>
+                    <a:p>
+                      <a:r>
+                        <a:rPr sz="1600"/>
+                        <a:t>Alathur</a:t>
                       </a:r>
                     </a:p>
                   </a:txBody>
@@ -6892,45 +6931,6 @@
                       <a:r>
                         <a:rPr sz="1600"/>
                         <a:t>Pondy formulations</a:t>
-                      </a:r>
-                    </a:p>
-                  </a:txBody>
-                  <a:tcPr/>
-                </a:tc>
-                <a:tc>
-                  <a:txBody>
-                    <a:bodyPr/>
-                    <a:lstStyle/>
-                    <a:p>
-                      <a:r>
-                        <a:rPr sz="1600"/>
-                        <a:t>Arcolab</a:t>
-                      </a:r>
-                    </a:p>
-                  </a:txBody>
-                  <a:tcPr/>
-                </a:tc>
-                <a:tc>
-                  <a:txBody>
-                    <a:bodyPr/>
-                    <a:lstStyle/>
-                    <a:p>
-                      <a:r>
-                        <a:rPr sz="1600"/>
-                        <a:t>R&amp;d</a:t>
-                      </a:r>
-                    </a:p>
-                  </a:txBody>
-                  <a:tcPr/>
-                </a:tc>
-                <a:tc>
-                  <a:txBody>
-                    <a:bodyPr/>
-                    <a:lstStyle/>
-                    <a:p>
-                      <a:r>
-                        <a:rPr sz="1600"/>
-                        <a:t>Krsg</a:t>
                       </a:r>
                     </a:p>
                   </a:txBody>
@@ -6971,46 +6971,46 @@
                     <a:p>
                       <a:r>
                         <a:rPr sz="1600"/>
+                        <a:t>0%</a:t>
+                      </a:r>
+                    </a:p>
+                  </a:txBody>
+                  <a:tcPr/>
+                </a:tc>
+                <a:tc>
+                  <a:txBody>
+                    <a:bodyPr/>
+                    <a:lstStyle/>
+                    <a:p>
+                      <a:r>
+                        <a:rPr sz="1600"/>
+                        <a:t>0%</a:t>
+                      </a:r>
+                    </a:p>
+                  </a:txBody>
+                  <a:tcPr/>
+                </a:tc>
+                <a:tc>
+                  <a:txBody>
+                    <a:bodyPr/>
+                    <a:lstStyle/>
+                    <a:p>
+                      <a:r>
+                        <a:rPr sz="1600"/>
+                        <a:t>50%</a:t>
+                      </a:r>
+                    </a:p>
+                  </a:txBody>
+                  <a:tcPr/>
+                </a:tc>
+                <a:tc>
+                  <a:txBody>
+                    <a:bodyPr/>
+                    <a:lstStyle/>
+                    <a:p>
+                      <a:r>
+                        <a:rPr sz="1600"/>
                         <a:t>21%</a:t>
-                      </a:r>
-                    </a:p>
-                  </a:txBody>
-                  <a:tcPr/>
-                </a:tc>
-                <a:tc>
-                  <a:txBody>
-                    <a:bodyPr/>
-                    <a:lstStyle/>
-                    <a:p>
-                      <a:r>
-                        <a:rPr sz="1600"/>
-                        <a:t>0%</a:t>
-                      </a:r>
-                    </a:p>
-                  </a:txBody>
-                  <a:tcPr/>
-                </a:tc>
-                <a:tc>
-                  <a:txBody>
-                    <a:bodyPr/>
-                    <a:lstStyle/>
-                    <a:p>
-                      <a:r>
-                        <a:rPr sz="1600"/>
-                        <a:t>0%</a:t>
-                      </a:r>
-                    </a:p>
-                  </a:txBody>
-                  <a:tcPr/>
-                </a:tc>
-                <a:tc>
-                  <a:txBody>
-                    <a:bodyPr/>
-                    <a:lstStyle/>
-                    <a:p>
-                      <a:r>
-                        <a:rPr sz="1600"/>
-                        <a:t>36%</a:t>
                       </a:r>
                     </a:p>
                   </a:txBody>
@@ -7051,46 +7051,46 @@
                     <a:p>
                       <a:r>
                         <a:rPr sz="1600"/>
+                        <a:t>0%</a:t>
+                      </a:r>
+                    </a:p>
+                  </a:txBody>
+                  <a:tcPr/>
+                </a:tc>
+                <a:tc>
+                  <a:txBody>
+                    <a:bodyPr/>
+                    <a:lstStyle/>
+                    <a:p>
+                      <a:r>
+                        <a:rPr sz="1600"/>
+                        <a:t>0%</a:t>
+                      </a:r>
+                    </a:p>
+                  </a:txBody>
+                  <a:tcPr/>
+                </a:tc>
+                <a:tc>
+                  <a:txBody>
+                    <a:bodyPr/>
+                    <a:lstStyle/>
+                    <a:p>
+                      <a:r>
+                        <a:rPr sz="1600"/>
+                        <a:t>50%</a:t>
+                      </a:r>
+                    </a:p>
+                  </a:txBody>
+                  <a:tcPr/>
+                </a:tc>
+                <a:tc>
+                  <a:txBody>
+                    <a:bodyPr/>
+                    <a:lstStyle/>
+                    <a:p>
+                      <a:r>
+                        <a:rPr sz="1600"/>
                         <a:t>5%</a:t>
-                      </a:r>
-                    </a:p>
-                  </a:txBody>
-                  <a:tcPr/>
-                </a:tc>
-                <a:tc>
-                  <a:txBody>
-                    <a:bodyPr/>
-                    <a:lstStyle/>
-                    <a:p>
-                      <a:r>
-                        <a:rPr sz="1600"/>
-                        <a:t>0%</a:t>
-                      </a:r>
-                    </a:p>
-                  </a:txBody>
-                  <a:tcPr/>
-                </a:tc>
-                <a:tc>
-                  <a:txBody>
-                    <a:bodyPr/>
-                    <a:lstStyle/>
-                    <a:p>
-                      <a:r>
-                        <a:rPr sz="1600"/>
-                        <a:t>0%</a:t>
-                      </a:r>
-                    </a:p>
-                  </a:txBody>
-                  <a:tcPr/>
-                </a:tc>
-                <a:tc>
-                  <a:txBody>
-                    <a:bodyPr/>
-                    <a:lstStyle/>
-                    <a:p>
-                      <a:r>
-                        <a:rPr sz="1600"/>
-                        <a:t>6%</a:t>
                       </a:r>
                     </a:p>
                   </a:txBody>
@@ -7131,46 +7131,46 @@
                     <a:p>
                       <a:r>
                         <a:rPr sz="1600"/>
+                        <a:t>0%</a:t>
+                      </a:r>
+                    </a:p>
+                  </a:txBody>
+                  <a:tcPr/>
+                </a:tc>
+                <a:tc>
+                  <a:txBody>
+                    <a:bodyPr/>
+                    <a:lstStyle/>
+                    <a:p>
+                      <a:r>
+                        <a:rPr sz="1600"/>
+                        <a:t>100%</a:t>
+                      </a:r>
+                    </a:p>
+                  </a:txBody>
+                  <a:tcPr/>
+                </a:tc>
+                <a:tc>
+                  <a:txBody>
+                    <a:bodyPr/>
+                    <a:lstStyle/>
+                    <a:p>
+                      <a:r>
+                        <a:rPr sz="1600"/>
+                        <a:t>0%</a:t>
+                      </a:r>
+                    </a:p>
+                  </a:txBody>
+                  <a:tcPr/>
+                </a:tc>
+                <a:tc>
+                  <a:txBody>
+                    <a:bodyPr/>
+                    <a:lstStyle/>
+                    <a:p>
+                      <a:r>
+                        <a:rPr sz="1600"/>
                         <a:t>74%</a:t>
-                      </a:r>
-                    </a:p>
-                  </a:txBody>
-                  <a:tcPr/>
-                </a:tc>
-                <a:tc>
-                  <a:txBody>
-                    <a:bodyPr/>
-                    <a:lstStyle/>
-                    <a:p>
-                      <a:r>
-                        <a:rPr sz="1600"/>
-                        <a:t>100%</a:t>
-                      </a:r>
-                    </a:p>
-                  </a:txBody>
-                  <a:tcPr/>
-                </a:tc>
-                <a:tc>
-                  <a:txBody>
-                    <a:bodyPr/>
-                    <a:lstStyle/>
-                    <a:p>
-                      <a:r>
-                        <a:rPr sz="1600"/>
-                        <a:t>100%</a:t>
-                      </a:r>
-                    </a:p>
-                  </a:txBody>
-                  <a:tcPr/>
-                </a:tc>
-                <a:tc>
-                  <a:txBody>
-                    <a:bodyPr/>
-                    <a:lstStyle/>
-                    <a:p>
-                      <a:r>
-                        <a:rPr sz="1600"/>
-                        <a:t>58%</a:t>
                       </a:r>
                     </a:p>
                   </a:txBody>
@@ -7211,7 +7211,7 @@
                     <a:p>
                       <a:r>
                         <a:rPr sz="1600"/>
-                        <a:t>100%</a:t>
+                        <a:t>0%</a:t>
                       </a:r>
                     </a:p>
                   </a:txBody>
@@ -8504,6 +8504,30 @@
                     <a:lstStyle/>
                     <a:p>
                       <a:r>
+                        <a:t>1</a:t>
+                      </a:r>
+                    </a:p>
+                  </a:txBody>
+                  <a:tcPr/>
+                </a:tc>
+                <a:tc>
+                  <a:txBody>
+                    <a:bodyPr/>
+                    <a:lstStyle/>
+                    <a:p>
+                      <a:r>
+                        <a:t>15</a:t>
+                      </a:r>
+                    </a:p>
+                  </a:txBody>
+                  <a:tcPr/>
+                </a:tc>
+                <a:tc>
+                  <a:txBody>
+                    <a:bodyPr/>
+                    <a:lstStyle/>
+                    <a:p>
+                      <a:r>
                         <a:t>0</a:t>
                       </a:r>
                     </a:p>
@@ -8516,43 +8540,19 @@
                     <a:lstStyle/>
                     <a:p>
                       <a:r>
-                        <a:t>0</a:t>
-                      </a:r>
-                    </a:p>
-                  </a:txBody>
-                  <a:tcPr/>
-                </a:tc>
-                <a:tc>
-                  <a:txBody>
-                    <a:bodyPr/>
-                    <a:lstStyle/>
-                    <a:p>
-                      <a:r>
-                        <a:t>0</a:t>
-                      </a:r>
-                    </a:p>
-                  </a:txBody>
-                  <a:tcPr/>
-                </a:tc>
-                <a:tc>
-                  <a:txBody>
-                    <a:bodyPr/>
-                    <a:lstStyle/>
-                    <a:p>
-                      <a:r>
-                        <a:t>0</a:t>
-                      </a:r>
-                    </a:p>
-                  </a:txBody>
-                  <a:tcPr/>
-                </a:tc>
-                <a:tc>
-                  <a:txBody>
-                    <a:bodyPr/>
-                    <a:lstStyle/>
-                    <a:p>
-                      <a:r>
-                        <a:t>0</a:t>
+                        <a:t>1</a:t>
+                      </a:r>
+                    </a:p>
+                  </a:txBody>
+                  <a:tcPr/>
+                </a:tc>
+                <a:tc>
+                  <a:txBody>
+                    <a:bodyPr/>
+                    <a:lstStyle/>
+                    <a:p>
+                      <a:r>
+                        <a:t>6</a:t>
                       </a:r>
                     </a:p>
                   </a:txBody>
@@ -8578,55 +8578,55 @@
                     <a:lstStyle/>
                     <a:p>
                       <a:r>
-                        <a:t>0</a:t>
-                      </a:r>
-                    </a:p>
-                  </a:txBody>
-                  <a:tcPr/>
-                </a:tc>
-                <a:tc>
-                  <a:txBody>
-                    <a:bodyPr/>
-                    <a:lstStyle/>
-                    <a:p>
-                      <a:r>
-                        <a:t>0</a:t>
-                      </a:r>
-                    </a:p>
-                  </a:txBody>
-                  <a:tcPr/>
-                </a:tc>
-                <a:tc>
-                  <a:txBody>
-                    <a:bodyPr/>
-                    <a:lstStyle/>
-                    <a:p>
-                      <a:r>
-                        <a:t>0</a:t>
-                      </a:r>
-                    </a:p>
-                  </a:txBody>
-                  <a:tcPr/>
-                </a:tc>
-                <a:tc>
-                  <a:txBody>
-                    <a:bodyPr/>
-                    <a:lstStyle/>
-                    <a:p>
-                      <a:r>
-                        <a:t>0</a:t>
-                      </a:r>
-                    </a:p>
-                  </a:txBody>
-                  <a:tcPr/>
-                </a:tc>
-                <a:tc>
-                  <a:txBody>
-                    <a:bodyPr/>
-                    <a:lstStyle/>
-                    <a:p>
-                      <a:r>
-                        <a:t>0</a:t>
+                        <a:t>9</a:t>
+                      </a:r>
+                    </a:p>
+                  </a:txBody>
+                  <a:tcPr/>
+                </a:tc>
+                <a:tc>
+                  <a:txBody>
+                    <a:bodyPr/>
+                    <a:lstStyle/>
+                    <a:p>
+                      <a:r>
+                        <a:t>160</a:t>
+                      </a:r>
+                    </a:p>
+                  </a:txBody>
+                  <a:tcPr/>
+                </a:tc>
+                <a:tc>
+                  <a:txBody>
+                    <a:bodyPr/>
+                    <a:lstStyle/>
+                    <a:p>
+                      <a:r>
+                        <a:t>6</a:t>
+                      </a:r>
+                    </a:p>
+                  </a:txBody>
+                  <a:tcPr/>
+                </a:tc>
+                <a:tc>
+                  <a:txBody>
+                    <a:bodyPr/>
+                    <a:lstStyle/>
+                    <a:p>
+                      <a:r>
+                        <a:t>9</a:t>
+                      </a:r>
+                    </a:p>
+                  </a:txBody>
+                  <a:tcPr/>
+                </a:tc>
+                <a:tc>
+                  <a:txBody>
+                    <a:bodyPr/>
+                    <a:lstStyle/>
+                    <a:p>
+                      <a:r>
+                        <a:t>98</a:t>
                       </a:r>
                     </a:p>
                   </a:txBody>
@@ -8886,43 +8886,43 @@
                     <a:lstStyle/>
                     <a:p>
                       <a:r>
-                        <a:t>0</a:t>
-                      </a:r>
-                    </a:p>
-                  </a:txBody>
-                  <a:tcPr/>
-                </a:tc>
-                <a:tc>
-                  <a:txBody>
-                    <a:bodyPr/>
-                    <a:lstStyle/>
-                    <a:p>
-                      <a:r>
-                        <a:t>0</a:t>
-                      </a:r>
-                    </a:p>
-                  </a:txBody>
-                  <a:tcPr/>
-                </a:tc>
-                <a:tc>
-                  <a:txBody>
-                    <a:bodyPr/>
-                    <a:lstStyle/>
-                    <a:p>
-                      <a:r>
-                        <a:t>0</a:t>
-                      </a:r>
-                    </a:p>
-                  </a:txBody>
-                  <a:tcPr/>
-                </a:tc>
-                <a:tc>
-                  <a:txBody>
-                    <a:bodyPr/>
-                    <a:lstStyle/>
-                    <a:p>
-                      <a:r>
-                        <a:t>0</a:t>
+                        <a:t>97</a:t>
+                      </a:r>
+                    </a:p>
+                  </a:txBody>
+                  <a:tcPr/>
+                </a:tc>
+                <a:tc>
+                  <a:txBody>
+                    <a:bodyPr/>
+                    <a:lstStyle/>
+                    <a:p>
+                      <a:r>
+                        <a:t>3</a:t>
+                      </a:r>
+                    </a:p>
+                  </a:txBody>
+                  <a:tcPr/>
+                </a:tc>
+                <a:tc>
+                  <a:txBody>
+                    <a:bodyPr/>
+                    <a:lstStyle/>
+                    <a:p>
+                      <a:r>
+                        <a:t>3</a:t>
+                      </a:r>
+                    </a:p>
+                  </a:txBody>
+                  <a:tcPr/>
+                </a:tc>
+                <a:tc>
+                  <a:txBody>
+                    <a:bodyPr/>
+                    <a:lstStyle/>
+                    <a:p>
+                      <a:r>
+                        <a:t>44</a:t>
                       </a:r>
                     </a:p>
                   </a:txBody>
@@ -8960,43 +8960,43 @@
                     <a:lstStyle/>
                     <a:p>
                       <a:r>
-                        <a:t>0</a:t>
-                      </a:r>
-                    </a:p>
-                  </a:txBody>
-                  <a:tcPr/>
-                </a:tc>
-                <a:tc>
-                  <a:txBody>
-                    <a:bodyPr/>
-                    <a:lstStyle/>
-                    <a:p>
-                      <a:r>
-                        <a:t>0</a:t>
-                      </a:r>
-                    </a:p>
-                  </a:txBody>
-                  <a:tcPr/>
-                </a:tc>
-                <a:tc>
-                  <a:txBody>
-                    <a:bodyPr/>
-                    <a:lstStyle/>
-                    <a:p>
-                      <a:r>
-                        <a:t>0</a:t>
-                      </a:r>
-                    </a:p>
-                  </a:txBody>
-                  <a:tcPr/>
-                </a:tc>
-                <a:tc>
-                  <a:txBody>
-                    <a:bodyPr/>
-                    <a:lstStyle/>
-                    <a:p>
-                      <a:r>
-                        <a:t>0</a:t>
+                        <a:t>44</a:t>
+                      </a:r>
+                    </a:p>
+                  </a:txBody>
+                  <a:tcPr/>
+                </a:tc>
+                <a:tc>
+                  <a:txBody>
+                    <a:bodyPr/>
+                    <a:lstStyle/>
+                    <a:p>
+                      <a:r>
+                        <a:t>1</a:t>
+                      </a:r>
+                    </a:p>
+                  </a:txBody>
+                  <a:tcPr/>
+                </a:tc>
+                <a:tc>
+                  <a:txBody>
+                    <a:bodyPr/>
+                    <a:lstStyle/>
+                    <a:p>
+                      <a:r>
+                        <a:t>7</a:t>
+                      </a:r>
+                    </a:p>
+                  </a:txBody>
+                  <a:tcPr/>
+                </a:tc>
+                <a:tc>
+                  <a:txBody>
+                    <a:bodyPr/>
+                    <a:lstStyle/>
+                    <a:p>
+                      <a:r>
+                        <a:t>13</a:t>
                       </a:r>
                     </a:p>
                   </a:txBody>
@@ -9034,6 +9034,30 @@
                     <a:lstStyle/>
                     <a:p>
                       <a:r>
+                        <a:t>21</a:t>
+                      </a:r>
+                    </a:p>
+                  </a:txBody>
+                  <a:tcPr/>
+                </a:tc>
+                <a:tc>
+                  <a:txBody>
+                    <a:bodyPr/>
+                    <a:lstStyle/>
+                    <a:p>
+                      <a:r>
+                        <a:t>4</a:t>
+                      </a:r>
+                    </a:p>
+                  </a:txBody>
+                  <a:tcPr/>
+                </a:tc>
+                <a:tc>
+                  <a:txBody>
+                    <a:bodyPr/>
+                    <a:lstStyle/>
+                    <a:p>
+                      <a:r>
                         <a:t>0</a:t>
                       </a:r>
                     </a:p>
@@ -9046,31 +9070,7 @@
                     <a:lstStyle/>
                     <a:p>
                       <a:r>
-                        <a:t>0</a:t>
-                      </a:r>
-                    </a:p>
-                  </a:txBody>
-                  <a:tcPr/>
-                </a:tc>
-                <a:tc>
-                  <a:txBody>
-                    <a:bodyPr/>
-                    <a:lstStyle/>
-                    <a:p>
-                      <a:r>
-                        <a:t>0</a:t>
-                      </a:r>
-                    </a:p>
-                  </a:txBody>
-                  <a:tcPr/>
-                </a:tc>
-                <a:tc>
-                  <a:txBody>
-                    <a:bodyPr/>
-                    <a:lstStyle/>
-                    <a:p>
-                      <a:r>
-                        <a:t>0</a:t>
+                        <a:t>9</a:t>
                       </a:r>
                     </a:p>
                   </a:txBody>
@@ -9096,55 +9096,55 @@
                     <a:lstStyle/>
                     <a:p>
                       <a:r>
-                        <a:t>0</a:t>
-                      </a:r>
-                    </a:p>
-                  </a:txBody>
-                  <a:tcPr/>
-                </a:tc>
-                <a:tc>
-                  <a:txBody>
-                    <a:bodyPr/>
-                    <a:lstStyle/>
-                    <a:p>
-                      <a:r>
-                        <a:t>58</a:t>
-                      </a:r>
-                    </a:p>
-                  </a:txBody>
-                  <a:tcPr/>
-                </a:tc>
-                <a:tc>
-                  <a:txBody>
-                    <a:bodyPr/>
-                    <a:lstStyle/>
-                    <a:p>
-                      <a:r>
-                        <a:t>18</a:t>
-                      </a:r>
-                    </a:p>
-                  </a:txBody>
-                  <a:tcPr/>
-                </a:tc>
-                <a:tc>
-                  <a:txBody>
-                    <a:bodyPr/>
-                    <a:lstStyle/>
-                    <a:p>
-                      <a:r>
-                        <a:t>1</a:t>
-                      </a:r>
-                    </a:p>
-                  </a:txBody>
-                  <a:tcPr/>
-                </a:tc>
-                <a:tc>
-                  <a:txBody>
-                    <a:bodyPr/>
-                    <a:lstStyle/>
-                    <a:p>
-                      <a:r>
-                        <a:t>26</a:t>
+                        <a:t>10</a:t>
+                      </a:r>
+                    </a:p>
+                  </a:txBody>
+                  <a:tcPr/>
+                </a:tc>
+                <a:tc>
+                  <a:txBody>
+                    <a:bodyPr/>
+                    <a:lstStyle/>
+                    <a:p>
+                      <a:r>
+                        <a:t>395</a:t>
+                      </a:r>
+                    </a:p>
+                  </a:txBody>
+                  <a:tcPr/>
+                </a:tc>
+                <a:tc>
+                  <a:txBody>
+                    <a:bodyPr/>
+                    <a:lstStyle/>
+                    <a:p>
+                      <a:r>
+                        <a:t>32</a:t>
+                      </a:r>
+                    </a:p>
+                  </a:txBody>
+                  <a:tcPr/>
+                </a:tc>
+                <a:tc>
+                  <a:txBody>
+                    <a:bodyPr/>
+                    <a:lstStyle/>
+                    <a:p>
+                      <a:r>
+                        <a:t>21</a:t>
+                      </a:r>
+                    </a:p>
+                  </a:txBody>
+                  <a:tcPr/>
+                </a:tc>
+                <a:tc>
+                  <a:txBody>
+                    <a:bodyPr/>
+                    <a:lstStyle/>
+                    <a:p>
+                      <a:r>
+                        <a:t>196</a:t>
                       </a:r>
                     </a:p>
                   </a:txBody>
@@ -9334,6 +9334,18 @@
                     <a:lstStyle/>
                     <a:p>
                       <a:r>
+                        <a:t>4</a:t>
+                      </a:r>
+                    </a:p>
+                  </a:txBody>
+                  <a:tcPr/>
+                </a:tc>
+                <a:tc>
+                  <a:txBody>
+                    <a:bodyPr/>
+                    <a:lstStyle/>
+                    <a:p>
+                      <a:r>
                         <a:t>0</a:t>
                       </a:r>
                     </a:p>
@@ -9358,19 +9370,7 @@
                     <a:lstStyle/>
                     <a:p>
                       <a:r>
-                        <a:t>0</a:t>
-                      </a:r>
-                    </a:p>
-                  </a:txBody>
-                  <a:tcPr/>
-                </a:tc>
-                <a:tc>
-                  <a:txBody>
-                    <a:bodyPr/>
-                    <a:lstStyle/>
-                    <a:p>
-                      <a:r>
-                        <a:t>0</a:t>
+                        <a:t>5</a:t>
                       </a:r>
                     </a:p>
                   </a:txBody>
@@ -9408,43 +9408,43 @@
                     <a:lstStyle/>
                     <a:p>
                       <a:r>
-                        <a:t>0</a:t>
-                      </a:r>
-                    </a:p>
-                  </a:txBody>
-                  <a:tcPr/>
-                </a:tc>
-                <a:tc>
-                  <a:txBody>
-                    <a:bodyPr/>
-                    <a:lstStyle/>
-                    <a:p>
-                      <a:r>
-                        <a:t>0</a:t>
-                      </a:r>
-                    </a:p>
-                  </a:txBody>
-                  <a:tcPr/>
-                </a:tc>
-                <a:tc>
-                  <a:txBody>
-                    <a:bodyPr/>
-                    <a:lstStyle/>
-                    <a:p>
-                      <a:r>
-                        <a:t>0</a:t>
-                      </a:r>
-                    </a:p>
-                  </a:txBody>
-                  <a:tcPr/>
-                </a:tc>
-                <a:tc>
-                  <a:txBody>
-                    <a:bodyPr/>
-                    <a:lstStyle/>
-                    <a:p>
-                      <a:r>
-                        <a:t>0</a:t>
+                        <a:t>33</a:t>
+                      </a:r>
+                    </a:p>
+                  </a:txBody>
+                  <a:tcPr/>
+                </a:tc>
+                <a:tc>
+                  <a:txBody>
+                    <a:bodyPr/>
+                    <a:lstStyle/>
+                    <a:p>
+                      <a:r>
+                        <a:t>13</a:t>
+                      </a:r>
+                    </a:p>
+                  </a:txBody>
+                  <a:tcPr/>
+                </a:tc>
+                <a:tc>
+                  <a:txBody>
+                    <a:bodyPr/>
+                    <a:lstStyle/>
+                    <a:p>
+                      <a:r>
+                        <a:t>15</a:t>
+                      </a:r>
+                    </a:p>
+                  </a:txBody>
+                  <a:tcPr/>
+                </a:tc>
+                <a:tc>
+                  <a:txBody>
+                    <a:bodyPr/>
+                    <a:lstStyle/>
+                    <a:p>
+                      <a:r>
+                        <a:t>257</a:t>
                       </a:r>
                     </a:p>
                   </a:txBody>
@@ -9704,43 +9704,43 @@
                     <a:lstStyle/>
                     <a:p>
                       <a:r>
-                        <a:t>0</a:t>
-                      </a:r>
-                    </a:p>
-                  </a:txBody>
-                  <a:tcPr/>
-                </a:tc>
-                <a:tc>
-                  <a:txBody>
-                    <a:bodyPr/>
-                    <a:lstStyle/>
-                    <a:p>
-                      <a:r>
-                        <a:t>0</a:t>
-                      </a:r>
-                    </a:p>
-                  </a:txBody>
-                  <a:tcPr/>
-                </a:tc>
-                <a:tc>
-                  <a:txBody>
-                    <a:bodyPr/>
-                    <a:lstStyle/>
-                    <a:p>
-                      <a:r>
-                        <a:t>0</a:t>
-                      </a:r>
-                    </a:p>
-                  </a:txBody>
-                  <a:tcPr/>
-                </a:tc>
-                <a:tc>
-                  <a:txBody>
-                    <a:bodyPr/>
-                    <a:lstStyle/>
-                    <a:p>
-                      <a:r>
-                        <a:t>0</a:t>
+                        <a:t>1</a:t>
+                      </a:r>
+                    </a:p>
+                  </a:txBody>
+                  <a:tcPr/>
+                </a:tc>
+                <a:tc>
+                  <a:txBody>
+                    <a:bodyPr/>
+                    <a:lstStyle/>
+                    <a:p>
+                      <a:r>
+                        <a:t>2</a:t>
+                      </a:r>
+                    </a:p>
+                  </a:txBody>
+                  <a:tcPr/>
+                </a:tc>
+                <a:tc>
+                  <a:txBody>
+                    <a:bodyPr/>
+                    <a:lstStyle/>
+                    <a:p>
+                      <a:r>
+                        <a:t>14</a:t>
+                      </a:r>
+                    </a:p>
+                  </a:txBody>
+                  <a:tcPr/>
+                </a:tc>
+                <a:tc>
+                  <a:txBody>
+                    <a:bodyPr/>
+                    <a:lstStyle/>
+                    <a:p>
+                      <a:r>
+                        <a:t>240</a:t>
                       </a:r>
                     </a:p>
                   </a:txBody>
@@ -9790,43 +9790,43 @@
                     <a:lstStyle/>
                     <a:p>
                       <a:r>
-                        <a:t>0</a:t>
-                      </a:r>
-                    </a:p>
-                  </a:txBody>
-                  <a:tcPr/>
-                </a:tc>
-                <a:tc>
-                  <a:txBody>
-                    <a:bodyPr/>
-                    <a:lstStyle/>
-                    <a:p>
-                      <a:r>
-                        <a:t>0</a:t>
-                      </a:r>
-                    </a:p>
-                  </a:txBody>
-                  <a:tcPr/>
-                </a:tc>
-                <a:tc>
-                  <a:txBody>
-                    <a:bodyPr/>
-                    <a:lstStyle/>
-                    <a:p>
-                      <a:r>
-                        <a:t>0</a:t>
-                      </a:r>
-                    </a:p>
-                  </a:txBody>
-                  <a:tcPr/>
-                </a:tc>
-                <a:tc>
-                  <a:txBody>
-                    <a:bodyPr/>
-                    <a:lstStyle/>
-                    <a:p>
-                      <a:r>
-                        <a:t>0</a:t>
+                        <a:t>2</a:t>
+                      </a:r>
+                    </a:p>
+                  </a:txBody>
+                  <a:tcPr/>
+                </a:tc>
+                <a:tc>
+                  <a:txBody>
+                    <a:bodyPr/>
+                    <a:lstStyle/>
+                    <a:p>
+                      <a:r>
+                        <a:t>12</a:t>
+                      </a:r>
+                    </a:p>
+                  </a:txBody>
+                  <a:tcPr/>
+                </a:tc>
+                <a:tc>
+                  <a:txBody>
+                    <a:bodyPr/>
+                    <a:lstStyle/>
+                    <a:p>
+                      <a:r>
+                        <a:t>70</a:t>
+                      </a:r>
+                    </a:p>
+                  </a:txBody>
+                  <a:tcPr/>
+                </a:tc>
+                <a:tc>
+                  <a:txBody>
+                    <a:bodyPr/>
+                    <a:lstStyle/>
+                    <a:p>
+                      <a:r>
+                        <a:t>1</a:t>
                       </a:r>
                     </a:p>
                   </a:txBody>
@@ -9876,19 +9876,19 @@
                     <a:lstStyle/>
                     <a:p>
                       <a:r>
-                        <a:t>0</a:t>
-                      </a:r>
-                    </a:p>
-                  </a:txBody>
-                  <a:tcPr/>
-                </a:tc>
-                <a:tc>
-                  <a:txBody>
-                    <a:bodyPr/>
-                    <a:lstStyle/>
-                    <a:p>
-                      <a:r>
-                        <a:t>0</a:t>
+                        <a:t>7</a:t>
+                      </a:r>
+                    </a:p>
+                  </a:txBody>
+                  <a:tcPr/>
+                </a:tc>
+                <a:tc>
+                  <a:txBody>
+                    <a:bodyPr/>
+                    <a:lstStyle/>
+                    <a:p>
+                      <a:r>
+                        <a:t>50</a:t>
                       </a:r>
                     </a:p>
                   </a:txBody>
@@ -9926,55 +9926,55 @@
                     <a:lstStyle/>
                     <a:p>
                       <a:r>
-                        <a:t>0</a:t>
-                      </a:r>
-                    </a:p>
-                  </a:txBody>
-                  <a:tcPr/>
-                </a:tc>
-                <a:tc>
-                  <a:txBody>
-                    <a:bodyPr/>
-                    <a:lstStyle/>
-                    <a:p>
-                      <a:r>
-                        <a:t>0</a:t>
-                      </a:r>
-                    </a:p>
-                  </a:txBody>
-                  <a:tcPr/>
-                </a:tc>
-                <a:tc>
-                  <a:txBody>
-                    <a:bodyPr/>
-                    <a:lstStyle/>
-                    <a:p>
-                      <a:r>
-                        <a:t>5</a:t>
-                      </a:r>
-                    </a:p>
-                  </a:txBody>
-                  <a:tcPr/>
-                </a:tc>
-                <a:tc>
-                  <a:txBody>
-                    <a:bodyPr/>
-                    <a:lstStyle/>
-                    <a:p>
-                      <a:r>
-                        <a:t>77</a:t>
-                      </a:r>
-                    </a:p>
-                  </a:txBody>
-                  <a:tcPr/>
-                </a:tc>
-                <a:tc>
-                  <a:txBody>
-                    <a:bodyPr/>
-                    <a:lstStyle/>
-                    <a:p>
-                      <a:r>
-                        <a:t>0</a:t>
+                        <a:t>38</a:t>
+                      </a:r>
+                    </a:p>
+                  </a:txBody>
+                  <a:tcPr/>
+                </a:tc>
+                <a:tc>
+                  <a:txBody>
+                    <a:bodyPr/>
+                    <a:lstStyle/>
+                    <a:p>
+                      <a:r>
+                        <a:t>17</a:t>
+                      </a:r>
+                    </a:p>
+                  </a:txBody>
+                  <a:tcPr/>
+                </a:tc>
+                <a:tc>
+                  <a:txBody>
+                    <a:bodyPr/>
+                    <a:lstStyle/>
+                    <a:p>
+                      <a:r>
+                        <a:t>53</a:t>
+                      </a:r>
+                    </a:p>
+                  </a:txBody>
+                  <a:tcPr/>
+                </a:tc>
+                <a:tc>
+                  <a:txBody>
+                    <a:bodyPr/>
+                    <a:lstStyle/>
+                    <a:p>
+                      <a:r>
+                        <a:t>699</a:t>
+                      </a:r>
+                    </a:p>
+                  </a:txBody>
+                  <a:tcPr/>
+                </a:tc>
+                <a:tc>
+                  <a:txBody>
+                    <a:bodyPr/>
+                    <a:lstStyle/>
+                    <a:p>
+                      <a:r>
+                        <a:t>1</a:t>
                       </a:r>
                     </a:p>
                   </a:txBody>
@@ -10238,55 +10238,55 @@
                     <a:lstStyle/>
                     <a:p>
                       <a:r>
-                        <a:t>0</a:t>
-                      </a:r>
-                    </a:p>
-                  </a:txBody>
-                  <a:tcPr/>
-                </a:tc>
-                <a:tc>
-                  <a:txBody>
-                    <a:bodyPr/>
-                    <a:lstStyle/>
-                    <a:p>
-                      <a:r>
-                        <a:t>0</a:t>
-                      </a:r>
-                    </a:p>
-                  </a:txBody>
-                  <a:tcPr/>
-                </a:tc>
-                <a:tc>
-                  <a:txBody>
-                    <a:bodyPr/>
-                    <a:lstStyle/>
-                    <a:p>
-                      <a:r>
-                        <a:t>0</a:t>
-                      </a:r>
-                    </a:p>
-                  </a:txBody>
-                  <a:tcPr/>
-                </a:tc>
-                <a:tc>
-                  <a:txBody>
-                    <a:bodyPr/>
-                    <a:lstStyle/>
-                    <a:p>
-                      <a:r>
-                        <a:t>0</a:t>
-                      </a:r>
-                    </a:p>
-                  </a:txBody>
-                  <a:tcPr/>
-                </a:tc>
-                <a:tc>
-                  <a:txBody>
-                    <a:bodyPr/>
-                    <a:lstStyle/>
-                    <a:p>
-                      <a:r>
-                        <a:t>0</a:t>
+                        <a:t>7</a:t>
+                      </a:r>
+                    </a:p>
+                  </a:txBody>
+                  <a:tcPr/>
+                </a:tc>
+                <a:tc>
+                  <a:txBody>
+                    <a:bodyPr/>
+                    <a:lstStyle/>
+                    <a:p>
+                      <a:r>
+                        <a:t>9</a:t>
+                      </a:r>
+                    </a:p>
+                  </a:txBody>
+                  <a:tcPr/>
+                </a:tc>
+                <a:tc>
+                  <a:txBody>
+                    <a:bodyPr/>
+                    <a:lstStyle/>
+                    <a:p>
+                      <a:r>
+                        <a:t>53</a:t>
+                      </a:r>
+                    </a:p>
+                  </a:txBody>
+                  <a:tcPr/>
+                </a:tc>
+                <a:tc>
+                  <a:txBody>
+                    <a:bodyPr/>
+                    <a:lstStyle/>
+                    <a:p>
+                      <a:r>
+                        <a:t>9</a:t>
+                      </a:r>
+                    </a:p>
+                  </a:txBody>
+                  <a:tcPr/>
+                </a:tc>
+                <a:tc>
+                  <a:txBody>
+                    <a:bodyPr/>
+                    <a:lstStyle/>
+                    <a:p>
+                      <a:r>
+                        <a:t>29</a:t>
                       </a:r>
                     </a:p>
                   </a:txBody>
@@ -10534,6 +10534,30 @@
                     <a:lstStyle/>
                     <a:p>
                       <a:r>
+                        <a:t>7</a:t>
+                      </a:r>
+                    </a:p>
+                  </a:txBody>
+                  <a:tcPr/>
+                </a:tc>
+                <a:tc>
+                  <a:txBody>
+                    <a:bodyPr/>
+                    <a:lstStyle/>
+                    <a:p>
+                      <a:r>
+                        <a:t>19</a:t>
+                      </a:r>
+                    </a:p>
+                  </a:txBody>
+                  <a:tcPr/>
+                </a:tc>
+                <a:tc>
+                  <a:txBody>
+                    <a:bodyPr/>
+                    <a:lstStyle/>
+                    <a:p>
+                      <a:r>
                         <a:t>0</a:t>
                       </a:r>
                     </a:p>
@@ -10546,43 +10570,19 @@
                     <a:lstStyle/>
                     <a:p>
                       <a:r>
-                        <a:t>0</a:t>
-                      </a:r>
-                    </a:p>
-                  </a:txBody>
-                  <a:tcPr/>
-                </a:tc>
-                <a:tc>
-                  <a:txBody>
-                    <a:bodyPr/>
-                    <a:lstStyle/>
-                    <a:p>
-                      <a:r>
-                        <a:t>0</a:t>
-                      </a:r>
-                    </a:p>
-                  </a:txBody>
-                  <a:tcPr/>
-                </a:tc>
-                <a:tc>
-                  <a:txBody>
-                    <a:bodyPr/>
-                    <a:lstStyle/>
-                    <a:p>
-                      <a:r>
-                        <a:t>0</a:t>
-                      </a:r>
-                    </a:p>
-                  </a:txBody>
-                  <a:tcPr/>
-                </a:tc>
-                <a:tc>
-                  <a:txBody>
-                    <a:bodyPr/>
-                    <a:lstStyle/>
-                    <a:p>
-                      <a:r>
-                        <a:t>0</a:t>
+                        <a:t>5</a:t>
+                      </a:r>
+                    </a:p>
+                  </a:txBody>
+                  <a:tcPr/>
+                </a:tc>
+                <a:tc>
+                  <a:txBody>
+                    <a:bodyPr/>
+                    <a:lstStyle/>
+                    <a:p>
+                      <a:r>
+                        <a:t>5</a:t>
                       </a:r>
                     </a:p>
                   </a:txBody>
@@ -10608,6 +10608,18 @@
                     <a:lstStyle/>
                     <a:p>
                       <a:r>
+                        <a:t>1</a:t>
+                      </a:r>
+                    </a:p>
+                  </a:txBody>
+                  <a:tcPr/>
+                </a:tc>
+                <a:tc>
+                  <a:txBody>
+                    <a:bodyPr/>
+                    <a:lstStyle/>
+                    <a:p>
+                      <a:r>
                         <a:t>0</a:t>
                       </a:r>
                     </a:p>
@@ -10632,19 +10644,7 @@
                     <a:lstStyle/>
                     <a:p>
                       <a:r>
-                        <a:t>0</a:t>
-                      </a:r>
-                    </a:p>
-                  </a:txBody>
-                  <a:tcPr/>
-                </a:tc>
-                <a:tc>
-                  <a:txBody>
-                    <a:bodyPr/>
-                    <a:lstStyle/>
-                    <a:p>
-                      <a:r>
-                        <a:t>0</a:t>
+                        <a:t>1</a:t>
                       </a:r>
                     </a:p>
                   </a:txBody>
@@ -10682,19 +10682,19 @@
                     <a:lstStyle/>
                     <a:p>
                       <a:r>
-                        <a:t>0</a:t>
-                      </a:r>
-                    </a:p>
-                  </a:txBody>
-                  <a:tcPr/>
-                </a:tc>
-                <a:tc>
-                  <a:txBody>
-                    <a:bodyPr/>
-                    <a:lstStyle/>
-                    <a:p>
-                      <a:r>
-                        <a:t>0</a:t>
+                        <a:t>1</a:t>
+                      </a:r>
+                    </a:p>
+                  </a:txBody>
+                  <a:tcPr/>
+                </a:tc>
+                <a:tc>
+                  <a:txBody>
+                    <a:bodyPr/>
+                    <a:lstStyle/>
+                    <a:p>
+                      <a:r>
+                        <a:t>2</a:t>
                       </a:r>
                     </a:p>
                   </a:txBody>
@@ -10756,55 +10756,55 @@
                     <a:lstStyle/>
                     <a:p>
                       <a:r>
-                        <a:t>15</a:t>
-                      </a:r>
-                    </a:p>
-                  </a:txBody>
-                  <a:tcPr/>
-                </a:tc>
-                <a:tc>
-                  <a:txBody>
-                    <a:bodyPr/>
-                    <a:lstStyle/>
-                    <a:p>
-                      <a:r>
-                        <a:t>2</a:t>
-                      </a:r>
-                    </a:p>
-                  </a:txBody>
-                  <a:tcPr/>
-                </a:tc>
-                <a:tc>
-                  <a:txBody>
-                    <a:bodyPr/>
-                    <a:lstStyle/>
-                    <a:p>
-                      <a:r>
-                        <a:t>0</a:t>
-                      </a:r>
-                    </a:p>
-                  </a:txBody>
-                  <a:tcPr/>
-                </a:tc>
-                <a:tc>
-                  <a:txBody>
-                    <a:bodyPr/>
-                    <a:lstStyle/>
-                    <a:p>
-                      <a:r>
-                        <a:t>1</a:t>
-                      </a:r>
-                    </a:p>
-                  </a:txBody>
-                  <a:tcPr/>
-                </a:tc>
-                <a:tc>
-                  <a:txBody>
-                    <a:bodyPr/>
-                    <a:lstStyle/>
-                    <a:p>
-                      <a:r>
-                        <a:t>5</a:t>
+                        <a:t>31</a:t>
+                      </a:r>
+                    </a:p>
+                  </a:txBody>
+                  <a:tcPr/>
+                </a:tc>
+                <a:tc>
+                  <a:txBody>
+                    <a:bodyPr/>
+                    <a:lstStyle/>
+                    <a:p>
+                      <a:r>
+                        <a:t>32</a:t>
+                      </a:r>
+                    </a:p>
+                  </a:txBody>
+                  <a:tcPr/>
+                </a:tc>
+                <a:tc>
+                  <a:txBody>
+                    <a:bodyPr/>
+                    <a:lstStyle/>
+                    <a:p>
+                      <a:r>
+                        <a:t>53</a:t>
+                      </a:r>
+                    </a:p>
+                  </a:txBody>
+                  <a:tcPr/>
+                </a:tc>
+                <a:tc>
+                  <a:txBody>
+                    <a:bodyPr/>
+                    <a:lstStyle/>
+                    <a:p>
+                      <a:r>
+                        <a:t>16</a:t>
+                      </a:r>
+                    </a:p>
+                  </a:txBody>
+                  <a:tcPr/>
+                </a:tc>
+                <a:tc>
+                  <a:txBody>
+                    <a:bodyPr/>
+                    <a:lstStyle/>
+                    <a:p>
+                      <a:r>
+                        <a:t>39</a:t>
                       </a:r>
                     </a:p>
                   </a:txBody>
@@ -10980,7 +10980,7 @@
                     <a:lstStyle/>
                     <a:p>
                       <a:r>
-                        <a:t>141</a:t>
+                        <a:t>109</a:t>
                       </a:r>
                     </a:p>
                   </a:txBody>
@@ -11030,7 +11030,7 @@
                     <a:lstStyle/>
                     <a:p>
                       <a:r>
-                        <a:t>957</a:t>
+                        <a:t>250</a:t>
                       </a:r>
                     </a:p>
                   </a:txBody>
@@ -11230,7 +11230,7 @@
                     <a:lstStyle/>
                     <a:p>
                       <a:r>
-                        <a:t>609</a:t>
+                        <a:t>169</a:t>
                       </a:r>
                     </a:p>
                   </a:txBody>
@@ -11280,7 +11280,7 @@
                     <a:lstStyle/>
                     <a:p>
                       <a:r>
-                        <a:t>198</a:t>
+                        <a:t>46</a:t>
                       </a:r>
                     </a:p>
                   </a:txBody>
@@ -11330,7 +11330,7 @@
                     <a:lstStyle/>
                     <a:p>
                       <a:r>
-                        <a:t>135</a:t>
+                        <a:t>41</a:t>
                       </a:r>
                     </a:p>
                   </a:txBody>
@@ -11380,7 +11380,7 @@
                     <a:lstStyle/>
                     <a:p>
                       <a:r>
-                        <a:t>2310</a:t>
+                        <a:t>885</a:t>
                       </a:r>
                     </a:p>
                   </a:txBody>
@@ -11594,7 +11594,7 @@
                     <a:lstStyle/>
                     <a:p>
                       <a:r>
-                        <a:t>0</a:t>
+                        <a:t>10</a:t>
                       </a:r>
                     </a:p>
                   </a:txBody>
@@ -11742,7 +11742,7 @@
                     <a:lstStyle/>
                     <a:p>
                       <a:r>
-                        <a:t>0</a:t>
+                        <a:t>10</a:t>
                       </a:r>
                     </a:p>
                   </a:txBody>
@@ -12004,7 +12004,7 @@
                     <a:lstStyle/>
                     <a:p>
                       <a:r>
-                        <a:t>0</a:t>
+                        <a:t>5</a:t>
                       </a:r>
                     </a:p>
                   </a:txBody>
@@ -12152,7 +12152,7 @@
                     <a:lstStyle/>
                     <a:p>
                       <a:r>
-                        <a:t>0</a:t>
+                        <a:t>5</a:t>
                       </a:r>
                     </a:p>
                   </a:txBody>

--- a/FlaskApp/static/generated/51Test1.pptx
+++ b/FlaskApp/static/generated/51Test1.pptx
@@ -3493,7 +3493,9 @@
           <a:lstStyle/>
           <a:p>
             <a:r>
-              <a:rPr sz="4400" b="1"/>
+              <a:rPr sz="4400" b="1">
+                <a:hlinkClick r:id="rId2"/>
+              </a:rPr>
               <a:t>Learn Status Continued</a:t>
             </a:r>
           </a:p>
@@ -3508,7 +3510,7 @@
           <p:nvPr/>
         </p:nvPicPr>
         <p:blipFill>
-          <a:blip r:embed="rId2"/>
+          <a:blip r:embed="rId3"/>
           <a:stretch>
             <a:fillRect/>
           </a:stretch>
@@ -3879,7 +3881,9 @@
           <a:lstStyle/>
           <a:p>
             <a:r>
-              <a:rPr sz="4400" b="1"/>
+              <a:rPr sz="4400" b="1">
+                <a:hlinkClick r:id="rId2"/>
+              </a:rPr>
               <a:t>Learn Status Continued</a:t>
             </a:r>
           </a:p>
@@ -3894,7 +3898,7 @@
           <p:nvPr/>
         </p:nvPicPr>
         <p:blipFill>
-          <a:blip r:embed="rId2"/>
+          <a:blip r:embed="rId3"/>
           <a:stretch>
             <a:fillRect/>
           </a:stretch>
@@ -4167,7 +4171,9 @@
           <a:lstStyle/>
           <a:p>
             <a:r>
-              <a:rPr sz="2500" b="1"/>
+              <a:rPr sz="2500" b="1">
+                <a:hlinkClick r:id="rId2"/>
+              </a:rPr>
               <a:t>Who do you think will make it to the next level?</a:t>
             </a:r>
           </a:p>
@@ -4182,7 +4188,7 @@
           <p:nvPr/>
         </p:nvPicPr>
         <p:blipFill>
-          <a:blip r:embed="rId2"/>
+          <a:blip r:embed="rId3"/>
           <a:stretch>
             <a:fillRect/>
           </a:stretch>
@@ -4244,59 +4250,59 @@
                     <a:p>
                       <a:r>
                         <a:rPr sz="1600"/>
+                        <a:t>R&amp;d</a:t>
+                      </a:r>
+                    </a:p>
+                  </a:txBody>
+                  <a:tcPr/>
+                </a:tc>
+                <a:tc>
+                  <a:txBody>
+                    <a:bodyPr/>
+                    <a:lstStyle/>
+                    <a:p>
+                      <a:r>
+                        <a:rPr sz="1600"/>
+                        <a:t>Alathur</a:t>
+                      </a:r>
+                    </a:p>
+                  </a:txBody>
+                  <a:tcPr/>
+                </a:tc>
+                <a:tc>
+                  <a:txBody>
+                    <a:bodyPr/>
+                    <a:lstStyle/>
+                    <a:p>
+                      <a:r>
+                        <a:rPr sz="1600"/>
+                        <a:t>Other</a:t>
+                      </a:r>
+                    </a:p>
+                  </a:txBody>
+                  <a:tcPr/>
+                </a:tc>
+                <a:tc>
+                  <a:txBody>
+                    <a:bodyPr/>
+                    <a:lstStyle/>
+                    <a:p>
+                      <a:r>
+                        <a:rPr sz="1600"/>
+                        <a:t>Spg</a:t>
+                      </a:r>
+                    </a:p>
+                  </a:txBody>
+                  <a:tcPr/>
+                </a:tc>
+                <a:tc>
+                  <a:txBody>
+                    <a:bodyPr/>
+                    <a:lstStyle/>
+                    <a:p>
+                      <a:r>
+                        <a:rPr sz="1600"/>
                         <a:t>Arcolab</a:t>
-                      </a:r>
-                    </a:p>
-                  </a:txBody>
-                  <a:tcPr/>
-                </a:tc>
-                <a:tc>
-                  <a:txBody>
-                    <a:bodyPr/>
-                    <a:lstStyle/>
-                    <a:p>
-                      <a:r>
-                        <a:rPr sz="1600"/>
-                        <a:t>Ucl</a:t>
-                      </a:r>
-                    </a:p>
-                  </a:txBody>
-                  <a:tcPr/>
-                </a:tc>
-                <a:tc>
-                  <a:txBody>
-                    <a:bodyPr/>
-                    <a:lstStyle/>
-                    <a:p>
-                      <a:r>
-                        <a:rPr sz="1600"/>
-                        <a:t>Spg</a:t>
-                      </a:r>
-                    </a:p>
-                  </a:txBody>
-                  <a:tcPr/>
-                </a:tc>
-                <a:tc>
-                  <a:txBody>
-                    <a:bodyPr/>
-                    <a:lstStyle/>
-                    <a:p>
-                      <a:r>
-                        <a:rPr sz="1600"/>
-                        <a:t>Krsg</a:t>
-                      </a:r>
-                    </a:p>
-                  </a:txBody>
-                  <a:tcPr/>
-                </a:tc>
-                <a:tc>
-                  <a:txBody>
-                    <a:bodyPr/>
-                    <a:lstStyle/>
-                    <a:p>
-                      <a:r>
-                        <a:rPr sz="1600"/>
-                        <a:t>Corporate</a:t>
                       </a:r>
                     </a:p>
                   </a:txBody>
@@ -4324,59 +4330,59 @@
                     <a:p>
                       <a:r>
                         <a:rPr sz="1600"/>
+                        <a:t>31%</a:t>
+                      </a:r>
+                    </a:p>
+                  </a:txBody>
+                  <a:tcPr/>
+                </a:tc>
+                <a:tc>
+                  <a:txBody>
+                    <a:bodyPr/>
+                    <a:lstStyle/>
+                    <a:p>
+                      <a:r>
+                        <a:rPr sz="1600"/>
+                        <a:t>27%</a:t>
+                      </a:r>
+                    </a:p>
+                  </a:txBody>
+                  <a:tcPr/>
+                </a:tc>
+                <a:tc>
+                  <a:txBody>
+                    <a:bodyPr/>
+                    <a:lstStyle/>
+                    <a:p>
+                      <a:r>
+                        <a:rPr sz="1600"/>
+                        <a:t>0%</a:t>
+                      </a:r>
+                    </a:p>
+                  </a:txBody>
+                  <a:tcPr/>
+                </a:tc>
+                <a:tc>
+                  <a:txBody>
+                    <a:bodyPr/>
+                    <a:lstStyle/>
+                    <a:p>
+                      <a:r>
+                        <a:rPr sz="1600"/>
+                        <a:t>0%</a:t>
+                      </a:r>
+                    </a:p>
+                  </a:txBody>
+                  <a:tcPr/>
+                </a:tc>
+                <a:tc>
+                  <a:txBody>
+                    <a:bodyPr/>
+                    <a:lstStyle/>
+                    <a:p>
+                      <a:r>
+                        <a:rPr sz="1600"/>
                         <a:t>40%</a:t>
-                      </a:r>
-                    </a:p>
-                  </a:txBody>
-                  <a:tcPr/>
-                </a:tc>
-                <a:tc>
-                  <a:txBody>
-                    <a:bodyPr/>
-                    <a:lstStyle/>
-                    <a:p>
-                      <a:r>
-                        <a:rPr sz="1600"/>
-                        <a:t>50%</a:t>
-                      </a:r>
-                    </a:p>
-                  </a:txBody>
-                  <a:tcPr/>
-                </a:tc>
-                <a:tc>
-                  <a:txBody>
-                    <a:bodyPr/>
-                    <a:lstStyle/>
-                    <a:p>
-                      <a:r>
-                        <a:rPr sz="1600"/>
-                        <a:t>0%</a:t>
-                      </a:r>
-                    </a:p>
-                  </a:txBody>
-                  <a:tcPr/>
-                </a:tc>
-                <a:tc>
-                  <a:txBody>
-                    <a:bodyPr/>
-                    <a:lstStyle/>
-                    <a:p>
-                      <a:r>
-                        <a:rPr sz="1600"/>
-                        <a:t>29%</a:t>
-                      </a:r>
-                    </a:p>
-                  </a:txBody>
-                  <a:tcPr/>
-                </a:tc>
-                <a:tc>
-                  <a:txBody>
-                    <a:bodyPr/>
-                    <a:lstStyle/>
-                    <a:p>
-                      <a:r>
-                        <a:rPr sz="1600"/>
-                        <a:t>13%</a:t>
                       </a:r>
                     </a:p>
                   </a:txBody>
@@ -4404,7 +4410,20 @@
                     <a:p>
                       <a:r>
                         <a:rPr sz="1600"/>
-                        <a:t>20%</a:t>
+                        <a:t>28%</a:t>
+                      </a:r>
+                    </a:p>
+                  </a:txBody>
+                  <a:tcPr/>
+                </a:tc>
+                <a:tc>
+                  <a:txBody>
+                    <a:bodyPr/>
+                    <a:lstStyle/>
+                    <a:p>
+                      <a:r>
+                        <a:rPr sz="1600"/>
+                        <a:t>18%</a:t>
                       </a:r>
                     </a:p>
                   </a:txBody>
@@ -4431,19 +4450,6 @@
                       <a:r>
                         <a:rPr sz="1600"/>
                         <a:t>0%</a:t>
-                      </a:r>
-                    </a:p>
-                  </a:txBody>
-                  <a:tcPr/>
-                </a:tc>
-                <a:tc>
-                  <a:txBody>
-                    <a:bodyPr/>
-                    <a:lstStyle/>
-                    <a:p>
-                      <a:r>
-                        <a:rPr sz="1600"/>
-                        <a:t>21%</a:t>
                       </a:r>
                     </a:p>
                   </a:txBody>
@@ -4484,6 +4490,45 @@
                     <a:p>
                       <a:r>
                         <a:rPr sz="1600"/>
+                        <a:t>31%</a:t>
+                      </a:r>
+                    </a:p>
+                  </a:txBody>
+                  <a:tcPr/>
+                </a:tc>
+                <a:tc>
+                  <a:txBody>
+                    <a:bodyPr/>
+                    <a:lstStyle/>
+                    <a:p>
+                      <a:r>
+                        <a:rPr sz="1600"/>
+                        <a:t>36%</a:t>
+                      </a:r>
+                    </a:p>
+                  </a:txBody>
+                  <a:tcPr/>
+                </a:tc>
+                <a:tc>
+                  <a:txBody>
+                    <a:bodyPr/>
+                    <a:lstStyle/>
+                    <a:p>
+                      <a:r>
+                        <a:rPr sz="1600"/>
+                        <a:t>100%</a:t>
+                      </a:r>
+                    </a:p>
+                  </a:txBody>
+                  <a:tcPr/>
+                </a:tc>
+                <a:tc>
+                  <a:txBody>
+                    <a:bodyPr/>
+                    <a:lstStyle/>
+                    <a:p>
+                      <a:r>
+                        <a:rPr sz="1600"/>
                         <a:t>0%</a:t>
                       </a:r>
                     </a:p>
@@ -4498,45 +4543,6 @@
                       <a:r>
                         <a:rPr sz="1600"/>
                         <a:t>0%</a:t>
-                      </a:r>
-                    </a:p>
-                  </a:txBody>
-                  <a:tcPr/>
-                </a:tc>
-                <a:tc>
-                  <a:txBody>
-                    <a:bodyPr/>
-                    <a:lstStyle/>
-                    <a:p>
-                      <a:r>
-                        <a:rPr sz="1600"/>
-                        <a:t>0%</a:t>
-                      </a:r>
-                    </a:p>
-                  </a:txBody>
-                  <a:tcPr/>
-                </a:tc>
-                <a:tc>
-                  <a:txBody>
-                    <a:bodyPr/>
-                    <a:lstStyle/>
-                    <a:p>
-                      <a:r>
-                        <a:rPr sz="1600"/>
-                        <a:t>24%</a:t>
-                      </a:r>
-                    </a:p>
-                  </a:txBody>
-                  <a:tcPr/>
-                </a:tc>
-                <a:tc>
-                  <a:txBody>
-                    <a:bodyPr/>
-                    <a:lstStyle/>
-                    <a:p>
-                      <a:r>
-                        <a:rPr sz="1600"/>
-                        <a:t>40%</a:t>
                       </a:r>
                     </a:p>
                   </a:txBody>
@@ -4564,59 +4570,59 @@
                     <a:p>
                       <a:r>
                         <a:rPr sz="1600"/>
+                        <a:t>6%</a:t>
+                      </a:r>
+                    </a:p>
+                  </a:txBody>
+                  <a:tcPr/>
+                </a:tc>
+                <a:tc>
+                  <a:txBody>
+                    <a:bodyPr/>
+                    <a:lstStyle/>
+                    <a:p>
+                      <a:r>
+                        <a:rPr sz="1600"/>
+                        <a:t>14%</a:t>
+                      </a:r>
+                    </a:p>
+                  </a:txBody>
+                  <a:tcPr/>
+                </a:tc>
+                <a:tc>
+                  <a:txBody>
+                    <a:bodyPr/>
+                    <a:lstStyle/>
+                    <a:p>
+                      <a:r>
+                        <a:rPr sz="1600"/>
+                        <a:t>0%</a:t>
+                      </a:r>
+                    </a:p>
+                  </a:txBody>
+                  <a:tcPr/>
+                </a:tc>
+                <a:tc>
+                  <a:txBody>
+                    <a:bodyPr/>
+                    <a:lstStyle/>
+                    <a:p>
+                      <a:r>
+                        <a:rPr sz="1600"/>
+                        <a:t>0%</a:t>
+                      </a:r>
+                    </a:p>
+                  </a:txBody>
+                  <a:tcPr/>
+                </a:tc>
+                <a:tc>
+                  <a:txBody>
+                    <a:bodyPr/>
+                    <a:lstStyle/>
+                    <a:p>
+                      <a:r>
+                        <a:rPr sz="1600"/>
                         <a:t>20%</a:t>
-                      </a:r>
-                    </a:p>
-                  </a:txBody>
-                  <a:tcPr/>
-                </a:tc>
-                <a:tc>
-                  <a:txBody>
-                    <a:bodyPr/>
-                    <a:lstStyle/>
-                    <a:p>
-                      <a:r>
-                        <a:rPr sz="1600"/>
-                        <a:t>50%</a:t>
-                      </a:r>
-                    </a:p>
-                  </a:txBody>
-                  <a:tcPr/>
-                </a:tc>
-                <a:tc>
-                  <a:txBody>
-                    <a:bodyPr/>
-                    <a:lstStyle/>
-                    <a:p>
-                      <a:r>
-                        <a:rPr sz="1600"/>
-                        <a:t>0%</a:t>
-                      </a:r>
-                    </a:p>
-                  </a:txBody>
-                  <a:tcPr/>
-                </a:tc>
-                <a:tc>
-                  <a:txBody>
-                    <a:bodyPr/>
-                    <a:lstStyle/>
-                    <a:p>
-                      <a:r>
-                        <a:rPr sz="1600"/>
-                        <a:t>14%</a:t>
-                      </a:r>
-                    </a:p>
-                  </a:txBody>
-                  <a:tcPr/>
-                </a:tc>
-                <a:tc>
-                  <a:txBody>
-                    <a:bodyPr/>
-                    <a:lstStyle/>
-                    <a:p>
-                      <a:r>
-                        <a:rPr sz="1600"/>
-                        <a:t>7%</a:t>
                       </a:r>
                     </a:p>
                   </a:txBody>
@@ -4644,7 +4650,20 @@
                     <a:p>
                       <a:r>
                         <a:rPr sz="1600"/>
-                        <a:t>20%</a:t>
+                        <a:t>3%</a:t>
+                      </a:r>
+                    </a:p>
+                  </a:txBody>
+                  <a:tcPr/>
+                </a:tc>
+                <a:tc>
+                  <a:txBody>
+                    <a:bodyPr/>
+                    <a:lstStyle/>
+                    <a:p>
+                      <a:r>
+                        <a:rPr sz="1600"/>
+                        <a:t>5%</a:t>
                       </a:r>
                     </a:p>
                   </a:txBody>
@@ -4671,19 +4690,6 @@
                       <a:r>
                         <a:rPr sz="1600"/>
                         <a:t>0%</a:t>
-                      </a:r>
-                    </a:p>
-                  </a:txBody>
-                  <a:tcPr/>
-                </a:tc>
-                <a:tc>
-                  <a:txBody>
-                    <a:bodyPr/>
-                    <a:lstStyle/>
-                    <a:p>
-                      <a:r>
-                        <a:rPr sz="1600"/>
-                        <a:t>11%</a:t>
                       </a:r>
                     </a:p>
                   </a:txBody>
@@ -4750,20 +4756,20 @@
                     <a:p>
                       <a:r>
                         <a:rPr sz="1600"/>
+                        <a:t>100%</a:t>
+                      </a:r>
+                    </a:p>
+                  </a:txBody>
+                  <a:tcPr/>
+                </a:tc>
+                <a:tc>
+                  <a:txBody>
+                    <a:bodyPr/>
+                    <a:lstStyle/>
+                    <a:p>
+                      <a:r>
+                        <a:rPr sz="1600"/>
                         <a:t>0%</a:t>
-                      </a:r>
-                    </a:p>
-                  </a:txBody>
-                  <a:tcPr/>
-                </a:tc>
-                <a:tc>
-                  <a:txBody>
-                    <a:bodyPr/>
-                    <a:lstStyle/>
-                    <a:p>
-                      <a:r>
-                        <a:rPr sz="1600"/>
-                        <a:t>100%</a:t>
                       </a:r>
                     </a:p>
                   </a:txBody>
@@ -4834,6 +4840,19 @@
                     <a:p>
                       <a:r>
                         <a:rPr sz="1600"/>
+                        <a:t>Krsg</a:t>
+                      </a:r>
+                    </a:p>
+                  </a:txBody>
+                  <a:tcPr/>
+                </a:tc>
+                <a:tc>
+                  <a:txBody>
+                    <a:bodyPr/>
+                    <a:lstStyle/>
+                    <a:p>
+                      <a:r>
+                        <a:rPr sz="1600"/>
                         <a:t>Seml</a:t>
                       </a:r>
                     </a:p>
@@ -4847,46 +4866,33 @@
                     <a:p>
                       <a:r>
                         <a:rPr sz="1600"/>
-                        <a:t>Other</a:t>
-                      </a:r>
-                    </a:p>
-                  </a:txBody>
-                  <a:tcPr/>
-                </a:tc>
-                <a:tc>
-                  <a:txBody>
-                    <a:bodyPr/>
-                    <a:lstStyle/>
-                    <a:p>
-                      <a:r>
-                        <a:rPr sz="1600"/>
-                        <a:t>R&amp;d</a:t>
-                      </a:r>
-                    </a:p>
-                  </a:txBody>
-                  <a:tcPr/>
-                </a:tc>
-                <a:tc>
-                  <a:txBody>
-                    <a:bodyPr/>
-                    <a:lstStyle/>
-                    <a:p>
-                      <a:r>
-                        <a:rPr sz="1600"/>
-                        <a:t>Alathur</a:t>
-                      </a:r>
-                    </a:p>
-                  </a:txBody>
-                  <a:tcPr/>
-                </a:tc>
-                <a:tc>
-                  <a:txBody>
-                    <a:bodyPr/>
-                    <a:lstStyle/>
-                    <a:p>
-                      <a:r>
-                        <a:rPr sz="1600"/>
                         <a:t>Pondy formulations</a:t>
+                      </a:r>
+                    </a:p>
+                  </a:txBody>
+                  <a:tcPr/>
+                </a:tc>
+                <a:tc>
+                  <a:txBody>
+                    <a:bodyPr/>
+                    <a:lstStyle/>
+                    <a:p>
+                      <a:r>
+                        <a:rPr sz="1600"/>
+                        <a:t>Ucl</a:t>
+                      </a:r>
+                    </a:p>
+                  </a:txBody>
+                  <a:tcPr/>
+                </a:tc>
+                <a:tc>
+                  <a:txBody>
+                    <a:bodyPr/>
+                    <a:lstStyle/>
+                    <a:p>
+                      <a:r>
+                        <a:rPr sz="1600"/>
+                        <a:t>Corporate</a:t>
                       </a:r>
                     </a:p>
                   </a:txBody>
@@ -4914,6 +4920,19 @@
                     <a:p>
                       <a:r>
                         <a:rPr sz="1600"/>
+                        <a:t>29%</a:t>
+                      </a:r>
+                    </a:p>
+                  </a:txBody>
+                  <a:tcPr/>
+                </a:tc>
+                <a:tc>
+                  <a:txBody>
+                    <a:bodyPr/>
+                    <a:lstStyle/>
+                    <a:p>
+                      <a:r>
+                        <a:rPr sz="1600"/>
                         <a:t>44%</a:t>
                       </a:r>
                     </a:p>
@@ -4927,46 +4946,33 @@
                     <a:p>
                       <a:r>
                         <a:rPr sz="1600"/>
-                        <a:t>0%</a:t>
-                      </a:r>
-                    </a:p>
-                  </a:txBody>
-                  <a:tcPr/>
-                </a:tc>
-                <a:tc>
-                  <a:txBody>
-                    <a:bodyPr/>
-                    <a:lstStyle/>
-                    <a:p>
-                      <a:r>
-                        <a:rPr sz="1600"/>
-                        <a:t>31%</a:t>
-                      </a:r>
-                    </a:p>
-                  </a:txBody>
-                  <a:tcPr/>
-                </a:tc>
-                <a:tc>
-                  <a:txBody>
-                    <a:bodyPr/>
-                    <a:lstStyle/>
-                    <a:p>
-                      <a:r>
-                        <a:rPr sz="1600"/>
-                        <a:t>27%</a:t>
-                      </a:r>
-                    </a:p>
-                  </a:txBody>
-                  <a:tcPr/>
-                </a:tc>
-                <a:tc>
-                  <a:txBody>
-                    <a:bodyPr/>
-                    <a:lstStyle/>
-                    <a:p>
-                      <a:r>
-                        <a:rPr sz="1600"/>
                         <a:t>33%</a:t>
+                      </a:r>
+                    </a:p>
+                  </a:txBody>
+                  <a:tcPr/>
+                </a:tc>
+                <a:tc>
+                  <a:txBody>
+                    <a:bodyPr/>
+                    <a:lstStyle/>
+                    <a:p>
+                      <a:r>
+                        <a:rPr sz="1600"/>
+                        <a:t>50%</a:t>
+                      </a:r>
+                    </a:p>
+                  </a:txBody>
+                  <a:tcPr/>
+                </a:tc>
+                <a:tc>
+                  <a:txBody>
+                    <a:bodyPr/>
+                    <a:lstStyle/>
+                    <a:p>
+                      <a:r>
+                        <a:rPr sz="1600"/>
+                        <a:t>13%</a:t>
                       </a:r>
                     </a:p>
                   </a:txBody>
@@ -4994,6 +5000,19 @@
                     <a:p>
                       <a:r>
                         <a:rPr sz="1600"/>
+                        <a:t>21%</a:t>
+                      </a:r>
+                    </a:p>
+                  </a:txBody>
+                  <a:tcPr/>
+                </a:tc>
+                <a:tc>
+                  <a:txBody>
+                    <a:bodyPr/>
+                    <a:lstStyle/>
+                    <a:p>
+                      <a:r>
+                        <a:rPr sz="1600"/>
                         <a:t>6%</a:t>
                       </a:r>
                     </a:p>
@@ -5007,33 +5026,20 @@
                     <a:p>
                       <a:r>
                         <a:rPr sz="1600"/>
+                        <a:t>20%</a:t>
+                      </a:r>
+                    </a:p>
+                  </a:txBody>
+                  <a:tcPr/>
+                </a:tc>
+                <a:tc>
+                  <a:txBody>
+                    <a:bodyPr/>
+                    <a:lstStyle/>
+                    <a:p>
+                      <a:r>
+                        <a:rPr sz="1600"/>
                         <a:t>0%</a:t>
-                      </a:r>
-                    </a:p>
-                  </a:txBody>
-                  <a:tcPr/>
-                </a:tc>
-                <a:tc>
-                  <a:txBody>
-                    <a:bodyPr/>
-                    <a:lstStyle/>
-                    <a:p>
-                      <a:r>
-                        <a:rPr sz="1600"/>
-                        <a:t>28%</a:t>
-                      </a:r>
-                    </a:p>
-                  </a:txBody>
-                  <a:tcPr/>
-                </a:tc>
-                <a:tc>
-                  <a:txBody>
-                    <a:bodyPr/>
-                    <a:lstStyle/>
-                    <a:p>
-                      <a:r>
-                        <a:rPr sz="1600"/>
-                        <a:t>18%</a:t>
                       </a:r>
                     </a:p>
                   </a:txBody>
@@ -5074,6 +5080,19 @@
                     <a:p>
                       <a:r>
                         <a:rPr sz="1600"/>
+                        <a:t>24%</a:t>
+                      </a:r>
+                    </a:p>
+                  </a:txBody>
+                  <a:tcPr/>
+                </a:tc>
+                <a:tc>
+                  <a:txBody>
+                    <a:bodyPr/>
+                    <a:lstStyle/>
+                    <a:p>
+                      <a:r>
+                        <a:rPr sz="1600"/>
                         <a:t>11%</a:t>
                       </a:r>
                     </a:p>
@@ -5087,46 +5106,33 @@
                     <a:p>
                       <a:r>
                         <a:rPr sz="1600"/>
-                        <a:t>100%</a:t>
-                      </a:r>
-                    </a:p>
-                  </a:txBody>
-                  <a:tcPr/>
-                </a:tc>
-                <a:tc>
-                  <a:txBody>
-                    <a:bodyPr/>
-                    <a:lstStyle/>
-                    <a:p>
-                      <a:r>
-                        <a:rPr sz="1600"/>
-                        <a:t>31%</a:t>
-                      </a:r>
-                    </a:p>
-                  </a:txBody>
-                  <a:tcPr/>
-                </a:tc>
-                <a:tc>
-                  <a:txBody>
-                    <a:bodyPr/>
-                    <a:lstStyle/>
-                    <a:p>
-                      <a:r>
-                        <a:rPr sz="1600"/>
-                        <a:t>36%</a:t>
-                      </a:r>
-                    </a:p>
-                  </a:txBody>
-                  <a:tcPr/>
-                </a:tc>
-                <a:tc>
-                  <a:txBody>
-                    <a:bodyPr/>
-                    <a:lstStyle/>
-                    <a:p>
-                      <a:r>
-                        <a:rPr sz="1600"/>
                         <a:t>24%</a:t>
+                      </a:r>
+                    </a:p>
+                  </a:txBody>
+                  <a:tcPr/>
+                </a:tc>
+                <a:tc>
+                  <a:txBody>
+                    <a:bodyPr/>
+                    <a:lstStyle/>
+                    <a:p>
+                      <a:r>
+                        <a:rPr sz="1600"/>
+                        <a:t>0%</a:t>
+                      </a:r>
+                    </a:p>
+                  </a:txBody>
+                  <a:tcPr/>
+                </a:tc>
+                <a:tc>
+                  <a:txBody>
+                    <a:bodyPr/>
+                    <a:lstStyle/>
+                    <a:p>
+                      <a:r>
+                        <a:rPr sz="1600"/>
+                        <a:t>40%</a:t>
                       </a:r>
                     </a:p>
                   </a:txBody>
@@ -5154,6 +5160,19 @@
                     <a:p>
                       <a:r>
                         <a:rPr sz="1600"/>
+                        <a:t>14%</a:t>
+                      </a:r>
+                    </a:p>
+                  </a:txBody>
+                  <a:tcPr/>
+                </a:tc>
+                <a:tc>
+                  <a:txBody>
+                    <a:bodyPr/>
+                    <a:lstStyle/>
+                    <a:p>
+                      <a:r>
+                        <a:rPr sz="1600"/>
                         <a:t>17%</a:t>
                       </a:r>
                     </a:p>
@@ -5167,32 +5186,6 @@
                     <a:p>
                       <a:r>
                         <a:rPr sz="1600"/>
-                        <a:t>0%</a:t>
-                      </a:r>
-                    </a:p>
-                  </a:txBody>
-                  <a:tcPr/>
-                </a:tc>
-                <a:tc>
-                  <a:txBody>
-                    <a:bodyPr/>
-                    <a:lstStyle/>
-                    <a:p>
-                      <a:r>
-                        <a:rPr sz="1600"/>
-                        <a:t>6%</a:t>
-                      </a:r>
-                    </a:p>
-                  </a:txBody>
-                  <a:tcPr/>
-                </a:tc>
-                <a:tc>
-                  <a:txBody>
-                    <a:bodyPr/>
-                    <a:lstStyle/>
-                    <a:p>
-                      <a:r>
-                        <a:rPr sz="1600"/>
                         <a:t>14%</a:t>
                       </a:r>
                     </a:p>
@@ -5206,7 +5199,20 @@
                     <a:p>
                       <a:r>
                         <a:rPr sz="1600"/>
-                        <a:t>14%</a:t>
+                        <a:t>50%</a:t>
+                      </a:r>
+                    </a:p>
+                  </a:txBody>
+                  <a:tcPr/>
+                </a:tc>
+                <a:tc>
+                  <a:txBody>
+                    <a:bodyPr/>
+                    <a:lstStyle/>
+                    <a:p>
+                      <a:r>
+                        <a:rPr sz="1600"/>
+                        <a:t>7%</a:t>
                       </a:r>
                     </a:p>
                   </a:txBody>
@@ -5234,6 +5240,19 @@
                     <a:p>
                       <a:r>
                         <a:rPr sz="1600"/>
+                        <a:t>11%</a:t>
+                      </a:r>
+                    </a:p>
+                  </a:txBody>
+                  <a:tcPr/>
+                </a:tc>
+                <a:tc>
+                  <a:txBody>
+                    <a:bodyPr/>
+                    <a:lstStyle/>
+                    <a:p>
+                      <a:r>
+                        <a:rPr sz="1600"/>
                         <a:t>22%</a:t>
                       </a:r>
                     </a:p>
@@ -5247,6 +5266,19 @@
                     <a:p>
                       <a:r>
                         <a:rPr sz="1600"/>
+                        <a:t>8%</a:t>
+                      </a:r>
+                    </a:p>
+                  </a:txBody>
+                  <a:tcPr/>
+                </a:tc>
+                <a:tc>
+                  <a:txBody>
+                    <a:bodyPr/>
+                    <a:lstStyle/>
+                    <a:p>
+                      <a:r>
+                        <a:rPr sz="1600"/>
                         <a:t>0%</a:t>
                       </a:r>
                     </a:p>
@@ -5260,33 +5292,7 @@
                     <a:p>
                       <a:r>
                         <a:rPr sz="1600"/>
-                        <a:t>3%</a:t>
-                      </a:r>
-                    </a:p>
-                  </a:txBody>
-                  <a:tcPr/>
-                </a:tc>
-                <a:tc>
-                  <a:txBody>
-                    <a:bodyPr/>
-                    <a:lstStyle/>
-                    <a:p>
-                      <a:r>
-                        <a:rPr sz="1600"/>
-                        <a:t>5%</a:t>
-                      </a:r>
-                    </a:p>
-                  </a:txBody>
-                  <a:tcPr/>
-                </a:tc>
-                <a:tc>
-                  <a:txBody>
-                    <a:bodyPr/>
-                    <a:lstStyle/>
-                    <a:p>
-                      <a:r>
-                        <a:rPr sz="1600"/>
-                        <a:t>8%</a:t>
+                        <a:t>20%</a:t>
                       </a:r>
                     </a:p>
                   </a:txBody>
@@ -5391,7 +5397,7 @@
         </p:xfrm>
         <a:graphic>
           <a:graphicData uri="http://schemas.openxmlformats.org/drawingml/2006/chart">
-            <c:chart xmlns:c="http://schemas.openxmlformats.org/drawingml/2006/chart" r:id="rId3"/>
+            <c:chart xmlns:c="http://schemas.openxmlformats.org/drawingml/2006/chart" r:id="rId4"/>
           </a:graphicData>
         </a:graphic>
       </p:graphicFrame>
@@ -5429,7 +5435,9 @@
           <a:lstStyle/>
           <a:p>
             <a:r>
-              <a:rPr sz="2500" b="1"/>
+              <a:rPr sz="2500" b="1">
+                <a:hlinkClick r:id="rId2"/>
+              </a:rPr>
               <a:t>uploads/thought/BEVKgyuyFDL6LYd3YB8zxb3ZbyKyHo8k11u8aoAo.jpg</a:t>
             </a:r>
           </a:p>
@@ -5444,7 +5452,7 @@
           <p:nvPr/>
         </p:nvPicPr>
         <p:blipFill>
-          <a:blip r:embed="rId2"/>
+          <a:blip r:embed="rId3"/>
           <a:stretch>
             <a:fillRect/>
           </a:stretch>
@@ -5506,59 +5514,59 @@
                     <a:p>
                       <a:r>
                         <a:rPr sz="1600"/>
+                        <a:t>R&amp;d</a:t>
+                      </a:r>
+                    </a:p>
+                  </a:txBody>
+                  <a:tcPr/>
+                </a:tc>
+                <a:tc>
+                  <a:txBody>
+                    <a:bodyPr/>
+                    <a:lstStyle/>
+                    <a:p>
+                      <a:r>
+                        <a:rPr sz="1600"/>
+                        <a:t>Alathur</a:t>
+                      </a:r>
+                    </a:p>
+                  </a:txBody>
+                  <a:tcPr/>
+                </a:tc>
+                <a:tc>
+                  <a:txBody>
+                    <a:bodyPr/>
+                    <a:lstStyle/>
+                    <a:p>
+                      <a:r>
+                        <a:rPr sz="1600"/>
+                        <a:t>Other</a:t>
+                      </a:r>
+                    </a:p>
+                  </a:txBody>
+                  <a:tcPr/>
+                </a:tc>
+                <a:tc>
+                  <a:txBody>
+                    <a:bodyPr/>
+                    <a:lstStyle/>
+                    <a:p>
+                      <a:r>
+                        <a:rPr sz="1600"/>
+                        <a:t>Spg</a:t>
+                      </a:r>
+                    </a:p>
+                  </a:txBody>
+                  <a:tcPr/>
+                </a:tc>
+                <a:tc>
+                  <a:txBody>
+                    <a:bodyPr/>
+                    <a:lstStyle/>
+                    <a:p>
+                      <a:r>
+                        <a:rPr sz="1600"/>
                         <a:t>Arcolab</a:t>
-                      </a:r>
-                    </a:p>
-                  </a:txBody>
-                  <a:tcPr/>
-                </a:tc>
-                <a:tc>
-                  <a:txBody>
-                    <a:bodyPr/>
-                    <a:lstStyle/>
-                    <a:p>
-                      <a:r>
-                        <a:rPr sz="1600"/>
-                        <a:t>Ucl</a:t>
-                      </a:r>
-                    </a:p>
-                  </a:txBody>
-                  <a:tcPr/>
-                </a:tc>
-                <a:tc>
-                  <a:txBody>
-                    <a:bodyPr/>
-                    <a:lstStyle/>
-                    <a:p>
-                      <a:r>
-                        <a:rPr sz="1600"/>
-                        <a:t>Spg</a:t>
-                      </a:r>
-                    </a:p>
-                  </a:txBody>
-                  <a:tcPr/>
-                </a:tc>
-                <a:tc>
-                  <a:txBody>
-                    <a:bodyPr/>
-                    <a:lstStyle/>
-                    <a:p>
-                      <a:r>
-                        <a:rPr sz="1600"/>
-                        <a:t>Krsg</a:t>
-                      </a:r>
-                    </a:p>
-                  </a:txBody>
-                  <a:tcPr/>
-                </a:tc>
-                <a:tc>
-                  <a:txBody>
-                    <a:bodyPr/>
-                    <a:lstStyle/>
-                    <a:p>
-                      <a:r>
-                        <a:rPr sz="1600"/>
-                        <a:t>Corporate</a:t>
                       </a:r>
                     </a:p>
                   </a:txBody>
@@ -5586,59 +5594,59 @@
                     <a:p>
                       <a:r>
                         <a:rPr sz="1600"/>
+                        <a:t>29%</a:t>
+                      </a:r>
+                    </a:p>
+                  </a:txBody>
+                  <a:tcPr/>
+                </a:tc>
+                <a:tc>
+                  <a:txBody>
+                    <a:bodyPr/>
+                    <a:lstStyle/>
+                    <a:p>
+                      <a:r>
+                        <a:rPr sz="1600"/>
+                        <a:t>48%</a:t>
+                      </a:r>
+                    </a:p>
+                  </a:txBody>
+                  <a:tcPr/>
+                </a:tc>
+                <a:tc>
+                  <a:txBody>
+                    <a:bodyPr/>
+                    <a:lstStyle/>
+                    <a:p>
+                      <a:r>
+                        <a:rPr sz="1600"/>
+                        <a:t>100%</a:t>
+                      </a:r>
+                    </a:p>
+                  </a:txBody>
+                  <a:tcPr/>
+                </a:tc>
+                <a:tc>
+                  <a:txBody>
+                    <a:bodyPr/>
+                    <a:lstStyle/>
+                    <a:p>
+                      <a:r>
+                        <a:rPr sz="1600"/>
+                        <a:t>0%</a:t>
+                      </a:r>
+                    </a:p>
+                  </a:txBody>
+                  <a:tcPr/>
+                </a:tc>
+                <a:tc>
+                  <a:txBody>
+                    <a:bodyPr/>
+                    <a:lstStyle/>
+                    <a:p>
+                      <a:r>
+                        <a:rPr sz="1600"/>
                         <a:t>17%</a:t>
-                      </a:r>
-                    </a:p>
-                  </a:txBody>
-                  <a:tcPr/>
-                </a:tc>
-                <a:tc>
-                  <a:txBody>
-                    <a:bodyPr/>
-                    <a:lstStyle/>
-                    <a:p>
-                      <a:r>
-                        <a:rPr sz="1600"/>
-                        <a:t>75%</a:t>
-                      </a:r>
-                    </a:p>
-                  </a:txBody>
-                  <a:tcPr/>
-                </a:tc>
-                <a:tc>
-                  <a:txBody>
-                    <a:bodyPr/>
-                    <a:lstStyle/>
-                    <a:p>
-                      <a:r>
-                        <a:rPr sz="1600"/>
-                        <a:t>0%</a:t>
-                      </a:r>
-                    </a:p>
-                  </a:txBody>
-                  <a:tcPr/>
-                </a:tc>
-                <a:tc>
-                  <a:txBody>
-                    <a:bodyPr/>
-                    <a:lstStyle/>
-                    <a:p>
-                      <a:r>
-                        <a:rPr sz="1600"/>
-                        <a:t>41%</a:t>
-                      </a:r>
-                    </a:p>
-                  </a:txBody>
-                  <a:tcPr/>
-                </a:tc>
-                <a:tc>
-                  <a:txBody>
-                    <a:bodyPr/>
-                    <a:lstStyle/>
-                    <a:p>
-                      <a:r>
-                        <a:rPr sz="1600"/>
-                        <a:t>13%</a:t>
                       </a:r>
                     </a:p>
                   </a:txBody>
@@ -5666,6 +5674,32 @@
                     <a:p>
                       <a:r>
                         <a:rPr sz="1600"/>
+                        <a:t>16%</a:t>
+                      </a:r>
+                    </a:p>
+                  </a:txBody>
+                  <a:tcPr/>
+                </a:tc>
+                <a:tc>
+                  <a:txBody>
+                    <a:bodyPr/>
+                    <a:lstStyle/>
+                    <a:p>
+                      <a:r>
+                        <a:rPr sz="1600"/>
+                        <a:t>9%</a:t>
+                      </a:r>
+                    </a:p>
+                  </a:txBody>
+                  <a:tcPr/>
+                </a:tc>
+                <a:tc>
+                  <a:txBody>
+                    <a:bodyPr/>
+                    <a:lstStyle/>
+                    <a:p>
+                      <a:r>
+                        <a:rPr sz="1600"/>
                         <a:t>0%</a:t>
                       </a:r>
                     </a:p>
@@ -5693,32 +5727,6 @@
                       <a:r>
                         <a:rPr sz="1600"/>
                         <a:t>0%</a:t>
-                      </a:r>
-                    </a:p>
-                  </a:txBody>
-                  <a:tcPr/>
-                </a:tc>
-                <a:tc>
-                  <a:txBody>
-                    <a:bodyPr/>
-                    <a:lstStyle/>
-                    <a:p>
-                      <a:r>
-                        <a:rPr sz="1600"/>
-                        <a:t>27%</a:t>
-                      </a:r>
-                    </a:p>
-                  </a:txBody>
-                  <a:tcPr/>
-                </a:tc>
-                <a:tc>
-                  <a:txBody>
-                    <a:bodyPr/>
-                    <a:lstStyle/>
-                    <a:p>
-                      <a:r>
-                        <a:rPr sz="1600"/>
-                        <a:t>13%</a:t>
                       </a:r>
                     </a:p>
                   </a:txBody>
@@ -5746,59 +5754,59 @@
                     <a:p>
                       <a:r>
                         <a:rPr sz="1600"/>
+                        <a:t>55%</a:t>
+                      </a:r>
+                    </a:p>
+                  </a:txBody>
+                  <a:tcPr/>
+                </a:tc>
+                <a:tc>
+                  <a:txBody>
+                    <a:bodyPr/>
+                    <a:lstStyle/>
+                    <a:p>
+                      <a:r>
+                        <a:rPr sz="1600"/>
+                        <a:t>43%</a:t>
+                      </a:r>
+                    </a:p>
+                  </a:txBody>
+                  <a:tcPr/>
+                </a:tc>
+                <a:tc>
+                  <a:txBody>
+                    <a:bodyPr/>
+                    <a:lstStyle/>
+                    <a:p>
+                      <a:r>
+                        <a:rPr sz="1600"/>
+                        <a:t>0%</a:t>
+                      </a:r>
+                    </a:p>
+                  </a:txBody>
+                  <a:tcPr/>
+                </a:tc>
+                <a:tc>
+                  <a:txBody>
+                    <a:bodyPr/>
+                    <a:lstStyle/>
+                    <a:p>
+                      <a:r>
+                        <a:rPr sz="1600"/>
+                        <a:t>0%</a:t>
+                      </a:r>
+                    </a:p>
+                  </a:txBody>
+                  <a:tcPr/>
+                </a:tc>
+                <a:tc>
+                  <a:txBody>
+                    <a:bodyPr/>
+                    <a:lstStyle/>
+                    <a:p>
+                      <a:r>
+                        <a:rPr sz="1600"/>
                         <a:t>83%</a:t>
-                      </a:r>
-                    </a:p>
-                  </a:txBody>
-                  <a:tcPr/>
-                </a:tc>
-                <a:tc>
-                  <a:txBody>
-                    <a:bodyPr/>
-                    <a:lstStyle/>
-                    <a:p>
-                      <a:r>
-                        <a:rPr sz="1600"/>
-                        <a:t>25%</a:t>
-                      </a:r>
-                    </a:p>
-                  </a:txBody>
-                  <a:tcPr/>
-                </a:tc>
-                <a:tc>
-                  <a:txBody>
-                    <a:bodyPr/>
-                    <a:lstStyle/>
-                    <a:p>
-                      <a:r>
-                        <a:rPr sz="1600"/>
-                        <a:t>0%</a:t>
-                      </a:r>
-                    </a:p>
-                  </a:txBody>
-                  <a:tcPr/>
-                </a:tc>
-                <a:tc>
-                  <a:txBody>
-                    <a:bodyPr/>
-                    <a:lstStyle/>
-                    <a:p>
-                      <a:r>
-                        <a:rPr sz="1600"/>
-                        <a:t>32%</a:t>
-                      </a:r>
-                    </a:p>
-                  </a:txBody>
-                  <a:tcPr/>
-                </a:tc>
-                <a:tc>
-                  <a:txBody>
-                    <a:bodyPr/>
-                    <a:lstStyle/>
-                    <a:p>
-                      <a:r>
-                        <a:rPr sz="1600"/>
-                        <a:t>73%</a:t>
                       </a:r>
                     </a:p>
                   </a:txBody>
@@ -5852,20 +5860,20 @@
                     <a:p>
                       <a:r>
                         <a:rPr sz="1600"/>
+                        <a:t>100%</a:t>
+                      </a:r>
+                    </a:p>
+                  </a:txBody>
+                  <a:tcPr/>
+                </a:tc>
+                <a:tc>
+                  <a:txBody>
+                    <a:bodyPr/>
+                    <a:lstStyle/>
+                    <a:p>
+                      <a:r>
+                        <a:rPr sz="1600"/>
                         <a:t>0%</a:t>
-                      </a:r>
-                    </a:p>
-                  </a:txBody>
-                  <a:tcPr/>
-                </a:tc>
-                <a:tc>
-                  <a:txBody>
-                    <a:bodyPr/>
-                    <a:lstStyle/>
-                    <a:p>
-                      <a:r>
-                        <a:rPr sz="1600"/>
-                        <a:t>100%</a:t>
                       </a:r>
                     </a:p>
                   </a:txBody>
@@ -5936,6 +5944,19 @@
                     <a:p>
                       <a:r>
                         <a:rPr sz="1600"/>
+                        <a:t>Krsg</a:t>
+                      </a:r>
+                    </a:p>
+                  </a:txBody>
+                  <a:tcPr/>
+                </a:tc>
+                <a:tc>
+                  <a:txBody>
+                    <a:bodyPr/>
+                    <a:lstStyle/>
+                    <a:p>
+                      <a:r>
+                        <a:rPr sz="1600"/>
                         <a:t>Seml</a:t>
                       </a:r>
                     </a:p>
@@ -5949,46 +5970,33 @@
                     <a:p>
                       <a:r>
                         <a:rPr sz="1600"/>
-                        <a:t>Other</a:t>
-                      </a:r>
-                    </a:p>
-                  </a:txBody>
-                  <a:tcPr/>
-                </a:tc>
-                <a:tc>
-                  <a:txBody>
-                    <a:bodyPr/>
-                    <a:lstStyle/>
-                    <a:p>
-                      <a:r>
-                        <a:rPr sz="1600"/>
-                        <a:t>R&amp;d</a:t>
-                      </a:r>
-                    </a:p>
-                  </a:txBody>
-                  <a:tcPr/>
-                </a:tc>
-                <a:tc>
-                  <a:txBody>
-                    <a:bodyPr/>
-                    <a:lstStyle/>
-                    <a:p>
-                      <a:r>
-                        <a:rPr sz="1600"/>
-                        <a:t>Alathur</a:t>
-                      </a:r>
-                    </a:p>
-                  </a:txBody>
-                  <a:tcPr/>
-                </a:tc>
-                <a:tc>
-                  <a:txBody>
-                    <a:bodyPr/>
-                    <a:lstStyle/>
-                    <a:p>
-                      <a:r>
-                        <a:rPr sz="1600"/>
                         <a:t>Pondy formulations</a:t>
+                      </a:r>
+                    </a:p>
+                  </a:txBody>
+                  <a:tcPr/>
+                </a:tc>
+                <a:tc>
+                  <a:txBody>
+                    <a:bodyPr/>
+                    <a:lstStyle/>
+                    <a:p>
+                      <a:r>
+                        <a:rPr sz="1600"/>
+                        <a:t>Ucl</a:t>
+                      </a:r>
+                    </a:p>
+                  </a:txBody>
+                  <a:tcPr/>
+                </a:tc>
+                <a:tc>
+                  <a:txBody>
+                    <a:bodyPr/>
+                    <a:lstStyle/>
+                    <a:p>
+                      <a:r>
+                        <a:rPr sz="1600"/>
+                        <a:t>Corporate</a:t>
                       </a:r>
                     </a:p>
                   </a:txBody>
@@ -6016,6 +6024,19 @@
                     <a:p>
                       <a:r>
                         <a:rPr sz="1600"/>
+                        <a:t>41%</a:t>
+                      </a:r>
+                    </a:p>
+                  </a:txBody>
+                  <a:tcPr/>
+                </a:tc>
+                <a:tc>
+                  <a:txBody>
+                    <a:bodyPr/>
+                    <a:lstStyle/>
+                    <a:p>
+                      <a:r>
+                        <a:rPr sz="1600"/>
                         <a:t>56%</a:t>
                       </a:r>
                     </a:p>
@@ -6029,46 +6050,33 @@
                     <a:p>
                       <a:r>
                         <a:rPr sz="1600"/>
-                        <a:t>100%</a:t>
-                      </a:r>
-                    </a:p>
-                  </a:txBody>
-                  <a:tcPr/>
-                </a:tc>
-                <a:tc>
-                  <a:txBody>
-                    <a:bodyPr/>
-                    <a:lstStyle/>
-                    <a:p>
-                      <a:r>
-                        <a:rPr sz="1600"/>
-                        <a:t>29%</a:t>
-                      </a:r>
-                    </a:p>
-                  </a:txBody>
-                  <a:tcPr/>
-                </a:tc>
-                <a:tc>
-                  <a:txBody>
-                    <a:bodyPr/>
-                    <a:lstStyle/>
-                    <a:p>
-                      <a:r>
-                        <a:rPr sz="1600"/>
-                        <a:t>48%</a:t>
-                      </a:r>
-                    </a:p>
-                  </a:txBody>
-                  <a:tcPr/>
-                </a:tc>
-                <a:tc>
-                  <a:txBody>
-                    <a:bodyPr/>
-                    <a:lstStyle/>
-                    <a:p>
-                      <a:r>
-                        <a:rPr sz="1600"/>
                         <a:t>28%</a:t>
+                      </a:r>
+                    </a:p>
+                  </a:txBody>
+                  <a:tcPr/>
+                </a:tc>
+                <a:tc>
+                  <a:txBody>
+                    <a:bodyPr/>
+                    <a:lstStyle/>
+                    <a:p>
+                      <a:r>
+                        <a:rPr sz="1600"/>
+                        <a:t>75%</a:t>
+                      </a:r>
+                    </a:p>
+                  </a:txBody>
+                  <a:tcPr/>
+                </a:tc>
+                <a:tc>
+                  <a:txBody>
+                    <a:bodyPr/>
+                    <a:lstStyle/>
+                    <a:p>
+                      <a:r>
+                        <a:rPr sz="1600"/>
+                        <a:t>13%</a:t>
                       </a:r>
                     </a:p>
                   </a:txBody>
@@ -6096,6 +6104,19 @@
                     <a:p>
                       <a:r>
                         <a:rPr sz="1600"/>
+                        <a:t>27%</a:t>
+                      </a:r>
+                    </a:p>
+                  </a:txBody>
+                  <a:tcPr/>
+                </a:tc>
+                <a:tc>
+                  <a:txBody>
+                    <a:bodyPr/>
+                    <a:lstStyle/>
+                    <a:p>
+                      <a:r>
+                        <a:rPr sz="1600"/>
                         <a:t>0%</a:t>
                       </a:r>
                     </a:p>
@@ -6109,6 +6130,19 @@
                     <a:p>
                       <a:r>
                         <a:rPr sz="1600"/>
+                        <a:t>21%</a:t>
+                      </a:r>
+                    </a:p>
+                  </a:txBody>
+                  <a:tcPr/>
+                </a:tc>
+                <a:tc>
+                  <a:txBody>
+                    <a:bodyPr/>
+                    <a:lstStyle/>
+                    <a:p>
+                      <a:r>
+                        <a:rPr sz="1600"/>
                         <a:t>0%</a:t>
                       </a:r>
                     </a:p>
@@ -6122,33 +6156,7 @@
                     <a:p>
                       <a:r>
                         <a:rPr sz="1600"/>
-                        <a:t>16%</a:t>
-                      </a:r>
-                    </a:p>
-                  </a:txBody>
-                  <a:tcPr/>
-                </a:tc>
-                <a:tc>
-                  <a:txBody>
-                    <a:bodyPr/>
-                    <a:lstStyle/>
-                    <a:p>
-                      <a:r>
-                        <a:rPr sz="1600"/>
-                        <a:t>9%</a:t>
-                      </a:r>
-                    </a:p>
-                  </a:txBody>
-                  <a:tcPr/>
-                </a:tc>
-                <a:tc>
-                  <a:txBody>
-                    <a:bodyPr/>
-                    <a:lstStyle/>
-                    <a:p>
-                      <a:r>
-                        <a:rPr sz="1600"/>
-                        <a:t>21%</a:t>
+                        <a:t>13%</a:t>
                       </a:r>
                     </a:p>
                   </a:txBody>
@@ -6176,6 +6184,19 @@
                     <a:p>
                       <a:r>
                         <a:rPr sz="1600"/>
+                        <a:t>32%</a:t>
+                      </a:r>
+                    </a:p>
+                  </a:txBody>
+                  <a:tcPr/>
+                </a:tc>
+                <a:tc>
+                  <a:txBody>
+                    <a:bodyPr/>
+                    <a:lstStyle/>
+                    <a:p>
+                      <a:r>
+                        <a:rPr sz="1600"/>
                         <a:t>44%</a:t>
                       </a:r>
                     </a:p>
@@ -6189,46 +6210,33 @@
                     <a:p>
                       <a:r>
                         <a:rPr sz="1600"/>
-                        <a:t>0%</a:t>
-                      </a:r>
-                    </a:p>
-                  </a:txBody>
-                  <a:tcPr/>
-                </a:tc>
-                <a:tc>
-                  <a:txBody>
-                    <a:bodyPr/>
-                    <a:lstStyle/>
-                    <a:p>
-                      <a:r>
-                        <a:rPr sz="1600"/>
-                        <a:t>55%</a:t>
-                      </a:r>
-                    </a:p>
-                  </a:txBody>
-                  <a:tcPr/>
-                </a:tc>
-                <a:tc>
-                  <a:txBody>
-                    <a:bodyPr/>
-                    <a:lstStyle/>
-                    <a:p>
-                      <a:r>
-                        <a:rPr sz="1600"/>
-                        <a:t>43%</a:t>
-                      </a:r>
-                    </a:p>
-                  </a:txBody>
-                  <a:tcPr/>
-                </a:tc>
-                <a:tc>
-                  <a:txBody>
-                    <a:bodyPr/>
-                    <a:lstStyle/>
-                    <a:p>
-                      <a:r>
-                        <a:rPr sz="1600"/>
                         <a:t>51%</a:t>
+                      </a:r>
+                    </a:p>
+                  </a:txBody>
+                  <a:tcPr/>
+                </a:tc>
+                <a:tc>
+                  <a:txBody>
+                    <a:bodyPr/>
+                    <a:lstStyle/>
+                    <a:p>
+                      <a:r>
+                        <a:rPr sz="1600"/>
+                        <a:t>25%</a:t>
+                      </a:r>
+                    </a:p>
+                  </a:txBody>
+                  <a:tcPr/>
+                </a:tc>
+                <a:tc>
+                  <a:txBody>
+                    <a:bodyPr/>
+                    <a:lstStyle/>
+                    <a:p>
+                      <a:r>
+                        <a:rPr sz="1600"/>
+                        <a:t>73%</a:t>
                       </a:r>
                     </a:p>
                   </a:txBody>
@@ -6333,7 +6341,7 @@
         </p:xfrm>
         <a:graphic>
           <a:graphicData uri="http://schemas.openxmlformats.org/drawingml/2006/chart">
-            <c:chart xmlns:c="http://schemas.openxmlformats.org/drawingml/2006/chart" r:id="rId3"/>
+            <c:chart xmlns:c="http://schemas.openxmlformats.org/drawingml/2006/chart" r:id="rId4"/>
           </a:graphicData>
         </a:graphic>
       </p:graphicFrame>
@@ -6371,7 +6379,9 @@
           <a:lstStyle/>
           <a:p>
             <a:r>
-              <a:rPr sz="2500" b="1"/>
+              <a:rPr sz="2500" b="1">
+                <a:hlinkClick r:id="rId2"/>
+              </a:rPr>
               <a:t>uploads/thought/7khIHNjj1sUOS0YAxvEL6yvJ1h4TwRKrYDNUnCVY.jpg</a:t>
             </a:r>
           </a:p>
@@ -6386,7 +6396,7 @@
           <p:nvPr/>
         </p:nvPicPr>
         <p:blipFill>
-          <a:blip r:embed="rId2"/>
+          <a:blip r:embed="rId3"/>
           <a:stretch>
             <a:fillRect/>
           </a:stretch>
@@ -6448,59 +6458,59 @@
                     <a:p>
                       <a:r>
                         <a:rPr sz="1600"/>
+                        <a:t>R&amp;d</a:t>
+                      </a:r>
+                    </a:p>
+                  </a:txBody>
+                  <a:tcPr/>
+                </a:tc>
+                <a:tc>
+                  <a:txBody>
+                    <a:bodyPr/>
+                    <a:lstStyle/>
+                    <a:p>
+                      <a:r>
+                        <a:rPr sz="1600"/>
+                        <a:t>Alathur</a:t>
+                      </a:r>
+                    </a:p>
+                  </a:txBody>
+                  <a:tcPr/>
+                </a:tc>
+                <a:tc>
+                  <a:txBody>
+                    <a:bodyPr/>
+                    <a:lstStyle/>
+                    <a:p>
+                      <a:r>
+                        <a:rPr sz="1600"/>
+                        <a:t>Other</a:t>
+                      </a:r>
+                    </a:p>
+                  </a:txBody>
+                  <a:tcPr/>
+                </a:tc>
+                <a:tc>
+                  <a:txBody>
+                    <a:bodyPr/>
+                    <a:lstStyle/>
+                    <a:p>
+                      <a:r>
+                        <a:rPr sz="1600"/>
+                        <a:t>Spg</a:t>
+                      </a:r>
+                    </a:p>
+                  </a:txBody>
+                  <a:tcPr/>
+                </a:tc>
+                <a:tc>
+                  <a:txBody>
+                    <a:bodyPr/>
+                    <a:lstStyle/>
+                    <a:p>
+                      <a:r>
+                        <a:rPr sz="1600"/>
                         <a:t>Arcolab</a:t>
-                      </a:r>
-                    </a:p>
-                  </a:txBody>
-                  <a:tcPr/>
-                </a:tc>
-                <a:tc>
-                  <a:txBody>
-                    <a:bodyPr/>
-                    <a:lstStyle/>
-                    <a:p>
-                      <a:r>
-                        <a:rPr sz="1600"/>
-                        <a:t>Ucl</a:t>
-                      </a:r>
-                    </a:p>
-                  </a:txBody>
-                  <a:tcPr/>
-                </a:tc>
-                <a:tc>
-                  <a:txBody>
-                    <a:bodyPr/>
-                    <a:lstStyle/>
-                    <a:p>
-                      <a:r>
-                        <a:rPr sz="1600"/>
-                        <a:t>Spg</a:t>
-                      </a:r>
-                    </a:p>
-                  </a:txBody>
-                  <a:tcPr/>
-                </a:tc>
-                <a:tc>
-                  <a:txBody>
-                    <a:bodyPr/>
-                    <a:lstStyle/>
-                    <a:p>
-                      <a:r>
-                        <a:rPr sz="1600"/>
-                        <a:t>Krsg</a:t>
-                      </a:r>
-                    </a:p>
-                  </a:txBody>
-                  <a:tcPr/>
-                </a:tc>
-                <a:tc>
-                  <a:txBody>
-                    <a:bodyPr/>
-                    <a:lstStyle/>
-                    <a:p>
-                      <a:r>
-                        <a:rPr sz="1600"/>
-                        <a:t>Corporate</a:t>
                       </a:r>
                     </a:p>
                   </a:txBody>
@@ -6541,6 +6551,19 @@
                     <a:p>
                       <a:r>
                         <a:rPr sz="1600"/>
+                        <a:t>50%</a:t>
+                      </a:r>
+                    </a:p>
+                  </a:txBody>
+                  <a:tcPr/>
+                </a:tc>
+                <a:tc>
+                  <a:txBody>
+                    <a:bodyPr/>
+                    <a:lstStyle/>
+                    <a:p>
+                      <a:r>
+                        <a:rPr sz="1600"/>
                         <a:t>0%</a:t>
                       </a:r>
                     </a:p>
@@ -6567,20 +6590,7 @@
                     <a:p>
                       <a:r>
                         <a:rPr sz="1600"/>
-                        <a:t>36%</a:t>
-                      </a:r>
-                    </a:p>
-                  </a:txBody>
-                  <a:tcPr/>
-                </a:tc>
-                <a:tc>
-                  <a:txBody>
-                    <a:bodyPr/>
-                    <a:lstStyle/>
-                    <a:p>
-                      <a:r>
-                        <a:rPr sz="1600"/>
-                        <a:t>100%</a:t>
+                        <a:t>0%</a:t>
                       </a:r>
                     </a:p>
                   </a:txBody>
@@ -6621,6 +6631,19 @@
                     <a:p>
                       <a:r>
                         <a:rPr sz="1600"/>
+                        <a:t>50%</a:t>
+                      </a:r>
+                    </a:p>
+                  </a:txBody>
+                  <a:tcPr/>
+                </a:tc>
+                <a:tc>
+                  <a:txBody>
+                    <a:bodyPr/>
+                    <a:lstStyle/>
+                    <a:p>
+                      <a:r>
+                        <a:rPr sz="1600"/>
                         <a:t>0%</a:t>
                       </a:r>
                     </a:p>
@@ -6635,19 +6658,6 @@
                       <a:r>
                         <a:rPr sz="1600"/>
                         <a:t>0%</a:t>
-                      </a:r>
-                    </a:p>
-                  </a:txBody>
-                  <a:tcPr/>
-                </a:tc>
-                <a:tc>
-                  <a:txBody>
-                    <a:bodyPr/>
-                    <a:lstStyle/>
-                    <a:p>
-                      <a:r>
-                        <a:rPr sz="1600"/>
-                        <a:t>6%</a:t>
                       </a:r>
                     </a:p>
                   </a:txBody>
@@ -6701,46 +6711,46 @@
                     <a:p>
                       <a:r>
                         <a:rPr sz="1600"/>
+                        <a:t>0%</a:t>
+                      </a:r>
+                    </a:p>
+                  </a:txBody>
+                  <a:tcPr/>
+                </a:tc>
+                <a:tc>
+                  <a:txBody>
+                    <a:bodyPr/>
+                    <a:lstStyle/>
+                    <a:p>
+                      <a:r>
+                        <a:rPr sz="1600"/>
+                        <a:t>0%</a:t>
+                      </a:r>
+                    </a:p>
+                  </a:txBody>
+                  <a:tcPr/>
+                </a:tc>
+                <a:tc>
+                  <a:txBody>
+                    <a:bodyPr/>
+                    <a:lstStyle/>
+                    <a:p>
+                      <a:r>
+                        <a:rPr sz="1600"/>
+                        <a:t>0%</a:t>
+                      </a:r>
+                    </a:p>
+                  </a:txBody>
+                  <a:tcPr/>
+                </a:tc>
+                <a:tc>
+                  <a:txBody>
+                    <a:bodyPr/>
+                    <a:lstStyle/>
+                    <a:p>
+                      <a:r>
+                        <a:rPr sz="1600"/>
                         <a:t>100%</a:t>
-                      </a:r>
-                    </a:p>
-                  </a:txBody>
-                  <a:tcPr/>
-                </a:tc>
-                <a:tc>
-                  <a:txBody>
-                    <a:bodyPr/>
-                    <a:lstStyle/>
-                    <a:p>
-                      <a:r>
-                        <a:rPr sz="1600"/>
-                        <a:t>0%</a:t>
-                      </a:r>
-                    </a:p>
-                  </a:txBody>
-                  <a:tcPr/>
-                </a:tc>
-                <a:tc>
-                  <a:txBody>
-                    <a:bodyPr/>
-                    <a:lstStyle/>
-                    <a:p>
-                      <a:r>
-                        <a:rPr sz="1600"/>
-                        <a:t>58%</a:t>
-                      </a:r>
-                    </a:p>
-                  </a:txBody>
-                  <a:tcPr/>
-                </a:tc>
-                <a:tc>
-                  <a:txBody>
-                    <a:bodyPr/>
-                    <a:lstStyle/>
-                    <a:p>
-                      <a:r>
-                        <a:rPr sz="1600"/>
-                        <a:t>0%</a:t>
                       </a:r>
                     </a:p>
                   </a:txBody>
@@ -6807,7 +6817,7 @@
                     <a:p>
                       <a:r>
                         <a:rPr sz="1600"/>
-                        <a:t>100%</a:t>
+                        <a:t>0%</a:t>
                       </a:r>
                     </a:p>
                   </a:txBody>
@@ -6878,6 +6888,19 @@
                     <a:p>
                       <a:r>
                         <a:rPr sz="1600"/>
+                        <a:t>Krsg</a:t>
+                      </a:r>
+                    </a:p>
+                  </a:txBody>
+                  <a:tcPr/>
+                </a:tc>
+                <a:tc>
+                  <a:txBody>
+                    <a:bodyPr/>
+                    <a:lstStyle/>
+                    <a:p>
+                      <a:r>
+                        <a:rPr sz="1600"/>
                         <a:t>Seml</a:t>
                       </a:r>
                     </a:p>
@@ -6891,46 +6914,33 @@
                     <a:p>
                       <a:r>
                         <a:rPr sz="1600"/>
-                        <a:t>Other</a:t>
-                      </a:r>
-                    </a:p>
-                  </a:txBody>
-                  <a:tcPr/>
-                </a:tc>
-                <a:tc>
-                  <a:txBody>
-                    <a:bodyPr/>
-                    <a:lstStyle/>
-                    <a:p>
-                      <a:r>
-                        <a:rPr sz="1600"/>
-                        <a:t>R&amp;d</a:t>
-                      </a:r>
-                    </a:p>
-                  </a:txBody>
-                  <a:tcPr/>
-                </a:tc>
-                <a:tc>
-                  <a:txBody>
-                    <a:bodyPr/>
-                    <a:lstStyle/>
-                    <a:p>
-                      <a:r>
-                        <a:rPr sz="1600"/>
-                        <a:t>Alathur</a:t>
-                      </a:r>
-                    </a:p>
-                  </a:txBody>
-                  <a:tcPr/>
-                </a:tc>
-                <a:tc>
-                  <a:txBody>
-                    <a:bodyPr/>
-                    <a:lstStyle/>
-                    <a:p>
-                      <a:r>
-                        <a:rPr sz="1600"/>
                         <a:t>Pondy formulations</a:t>
+                      </a:r>
+                    </a:p>
+                  </a:txBody>
+                  <a:tcPr/>
+                </a:tc>
+                <a:tc>
+                  <a:txBody>
+                    <a:bodyPr/>
+                    <a:lstStyle/>
+                    <a:p>
+                      <a:r>
+                        <a:rPr sz="1600"/>
+                        <a:t>Ucl</a:t>
+                      </a:r>
+                    </a:p>
+                  </a:txBody>
+                  <a:tcPr/>
+                </a:tc>
+                <a:tc>
+                  <a:txBody>
+                    <a:bodyPr/>
+                    <a:lstStyle/>
+                    <a:p>
+                      <a:r>
+                        <a:rPr sz="1600"/>
+                        <a:t>Corporate</a:t>
                       </a:r>
                     </a:p>
                   </a:txBody>
@@ -6958,6 +6968,19 @@
                     <a:p>
                       <a:r>
                         <a:rPr sz="1600"/>
+                        <a:t>36%</a:t>
+                      </a:r>
+                    </a:p>
+                  </a:txBody>
+                  <a:tcPr/>
+                </a:tc>
+                <a:tc>
+                  <a:txBody>
+                    <a:bodyPr/>
+                    <a:lstStyle/>
+                    <a:p>
+                      <a:r>
+                        <a:rPr sz="1600"/>
                         <a:t>0%</a:t>
                       </a:r>
                     </a:p>
@@ -6971,6 +6994,19 @@
                     <a:p>
                       <a:r>
                         <a:rPr sz="1600"/>
+                        <a:t>21%</a:t>
+                      </a:r>
+                    </a:p>
+                  </a:txBody>
+                  <a:tcPr/>
+                </a:tc>
+                <a:tc>
+                  <a:txBody>
+                    <a:bodyPr/>
+                    <a:lstStyle/>
+                    <a:p>
+                      <a:r>
+                        <a:rPr sz="1600"/>
                         <a:t>0%</a:t>
                       </a:r>
                     </a:p>
@@ -6984,33 +7020,7 @@
                     <a:p>
                       <a:r>
                         <a:rPr sz="1600"/>
-                        <a:t>0%</a:t>
-                      </a:r>
-                    </a:p>
-                  </a:txBody>
-                  <a:tcPr/>
-                </a:tc>
-                <a:tc>
-                  <a:txBody>
-                    <a:bodyPr/>
-                    <a:lstStyle/>
-                    <a:p>
-                      <a:r>
-                        <a:rPr sz="1600"/>
-                        <a:t>50%</a:t>
-                      </a:r>
-                    </a:p>
-                  </a:txBody>
-                  <a:tcPr/>
-                </a:tc>
-                <a:tc>
-                  <a:txBody>
-                    <a:bodyPr/>
-                    <a:lstStyle/>
-                    <a:p>
-                      <a:r>
-                        <a:rPr sz="1600"/>
-                        <a:t>21%</a:t>
+                        <a:t>100%</a:t>
                       </a:r>
                     </a:p>
                   </a:txBody>
@@ -7038,6 +7048,19 @@
                     <a:p>
                       <a:r>
                         <a:rPr sz="1600"/>
+                        <a:t>6%</a:t>
+                      </a:r>
+                    </a:p>
+                  </a:txBody>
+                  <a:tcPr/>
+                </a:tc>
+                <a:tc>
+                  <a:txBody>
+                    <a:bodyPr/>
+                    <a:lstStyle/>
+                    <a:p>
+                      <a:r>
+                        <a:rPr sz="1600"/>
                         <a:t>0%</a:t>
                       </a:r>
                     </a:p>
@@ -7051,6 +7074,19 @@
                     <a:p>
                       <a:r>
                         <a:rPr sz="1600"/>
+                        <a:t>5%</a:t>
+                      </a:r>
+                    </a:p>
+                  </a:txBody>
+                  <a:tcPr/>
+                </a:tc>
+                <a:tc>
+                  <a:txBody>
+                    <a:bodyPr/>
+                    <a:lstStyle/>
+                    <a:p>
+                      <a:r>
+                        <a:rPr sz="1600"/>
                         <a:t>0%</a:t>
                       </a:r>
                     </a:p>
@@ -7065,32 +7101,6 @@
                       <a:r>
                         <a:rPr sz="1600"/>
                         <a:t>0%</a:t>
-                      </a:r>
-                    </a:p>
-                  </a:txBody>
-                  <a:tcPr/>
-                </a:tc>
-                <a:tc>
-                  <a:txBody>
-                    <a:bodyPr/>
-                    <a:lstStyle/>
-                    <a:p>
-                      <a:r>
-                        <a:rPr sz="1600"/>
-                        <a:t>50%</a:t>
-                      </a:r>
-                    </a:p>
-                  </a:txBody>
-                  <a:tcPr/>
-                </a:tc>
-                <a:tc>
-                  <a:txBody>
-                    <a:bodyPr/>
-                    <a:lstStyle/>
-                    <a:p>
-                      <a:r>
-                        <a:rPr sz="1600"/>
-                        <a:t>5%</a:t>
                       </a:r>
                     </a:p>
                   </a:txBody>
@@ -7118,6 +7128,19 @@
                     <a:p>
                       <a:r>
                         <a:rPr sz="1600"/>
+                        <a:t>58%</a:t>
+                      </a:r>
+                    </a:p>
+                  </a:txBody>
+                  <a:tcPr/>
+                </a:tc>
+                <a:tc>
+                  <a:txBody>
+                    <a:bodyPr/>
+                    <a:lstStyle/>
+                    <a:p>
+                      <a:r>
+                        <a:rPr sz="1600"/>
                         <a:t>0%</a:t>
                       </a:r>
                     </a:p>
@@ -7131,46 +7154,33 @@
                     <a:p>
                       <a:r>
                         <a:rPr sz="1600"/>
+                        <a:t>74%</a:t>
+                      </a:r>
+                    </a:p>
+                  </a:txBody>
+                  <a:tcPr/>
+                </a:tc>
+                <a:tc>
+                  <a:txBody>
+                    <a:bodyPr/>
+                    <a:lstStyle/>
+                    <a:p>
+                      <a:r>
+                        <a:rPr sz="1600"/>
+                        <a:t>100%</a:t>
+                      </a:r>
+                    </a:p>
+                  </a:txBody>
+                  <a:tcPr/>
+                </a:tc>
+                <a:tc>
+                  <a:txBody>
+                    <a:bodyPr/>
+                    <a:lstStyle/>
+                    <a:p>
+                      <a:r>
+                        <a:rPr sz="1600"/>
                         <a:t>0%</a:t>
-                      </a:r>
-                    </a:p>
-                  </a:txBody>
-                  <a:tcPr/>
-                </a:tc>
-                <a:tc>
-                  <a:txBody>
-                    <a:bodyPr/>
-                    <a:lstStyle/>
-                    <a:p>
-                      <a:r>
-                        <a:rPr sz="1600"/>
-                        <a:t>100%</a:t>
-                      </a:r>
-                    </a:p>
-                  </a:txBody>
-                  <a:tcPr/>
-                </a:tc>
-                <a:tc>
-                  <a:txBody>
-                    <a:bodyPr/>
-                    <a:lstStyle/>
-                    <a:p>
-                      <a:r>
-                        <a:rPr sz="1600"/>
-                        <a:t>0%</a:t>
-                      </a:r>
-                    </a:p>
-                  </a:txBody>
-                  <a:tcPr/>
-                </a:tc>
-                <a:tc>
-                  <a:txBody>
-                    <a:bodyPr/>
-                    <a:lstStyle/>
-                    <a:p>
-                      <a:r>
-                        <a:rPr sz="1600"/>
-                        <a:t>74%</a:t>
                       </a:r>
                     </a:p>
                   </a:txBody>
@@ -7198,7 +7208,7 @@
                     <a:p>
                       <a:r>
                         <a:rPr sz="1600"/>
-                        <a:t>0%</a:t>
+                        <a:t>100%</a:t>
                       </a:r>
                     </a:p>
                   </a:txBody>
@@ -7275,7 +7285,7 @@
         </p:xfrm>
         <a:graphic>
           <a:graphicData uri="http://schemas.openxmlformats.org/drawingml/2006/chart">
-            <c:chart xmlns:c="http://schemas.openxmlformats.org/drawingml/2006/chart" r:id="rId3"/>
+            <c:chart xmlns:c="http://schemas.openxmlformats.org/drawingml/2006/chart" r:id="rId4"/>
           </a:graphicData>
         </a:graphic>
       </p:graphicFrame>
@@ -7313,7 +7323,9 @@
           <a:lstStyle/>
           <a:p>
             <a:r>
-              <a:rPr sz="4400" b="1"/>
+              <a:rPr sz="4400" b="1">
+                <a:hlinkClick r:id="rId2"/>
+              </a:rPr>
               <a:t>Download Status</a:t>
             </a:r>
           </a:p>
@@ -7328,7 +7340,7 @@
           <p:nvPr/>
         </p:nvPicPr>
         <p:blipFill>
-          <a:blip r:embed="rId2"/>
+          <a:blip r:embed="rId3"/>
           <a:stretch>
             <a:fillRect/>
           </a:stretch>
@@ -8022,7 +8034,9 @@
           <a:lstStyle/>
           <a:p>
             <a:r>
-              <a:rPr sz="4400" b="1"/>
+              <a:rPr sz="4400" b="1">
+                <a:hlinkClick r:id="rId2"/>
+              </a:rPr>
               <a:t>Download Status Continued</a:t>
             </a:r>
           </a:p>
@@ -8037,7 +8051,7 @@
           <p:nvPr/>
         </p:nvPicPr>
         <p:blipFill>
-          <a:blip r:embed="rId2"/>
+          <a:blip r:embed="rId3"/>
           <a:stretch>
             <a:fillRect/>
           </a:stretch>
@@ -8359,7 +8373,9 @@
           <a:lstStyle/>
           <a:p>
             <a:r>
-              <a:rPr sz="4400" b="1"/>
+              <a:rPr sz="4400" b="1">
+                <a:hlinkClick r:id="rId2"/>
+              </a:rPr>
               <a:t>Learn Status</a:t>
             </a:r>
           </a:p>
@@ -8374,7 +8390,7 @@
           <p:nvPr/>
         </p:nvPicPr>
         <p:blipFill>
-          <a:blip r:embed="rId2"/>
+          <a:blip r:embed="rId3"/>
           <a:stretch>
             <a:fillRect/>
           </a:stretch>
@@ -9189,7 +9205,9 @@
           <a:lstStyle/>
           <a:p>
             <a:r>
-              <a:rPr sz="4400" b="1"/>
+              <a:rPr sz="4400" b="1">
+                <a:hlinkClick r:id="rId2"/>
+              </a:rPr>
               <a:t>Learn Status Continued</a:t>
             </a:r>
           </a:p>
@@ -9204,7 +9222,7 @@
           <p:nvPr/>
         </p:nvPicPr>
         <p:blipFill>
-          <a:blip r:embed="rId2"/>
+          <a:blip r:embed="rId3"/>
           <a:stretch>
             <a:fillRect/>
           </a:stretch>
@@ -10019,7 +10037,9 @@
           <a:lstStyle/>
           <a:p>
             <a:r>
-              <a:rPr sz="4400" b="1"/>
+              <a:rPr sz="4400" b="1">
+                <a:hlinkClick r:id="rId2"/>
+              </a:rPr>
               <a:t>Learn Status Continued</a:t>
             </a:r>
           </a:p>
@@ -10034,7 +10054,7 @@
           <p:nvPr/>
         </p:nvPicPr>
         <p:blipFill>
-          <a:blip r:embed="rId2"/>
+          <a:blip r:embed="rId3"/>
           <a:stretch>
             <a:fillRect/>
           </a:stretch>
@@ -10849,7 +10869,9 @@
           <a:lstStyle/>
           <a:p>
             <a:r>
-              <a:rPr sz="4400" b="1"/>
+              <a:rPr sz="4400" b="1">
+                <a:hlinkClick r:id="rId2"/>
+              </a:rPr>
               <a:t>Learn Status Continued</a:t>
             </a:r>
           </a:p>
@@ -10864,7 +10886,7 @@
           <p:nvPr/>
         </p:nvPicPr>
         <p:blipFill>
-          <a:blip r:embed="rId2"/>
+          <a:blip r:embed="rId3"/>
           <a:stretch>
             <a:fillRect/>
           </a:stretch>
@@ -11437,7 +11459,9 @@
           <a:lstStyle/>
           <a:p>
             <a:r>
-              <a:rPr sz="4400" b="1"/>
+              <a:rPr sz="4400" b="1">
+                <a:hlinkClick r:id="rId2"/>
+              </a:rPr>
               <a:t>Learn Status Continued</a:t>
             </a:r>
           </a:p>
@@ -11452,7 +11476,7 @@
           <p:nvPr/>
         </p:nvPicPr>
         <p:blipFill>
-          <a:blip r:embed="rId2"/>
+          <a:blip r:embed="rId3"/>
           <a:stretch>
             <a:fillRect/>
           </a:stretch>
@@ -11823,7 +11847,9 @@
           <a:lstStyle/>
           <a:p>
             <a:r>
-              <a:rPr sz="4400" b="1"/>
+              <a:rPr sz="4400" b="1">
+                <a:hlinkClick r:id="rId2"/>
+              </a:rPr>
               <a:t>Learn Status Continued</a:t>
             </a:r>
           </a:p>
@@ -11838,7 +11864,7 @@
           <p:nvPr/>
         </p:nvPicPr>
         <p:blipFill>
-          <a:blip r:embed="rId2"/>
+          <a:blip r:embed="rId3"/>
           <a:stretch>
             <a:fillRect/>
           </a:stretch>
